--- a/Aliena · SlidesCarnival.pptx
+++ b/Aliena · SlidesCarnival.pptx
@@ -5,7 +5,7 @@
     <p:sldMasterId id="2147483659" r:id="rId1"/>
   </p:sldMasterIdLst>
   <p:notesMasterIdLst>
-    <p:notesMasterId r:id="rId35"/>
+    <p:notesMasterId r:id="rId43"/>
   </p:notesMasterIdLst>
   <p:sldIdLst>
     <p:sldId id="258" r:id="rId2"/>
@@ -32,29 +32,37 @@
     <p:sldId id="296" r:id="rId23"/>
     <p:sldId id="275" r:id="rId24"/>
     <p:sldId id="277" r:id="rId25"/>
-    <p:sldId id="297" r:id="rId26"/>
-    <p:sldId id="256" r:id="rId27"/>
-    <p:sldId id="307" r:id="rId28"/>
-    <p:sldId id="268" r:id="rId29"/>
-    <p:sldId id="298" r:id="rId30"/>
-    <p:sldId id="300" r:id="rId31"/>
-    <p:sldId id="299" r:id="rId32"/>
-    <p:sldId id="261" r:id="rId33"/>
-    <p:sldId id="278" r:id="rId34"/>
+    <p:sldId id="308" r:id="rId26"/>
+    <p:sldId id="309" r:id="rId27"/>
+    <p:sldId id="310" r:id="rId28"/>
+    <p:sldId id="311" r:id="rId29"/>
+    <p:sldId id="312" r:id="rId30"/>
+    <p:sldId id="313" r:id="rId31"/>
+    <p:sldId id="314" r:id="rId32"/>
+    <p:sldId id="315" r:id="rId33"/>
+    <p:sldId id="297" r:id="rId34"/>
+    <p:sldId id="256" r:id="rId35"/>
+    <p:sldId id="307" r:id="rId36"/>
+    <p:sldId id="268" r:id="rId37"/>
+    <p:sldId id="298" r:id="rId38"/>
+    <p:sldId id="300" r:id="rId39"/>
+    <p:sldId id="299" r:id="rId40"/>
+    <p:sldId id="261" r:id="rId41"/>
+    <p:sldId id="278" r:id="rId42"/>
   </p:sldIdLst>
   <p:sldSz cx="9144000" cy="5143500" type="screen16x9"/>
   <p:notesSz cx="6858000" cy="9144000"/>
   <p:embeddedFontLst>
     <p:embeddedFont>
-      <p:font typeface="Calibri" panose="020F0502020204030204" pitchFamily="34" charset="0"/>
-      <p:regular r:id="rId36"/>
-      <p:bold r:id="rId37"/>
-      <p:italic r:id="rId38"/>
-      <p:boldItalic r:id="rId39"/>
+      <p:font typeface="Lexend Deca" pitchFamily="2" charset="0"/>
+      <p:regular r:id="rId44"/>
     </p:embeddedFont>
     <p:embeddedFont>
-      <p:font typeface="Lexend Deca" pitchFamily="2" charset="0"/>
-      <p:regular r:id="rId40"/>
+      <p:font typeface="Calibri" panose="020F0502020204030204" pitchFamily="34" charset="0"/>
+      <p:regular r:id="rId45"/>
+      <p:bold r:id="rId46"/>
+      <p:italic r:id="rId47"/>
+      <p:boldItalic r:id="rId48"/>
     </p:embeddedFont>
   </p:embeddedFontLst>
   <p:defaultTextStyle>
@@ -1835,7 +1843,7 @@
   <p:cSld>
     <p:spTree>
       <p:nvGrpSpPr>
-        <p:cNvPr id="1" name="Shape 90"/>
+        <p:cNvPr id="1" name="Shape 334"/>
         <p:cNvGrpSpPr/>
         <p:nvPr/>
       </p:nvGrpSpPr>
@@ -1849,7 +1857,7 @@
       </p:grpSpPr>
       <p:sp>
         <p:nvSpPr>
-          <p:cNvPr id="91" name="Google Shape;91;g35f391192_029:notes"/>
+          <p:cNvPr id="335" name="Google Shape;335;g35ed75ccf_0113:notes"/>
           <p:cNvSpPr>
             <a:spLocks noGrp="1" noRot="1" noChangeAspect="1"/>
           </p:cNvSpPr>
@@ -1890,7 +1898,7 @@
       </p:sp>
       <p:sp>
         <p:nvSpPr>
-          <p:cNvPr id="92" name="Google Shape;92;g35f391192_029:notes"/>
+          <p:cNvPr id="336" name="Google Shape;336;g35ed75ccf_0113:notes"/>
           <p:cNvSpPr txBox="1">
             <a:spLocks noGrp="1"/>
           </p:cNvSpPr>
@@ -1929,7 +1937,7 @@
     </p:spTree>
     <p:extLst>
       <p:ext uri="{BB962C8B-B14F-4D97-AF65-F5344CB8AC3E}">
-        <p14:creationId xmlns:p14="http://schemas.microsoft.com/office/powerpoint/2010/main" val="3251024152"/>
+        <p14:creationId xmlns:p14="http://schemas.microsoft.com/office/powerpoint/2010/main" val="80593311"/>
       </p:ext>
     </p:extLst>
   </p:cSld>
@@ -2053,7 +2061,7 @@
   <p:cSld>
     <p:spTree>
       <p:nvGrpSpPr>
-        <p:cNvPr id="1" name="Shape 56"/>
+        <p:cNvPr id="1" name="Shape 334"/>
         <p:cNvGrpSpPr/>
         <p:nvPr/>
       </p:nvGrpSpPr>
@@ -2067,7 +2075,7 @@
       </p:grpSpPr>
       <p:sp>
         <p:nvSpPr>
-          <p:cNvPr id="57" name="Google Shape;57;g35f391192_00:notes"/>
+          <p:cNvPr id="335" name="Google Shape;335;g35ed75ccf_0113:notes"/>
           <p:cNvSpPr>
             <a:spLocks noGrp="1" noRot="1" noChangeAspect="1"/>
           </p:cNvSpPr>
@@ -2108,7 +2116,7 @@
       </p:sp>
       <p:sp>
         <p:nvSpPr>
-          <p:cNvPr id="58" name="Google Shape;58;g35f391192_00:notes"/>
+          <p:cNvPr id="336" name="Google Shape;336;g35ed75ccf_0113:notes"/>
           <p:cNvSpPr txBox="1">
             <a:spLocks noGrp="1"/>
           </p:cNvSpPr>
@@ -2140,14 +2148,14 @@
               </a:spcAft>
               <a:buNone/>
             </a:pPr>
-            <a:endParaRPr dirty="0"/>
+            <a:endParaRPr/>
           </a:p>
         </p:txBody>
       </p:sp>
     </p:spTree>
     <p:extLst>
       <p:ext uri="{BB962C8B-B14F-4D97-AF65-F5344CB8AC3E}">
-        <p14:creationId xmlns:p14="http://schemas.microsoft.com/office/powerpoint/2010/main" val="3839669204"/>
+        <p14:creationId xmlns:p14="http://schemas.microsoft.com/office/powerpoint/2010/main" val="3809965632"/>
       </p:ext>
     </p:extLst>
   </p:cSld>
@@ -2158,6 +2166,660 @@
 </file>
 
 <file path=ppt/notesSlides/notesSlide21.xml><?xml version="1.0" encoding="utf-8"?>
+<p:notes xmlns:a="http://schemas.openxmlformats.org/drawingml/2006/main" xmlns:r="http://schemas.openxmlformats.org/officeDocument/2006/relationships" xmlns:p="http://schemas.openxmlformats.org/presentationml/2006/main" showMasterSp="0" showMasterPhAnim="0">
+  <p:cSld>
+    <p:spTree>
+      <p:nvGrpSpPr>
+        <p:cNvPr id="1" name="Shape 334"/>
+        <p:cNvGrpSpPr/>
+        <p:nvPr/>
+      </p:nvGrpSpPr>
+      <p:grpSpPr>
+        <a:xfrm>
+          <a:off x="0" y="0"/>
+          <a:ext cx="0" cy="0"/>
+          <a:chOff x="0" y="0"/>
+          <a:chExt cx="0" cy="0"/>
+        </a:xfrm>
+      </p:grpSpPr>
+      <p:sp>
+        <p:nvSpPr>
+          <p:cNvPr id="335" name="Google Shape;335;g35ed75ccf_0113:notes"/>
+          <p:cNvSpPr>
+            <a:spLocks noGrp="1" noRot="1" noChangeAspect="1"/>
+          </p:cNvSpPr>
+          <p:nvPr>
+            <p:ph type="sldImg" idx="2"/>
+          </p:nvPr>
+        </p:nvSpPr>
+        <p:spPr>
+          <a:xfrm>
+            <a:off x="381000" y="685800"/>
+            <a:ext cx="6096000" cy="3429000"/>
+          </a:xfrm>
+          <a:custGeom>
+            <a:avLst/>
+            <a:gdLst/>
+            <a:ahLst/>
+            <a:cxnLst/>
+            <a:rect l="l" t="t" r="r" b="b"/>
+            <a:pathLst>
+              <a:path w="120000" h="120000" extrusionOk="0">
+                <a:moveTo>
+                  <a:pt x="0" y="0"/>
+                </a:moveTo>
+                <a:lnTo>
+                  <a:pt x="120000" y="0"/>
+                </a:lnTo>
+                <a:lnTo>
+                  <a:pt x="120000" y="120000"/>
+                </a:lnTo>
+                <a:lnTo>
+                  <a:pt x="0" y="120000"/>
+                </a:lnTo>
+                <a:close/>
+              </a:path>
+            </a:pathLst>
+          </a:custGeom>
+        </p:spPr>
+      </p:sp>
+      <p:sp>
+        <p:nvSpPr>
+          <p:cNvPr id="336" name="Google Shape;336;g35ed75ccf_0113:notes"/>
+          <p:cNvSpPr txBox="1">
+            <a:spLocks noGrp="1"/>
+          </p:cNvSpPr>
+          <p:nvPr>
+            <p:ph type="body" idx="1"/>
+          </p:nvPr>
+        </p:nvSpPr>
+        <p:spPr>
+          <a:xfrm>
+            <a:off x="685800" y="4343400"/>
+            <a:ext cx="5486400" cy="4114800"/>
+          </a:xfrm>
+          <a:prstGeom prst="rect">
+            <a:avLst/>
+          </a:prstGeom>
+        </p:spPr>
+        <p:txBody>
+          <a:bodyPr spcFirstLastPara="1" wrap="square" lIns="91425" tIns="91425" rIns="91425" bIns="91425" anchor="t" anchorCtr="0">
+            <a:noAutofit/>
+          </a:bodyPr>
+          <a:lstStyle/>
+          <a:p>
+            <a:pPr marL="0" lvl="0" indent="0" algn="l" rtl="0">
+              <a:spcBef>
+                <a:spcPts val="0"/>
+              </a:spcBef>
+              <a:spcAft>
+                <a:spcPts val="0"/>
+              </a:spcAft>
+              <a:buNone/>
+            </a:pPr>
+            <a:endParaRPr/>
+          </a:p>
+        </p:txBody>
+      </p:sp>
+    </p:spTree>
+    <p:extLst>
+      <p:ext uri="{BB962C8B-B14F-4D97-AF65-F5344CB8AC3E}">
+        <p14:creationId xmlns:p14="http://schemas.microsoft.com/office/powerpoint/2010/main" val="1686256304"/>
+      </p:ext>
+    </p:extLst>
+  </p:cSld>
+  <p:clrMapOvr>
+    <a:masterClrMapping/>
+  </p:clrMapOvr>
+</p:notes>
+</file>
+
+<file path=ppt/notesSlides/notesSlide22.xml><?xml version="1.0" encoding="utf-8"?>
+<p:notes xmlns:a="http://schemas.openxmlformats.org/drawingml/2006/main" xmlns:r="http://schemas.openxmlformats.org/officeDocument/2006/relationships" xmlns:p="http://schemas.openxmlformats.org/presentationml/2006/main" showMasterSp="0" showMasterPhAnim="0">
+  <p:cSld>
+    <p:spTree>
+      <p:nvGrpSpPr>
+        <p:cNvPr id="1" name="Shape 334"/>
+        <p:cNvGrpSpPr/>
+        <p:nvPr/>
+      </p:nvGrpSpPr>
+      <p:grpSpPr>
+        <a:xfrm>
+          <a:off x="0" y="0"/>
+          <a:ext cx="0" cy="0"/>
+          <a:chOff x="0" y="0"/>
+          <a:chExt cx="0" cy="0"/>
+        </a:xfrm>
+      </p:grpSpPr>
+      <p:sp>
+        <p:nvSpPr>
+          <p:cNvPr id="335" name="Google Shape;335;g35ed75ccf_0113:notes"/>
+          <p:cNvSpPr>
+            <a:spLocks noGrp="1" noRot="1" noChangeAspect="1"/>
+          </p:cNvSpPr>
+          <p:nvPr>
+            <p:ph type="sldImg" idx="2"/>
+          </p:nvPr>
+        </p:nvSpPr>
+        <p:spPr>
+          <a:xfrm>
+            <a:off x="381000" y="685800"/>
+            <a:ext cx="6096000" cy="3429000"/>
+          </a:xfrm>
+          <a:custGeom>
+            <a:avLst/>
+            <a:gdLst/>
+            <a:ahLst/>
+            <a:cxnLst/>
+            <a:rect l="l" t="t" r="r" b="b"/>
+            <a:pathLst>
+              <a:path w="120000" h="120000" extrusionOk="0">
+                <a:moveTo>
+                  <a:pt x="0" y="0"/>
+                </a:moveTo>
+                <a:lnTo>
+                  <a:pt x="120000" y="0"/>
+                </a:lnTo>
+                <a:lnTo>
+                  <a:pt x="120000" y="120000"/>
+                </a:lnTo>
+                <a:lnTo>
+                  <a:pt x="0" y="120000"/>
+                </a:lnTo>
+                <a:close/>
+              </a:path>
+            </a:pathLst>
+          </a:custGeom>
+        </p:spPr>
+      </p:sp>
+      <p:sp>
+        <p:nvSpPr>
+          <p:cNvPr id="336" name="Google Shape;336;g35ed75ccf_0113:notes"/>
+          <p:cNvSpPr txBox="1">
+            <a:spLocks noGrp="1"/>
+          </p:cNvSpPr>
+          <p:nvPr>
+            <p:ph type="body" idx="1"/>
+          </p:nvPr>
+        </p:nvSpPr>
+        <p:spPr>
+          <a:xfrm>
+            <a:off x="685800" y="4343400"/>
+            <a:ext cx="5486400" cy="4114800"/>
+          </a:xfrm>
+          <a:prstGeom prst="rect">
+            <a:avLst/>
+          </a:prstGeom>
+        </p:spPr>
+        <p:txBody>
+          <a:bodyPr spcFirstLastPara="1" wrap="square" lIns="91425" tIns="91425" rIns="91425" bIns="91425" anchor="t" anchorCtr="0">
+            <a:noAutofit/>
+          </a:bodyPr>
+          <a:lstStyle/>
+          <a:p>
+            <a:pPr marL="0" lvl="0" indent="0" algn="l" rtl="0">
+              <a:spcBef>
+                <a:spcPts val="0"/>
+              </a:spcBef>
+              <a:spcAft>
+                <a:spcPts val="0"/>
+              </a:spcAft>
+              <a:buNone/>
+            </a:pPr>
+            <a:endParaRPr/>
+          </a:p>
+        </p:txBody>
+      </p:sp>
+    </p:spTree>
+    <p:extLst>
+      <p:ext uri="{BB962C8B-B14F-4D97-AF65-F5344CB8AC3E}">
+        <p14:creationId xmlns:p14="http://schemas.microsoft.com/office/powerpoint/2010/main" val="1081000822"/>
+      </p:ext>
+    </p:extLst>
+  </p:cSld>
+  <p:clrMapOvr>
+    <a:masterClrMapping/>
+  </p:clrMapOvr>
+</p:notes>
+</file>
+
+<file path=ppt/notesSlides/notesSlide23.xml><?xml version="1.0" encoding="utf-8"?>
+<p:notes xmlns:a="http://schemas.openxmlformats.org/drawingml/2006/main" xmlns:r="http://schemas.openxmlformats.org/officeDocument/2006/relationships" xmlns:p="http://schemas.openxmlformats.org/presentationml/2006/main" showMasterSp="0" showMasterPhAnim="0">
+  <p:cSld>
+    <p:spTree>
+      <p:nvGrpSpPr>
+        <p:cNvPr id="1" name="Shape 334"/>
+        <p:cNvGrpSpPr/>
+        <p:nvPr/>
+      </p:nvGrpSpPr>
+      <p:grpSpPr>
+        <a:xfrm>
+          <a:off x="0" y="0"/>
+          <a:ext cx="0" cy="0"/>
+          <a:chOff x="0" y="0"/>
+          <a:chExt cx="0" cy="0"/>
+        </a:xfrm>
+      </p:grpSpPr>
+      <p:sp>
+        <p:nvSpPr>
+          <p:cNvPr id="335" name="Google Shape;335;g35ed75ccf_0113:notes"/>
+          <p:cNvSpPr>
+            <a:spLocks noGrp="1" noRot="1" noChangeAspect="1"/>
+          </p:cNvSpPr>
+          <p:nvPr>
+            <p:ph type="sldImg" idx="2"/>
+          </p:nvPr>
+        </p:nvSpPr>
+        <p:spPr>
+          <a:xfrm>
+            <a:off x="381000" y="685800"/>
+            <a:ext cx="6096000" cy="3429000"/>
+          </a:xfrm>
+          <a:custGeom>
+            <a:avLst/>
+            <a:gdLst/>
+            <a:ahLst/>
+            <a:cxnLst/>
+            <a:rect l="l" t="t" r="r" b="b"/>
+            <a:pathLst>
+              <a:path w="120000" h="120000" extrusionOk="0">
+                <a:moveTo>
+                  <a:pt x="0" y="0"/>
+                </a:moveTo>
+                <a:lnTo>
+                  <a:pt x="120000" y="0"/>
+                </a:lnTo>
+                <a:lnTo>
+                  <a:pt x="120000" y="120000"/>
+                </a:lnTo>
+                <a:lnTo>
+                  <a:pt x="0" y="120000"/>
+                </a:lnTo>
+                <a:close/>
+              </a:path>
+            </a:pathLst>
+          </a:custGeom>
+        </p:spPr>
+      </p:sp>
+      <p:sp>
+        <p:nvSpPr>
+          <p:cNvPr id="336" name="Google Shape;336;g35ed75ccf_0113:notes"/>
+          <p:cNvSpPr txBox="1">
+            <a:spLocks noGrp="1"/>
+          </p:cNvSpPr>
+          <p:nvPr>
+            <p:ph type="body" idx="1"/>
+          </p:nvPr>
+        </p:nvSpPr>
+        <p:spPr>
+          <a:xfrm>
+            <a:off x="685800" y="4343400"/>
+            <a:ext cx="5486400" cy="4114800"/>
+          </a:xfrm>
+          <a:prstGeom prst="rect">
+            <a:avLst/>
+          </a:prstGeom>
+        </p:spPr>
+        <p:txBody>
+          <a:bodyPr spcFirstLastPara="1" wrap="square" lIns="91425" tIns="91425" rIns="91425" bIns="91425" anchor="t" anchorCtr="0">
+            <a:noAutofit/>
+          </a:bodyPr>
+          <a:lstStyle/>
+          <a:p>
+            <a:pPr marL="0" lvl="0" indent="0" algn="l" rtl="0">
+              <a:spcBef>
+                <a:spcPts val="0"/>
+              </a:spcBef>
+              <a:spcAft>
+                <a:spcPts val="0"/>
+              </a:spcAft>
+              <a:buNone/>
+            </a:pPr>
+            <a:endParaRPr/>
+          </a:p>
+        </p:txBody>
+      </p:sp>
+    </p:spTree>
+    <p:extLst>
+      <p:ext uri="{BB962C8B-B14F-4D97-AF65-F5344CB8AC3E}">
+        <p14:creationId xmlns:p14="http://schemas.microsoft.com/office/powerpoint/2010/main" val="650483190"/>
+      </p:ext>
+    </p:extLst>
+  </p:cSld>
+  <p:clrMapOvr>
+    <a:masterClrMapping/>
+  </p:clrMapOvr>
+</p:notes>
+</file>
+
+<file path=ppt/notesSlides/notesSlide24.xml><?xml version="1.0" encoding="utf-8"?>
+<p:notes xmlns:a="http://schemas.openxmlformats.org/drawingml/2006/main" xmlns:r="http://schemas.openxmlformats.org/officeDocument/2006/relationships" xmlns:p="http://schemas.openxmlformats.org/presentationml/2006/main" showMasterSp="0" showMasterPhAnim="0">
+  <p:cSld>
+    <p:spTree>
+      <p:nvGrpSpPr>
+        <p:cNvPr id="1" name="Shape 334"/>
+        <p:cNvGrpSpPr/>
+        <p:nvPr/>
+      </p:nvGrpSpPr>
+      <p:grpSpPr>
+        <a:xfrm>
+          <a:off x="0" y="0"/>
+          <a:ext cx="0" cy="0"/>
+          <a:chOff x="0" y="0"/>
+          <a:chExt cx="0" cy="0"/>
+        </a:xfrm>
+      </p:grpSpPr>
+      <p:sp>
+        <p:nvSpPr>
+          <p:cNvPr id="335" name="Google Shape;335;g35ed75ccf_0113:notes"/>
+          <p:cNvSpPr>
+            <a:spLocks noGrp="1" noRot="1" noChangeAspect="1"/>
+          </p:cNvSpPr>
+          <p:nvPr>
+            <p:ph type="sldImg" idx="2"/>
+          </p:nvPr>
+        </p:nvSpPr>
+        <p:spPr>
+          <a:xfrm>
+            <a:off x="381000" y="685800"/>
+            <a:ext cx="6096000" cy="3429000"/>
+          </a:xfrm>
+          <a:custGeom>
+            <a:avLst/>
+            <a:gdLst/>
+            <a:ahLst/>
+            <a:cxnLst/>
+            <a:rect l="l" t="t" r="r" b="b"/>
+            <a:pathLst>
+              <a:path w="120000" h="120000" extrusionOk="0">
+                <a:moveTo>
+                  <a:pt x="0" y="0"/>
+                </a:moveTo>
+                <a:lnTo>
+                  <a:pt x="120000" y="0"/>
+                </a:lnTo>
+                <a:lnTo>
+                  <a:pt x="120000" y="120000"/>
+                </a:lnTo>
+                <a:lnTo>
+                  <a:pt x="0" y="120000"/>
+                </a:lnTo>
+                <a:close/>
+              </a:path>
+            </a:pathLst>
+          </a:custGeom>
+        </p:spPr>
+      </p:sp>
+      <p:sp>
+        <p:nvSpPr>
+          <p:cNvPr id="336" name="Google Shape;336;g35ed75ccf_0113:notes"/>
+          <p:cNvSpPr txBox="1">
+            <a:spLocks noGrp="1"/>
+          </p:cNvSpPr>
+          <p:nvPr>
+            <p:ph type="body" idx="1"/>
+          </p:nvPr>
+        </p:nvSpPr>
+        <p:spPr>
+          <a:xfrm>
+            <a:off x="685800" y="4343400"/>
+            <a:ext cx="5486400" cy="4114800"/>
+          </a:xfrm>
+          <a:prstGeom prst="rect">
+            <a:avLst/>
+          </a:prstGeom>
+        </p:spPr>
+        <p:txBody>
+          <a:bodyPr spcFirstLastPara="1" wrap="square" lIns="91425" tIns="91425" rIns="91425" bIns="91425" anchor="t" anchorCtr="0">
+            <a:noAutofit/>
+          </a:bodyPr>
+          <a:lstStyle/>
+          <a:p>
+            <a:pPr marL="0" lvl="0" indent="0" algn="l" rtl="0">
+              <a:spcBef>
+                <a:spcPts val="0"/>
+              </a:spcBef>
+              <a:spcAft>
+                <a:spcPts val="0"/>
+              </a:spcAft>
+              <a:buNone/>
+            </a:pPr>
+            <a:endParaRPr/>
+          </a:p>
+        </p:txBody>
+      </p:sp>
+    </p:spTree>
+    <p:extLst>
+      <p:ext uri="{BB962C8B-B14F-4D97-AF65-F5344CB8AC3E}">
+        <p14:creationId xmlns:p14="http://schemas.microsoft.com/office/powerpoint/2010/main" val="3220965691"/>
+      </p:ext>
+    </p:extLst>
+  </p:cSld>
+  <p:clrMapOvr>
+    <a:masterClrMapping/>
+  </p:clrMapOvr>
+</p:notes>
+</file>
+
+<file path=ppt/notesSlides/notesSlide25.xml><?xml version="1.0" encoding="utf-8"?>
+<p:notes xmlns:a="http://schemas.openxmlformats.org/drawingml/2006/main" xmlns:r="http://schemas.openxmlformats.org/officeDocument/2006/relationships" xmlns:p="http://schemas.openxmlformats.org/presentationml/2006/main" showMasterSp="0" showMasterPhAnim="0">
+  <p:cSld>
+    <p:spTree>
+      <p:nvGrpSpPr>
+        <p:cNvPr id="1" name="Shape 334"/>
+        <p:cNvGrpSpPr/>
+        <p:nvPr/>
+      </p:nvGrpSpPr>
+      <p:grpSpPr>
+        <a:xfrm>
+          <a:off x="0" y="0"/>
+          <a:ext cx="0" cy="0"/>
+          <a:chOff x="0" y="0"/>
+          <a:chExt cx="0" cy="0"/>
+        </a:xfrm>
+      </p:grpSpPr>
+      <p:sp>
+        <p:nvSpPr>
+          <p:cNvPr id="335" name="Google Shape;335;g35ed75ccf_0113:notes"/>
+          <p:cNvSpPr>
+            <a:spLocks noGrp="1" noRot="1" noChangeAspect="1"/>
+          </p:cNvSpPr>
+          <p:nvPr>
+            <p:ph type="sldImg" idx="2"/>
+          </p:nvPr>
+        </p:nvSpPr>
+        <p:spPr>
+          <a:xfrm>
+            <a:off x="381000" y="685800"/>
+            <a:ext cx="6096000" cy="3429000"/>
+          </a:xfrm>
+          <a:custGeom>
+            <a:avLst/>
+            <a:gdLst/>
+            <a:ahLst/>
+            <a:cxnLst/>
+            <a:rect l="l" t="t" r="r" b="b"/>
+            <a:pathLst>
+              <a:path w="120000" h="120000" extrusionOk="0">
+                <a:moveTo>
+                  <a:pt x="0" y="0"/>
+                </a:moveTo>
+                <a:lnTo>
+                  <a:pt x="120000" y="0"/>
+                </a:lnTo>
+                <a:lnTo>
+                  <a:pt x="120000" y="120000"/>
+                </a:lnTo>
+                <a:lnTo>
+                  <a:pt x="0" y="120000"/>
+                </a:lnTo>
+                <a:close/>
+              </a:path>
+            </a:pathLst>
+          </a:custGeom>
+        </p:spPr>
+      </p:sp>
+      <p:sp>
+        <p:nvSpPr>
+          <p:cNvPr id="336" name="Google Shape;336;g35ed75ccf_0113:notes"/>
+          <p:cNvSpPr txBox="1">
+            <a:spLocks noGrp="1"/>
+          </p:cNvSpPr>
+          <p:nvPr>
+            <p:ph type="body" idx="1"/>
+          </p:nvPr>
+        </p:nvSpPr>
+        <p:spPr>
+          <a:xfrm>
+            <a:off x="685800" y="4343400"/>
+            <a:ext cx="5486400" cy="4114800"/>
+          </a:xfrm>
+          <a:prstGeom prst="rect">
+            <a:avLst/>
+          </a:prstGeom>
+        </p:spPr>
+        <p:txBody>
+          <a:bodyPr spcFirstLastPara="1" wrap="square" lIns="91425" tIns="91425" rIns="91425" bIns="91425" anchor="t" anchorCtr="0">
+            <a:noAutofit/>
+          </a:bodyPr>
+          <a:lstStyle/>
+          <a:p>
+            <a:pPr marL="0" lvl="0" indent="0" algn="l" rtl="0">
+              <a:spcBef>
+                <a:spcPts val="0"/>
+              </a:spcBef>
+              <a:spcAft>
+                <a:spcPts val="0"/>
+              </a:spcAft>
+              <a:buNone/>
+            </a:pPr>
+            <a:endParaRPr/>
+          </a:p>
+        </p:txBody>
+      </p:sp>
+    </p:spTree>
+    <p:extLst>
+      <p:ext uri="{BB962C8B-B14F-4D97-AF65-F5344CB8AC3E}">
+        <p14:creationId xmlns:p14="http://schemas.microsoft.com/office/powerpoint/2010/main" val="2104294532"/>
+      </p:ext>
+    </p:extLst>
+  </p:cSld>
+  <p:clrMapOvr>
+    <a:masterClrMapping/>
+  </p:clrMapOvr>
+</p:notes>
+</file>
+
+<file path=ppt/notesSlides/notesSlide26.xml><?xml version="1.0" encoding="utf-8"?>
+<p:notes xmlns:a="http://schemas.openxmlformats.org/drawingml/2006/main" xmlns:r="http://schemas.openxmlformats.org/officeDocument/2006/relationships" xmlns:p="http://schemas.openxmlformats.org/presentationml/2006/main" showMasterSp="0" showMasterPhAnim="0">
+  <p:cSld>
+    <p:spTree>
+      <p:nvGrpSpPr>
+        <p:cNvPr id="1" name="Shape 334"/>
+        <p:cNvGrpSpPr/>
+        <p:nvPr/>
+      </p:nvGrpSpPr>
+      <p:grpSpPr>
+        <a:xfrm>
+          <a:off x="0" y="0"/>
+          <a:ext cx="0" cy="0"/>
+          <a:chOff x="0" y="0"/>
+          <a:chExt cx="0" cy="0"/>
+        </a:xfrm>
+      </p:grpSpPr>
+      <p:sp>
+        <p:nvSpPr>
+          <p:cNvPr id="335" name="Google Shape;335;g35ed75ccf_0113:notes"/>
+          <p:cNvSpPr>
+            <a:spLocks noGrp="1" noRot="1" noChangeAspect="1"/>
+          </p:cNvSpPr>
+          <p:nvPr>
+            <p:ph type="sldImg" idx="2"/>
+          </p:nvPr>
+        </p:nvSpPr>
+        <p:spPr>
+          <a:xfrm>
+            <a:off x="381000" y="685800"/>
+            <a:ext cx="6096000" cy="3429000"/>
+          </a:xfrm>
+          <a:custGeom>
+            <a:avLst/>
+            <a:gdLst/>
+            <a:ahLst/>
+            <a:cxnLst/>
+            <a:rect l="l" t="t" r="r" b="b"/>
+            <a:pathLst>
+              <a:path w="120000" h="120000" extrusionOk="0">
+                <a:moveTo>
+                  <a:pt x="0" y="0"/>
+                </a:moveTo>
+                <a:lnTo>
+                  <a:pt x="120000" y="0"/>
+                </a:lnTo>
+                <a:lnTo>
+                  <a:pt x="120000" y="120000"/>
+                </a:lnTo>
+                <a:lnTo>
+                  <a:pt x="0" y="120000"/>
+                </a:lnTo>
+                <a:close/>
+              </a:path>
+            </a:pathLst>
+          </a:custGeom>
+        </p:spPr>
+      </p:sp>
+      <p:sp>
+        <p:nvSpPr>
+          <p:cNvPr id="336" name="Google Shape;336;g35ed75ccf_0113:notes"/>
+          <p:cNvSpPr txBox="1">
+            <a:spLocks noGrp="1"/>
+          </p:cNvSpPr>
+          <p:nvPr>
+            <p:ph type="body" idx="1"/>
+          </p:nvPr>
+        </p:nvSpPr>
+        <p:spPr>
+          <a:xfrm>
+            <a:off x="685800" y="4343400"/>
+            <a:ext cx="5486400" cy="4114800"/>
+          </a:xfrm>
+          <a:prstGeom prst="rect">
+            <a:avLst/>
+          </a:prstGeom>
+        </p:spPr>
+        <p:txBody>
+          <a:bodyPr spcFirstLastPara="1" wrap="square" lIns="91425" tIns="91425" rIns="91425" bIns="91425" anchor="t" anchorCtr="0">
+            <a:noAutofit/>
+          </a:bodyPr>
+          <a:lstStyle/>
+          <a:p>
+            <a:pPr marL="0" lvl="0" indent="0" algn="l" rtl="0">
+              <a:spcBef>
+                <a:spcPts val="0"/>
+              </a:spcBef>
+              <a:spcAft>
+                <a:spcPts val="0"/>
+              </a:spcAft>
+              <a:buNone/>
+            </a:pPr>
+            <a:endParaRPr/>
+          </a:p>
+        </p:txBody>
+      </p:sp>
+    </p:spTree>
+    <p:extLst>
+      <p:ext uri="{BB962C8B-B14F-4D97-AF65-F5344CB8AC3E}">
+        <p14:creationId xmlns:p14="http://schemas.microsoft.com/office/powerpoint/2010/main" val="3201534971"/>
+      </p:ext>
+    </p:extLst>
+  </p:cSld>
+  <p:clrMapOvr>
+    <a:masterClrMapping/>
+  </p:clrMapOvr>
+</p:notes>
+</file>
+
+<file path=ppt/notesSlides/notesSlide27.xml><?xml version="1.0" encoding="utf-8"?>
 <p:notes xmlns:a="http://schemas.openxmlformats.org/drawingml/2006/main" xmlns:r="http://schemas.openxmlformats.org/officeDocument/2006/relationships" xmlns:p="http://schemas.openxmlformats.org/presentationml/2006/main" showMasterSp="0" showMasterPhAnim="0">
   <p:cSld>
     <p:spTree>
@@ -2256,7 +2918,7 @@
     </p:spTree>
     <p:extLst>
       <p:ext uri="{BB962C8B-B14F-4D97-AF65-F5344CB8AC3E}">
-        <p14:creationId xmlns:p14="http://schemas.microsoft.com/office/powerpoint/2010/main" val="1799459254"/>
+        <p14:creationId xmlns:p14="http://schemas.microsoft.com/office/powerpoint/2010/main" val="3251024152"/>
       </p:ext>
     </p:extLst>
   </p:cSld>
@@ -2266,12 +2928,12 @@
 </p:notes>
 </file>
 
-<file path=ppt/notesSlides/notesSlide22.xml><?xml version="1.0" encoding="utf-8"?>
+<file path=ppt/notesSlides/notesSlide28.xml><?xml version="1.0" encoding="utf-8"?>
 <p:notes xmlns:a="http://schemas.openxmlformats.org/drawingml/2006/main" xmlns:r="http://schemas.openxmlformats.org/officeDocument/2006/relationships" xmlns:p="http://schemas.openxmlformats.org/presentationml/2006/main" showMasterSp="0" showMasterPhAnim="0">
   <p:cSld>
     <p:spTree>
       <p:nvGrpSpPr>
-        <p:cNvPr id="1" name="Shape 167"/>
+        <p:cNvPr id="1" name="Shape 56"/>
         <p:cNvGrpSpPr/>
         <p:nvPr/>
       </p:nvGrpSpPr>
@@ -2285,7 +2947,7 @@
       </p:grpSpPr>
       <p:sp>
         <p:nvSpPr>
-          <p:cNvPr id="168" name="Google Shape;168;g35f391192_073:notes"/>
+          <p:cNvPr id="57" name="Google Shape;57;g35f391192_00:notes"/>
           <p:cNvSpPr>
             <a:spLocks noGrp="1" noRot="1" noChangeAspect="1"/>
           </p:cNvSpPr>
@@ -2326,7 +2988,7 @@
       </p:sp>
       <p:sp>
         <p:nvSpPr>
-          <p:cNvPr id="169" name="Google Shape;169;g35f391192_073:notes"/>
+          <p:cNvPr id="58" name="Google Shape;58;g35f391192_00:notes"/>
           <p:cNvSpPr txBox="1">
             <a:spLocks noGrp="1"/>
           </p:cNvSpPr>
@@ -2365,7 +3027,7 @@
     </p:spTree>
     <p:extLst>
       <p:ext uri="{BB962C8B-B14F-4D97-AF65-F5344CB8AC3E}">
-        <p14:creationId xmlns:p14="http://schemas.microsoft.com/office/powerpoint/2010/main" val="573526815"/>
+        <p14:creationId xmlns:p14="http://schemas.microsoft.com/office/powerpoint/2010/main" val="3839669204"/>
       </p:ext>
     </p:extLst>
   </p:cSld>
@@ -2375,7 +3037,7 @@
 </p:notes>
 </file>
 
-<file path=ppt/notesSlides/notesSlide23.xml><?xml version="1.0" encoding="utf-8"?>
+<file path=ppt/notesSlides/notesSlide29.xml><?xml version="1.0" encoding="utf-8"?>
 <p:notes xmlns:a="http://schemas.openxmlformats.org/drawingml/2006/main" xmlns:r="http://schemas.openxmlformats.org/officeDocument/2006/relationships" xmlns:p="http://schemas.openxmlformats.org/presentationml/2006/main" showMasterSp="0" showMasterPhAnim="0">
   <p:cSld>
     <p:spTree>
@@ -2474,443 +3136,7 @@
     </p:spTree>
     <p:extLst>
       <p:ext uri="{BB962C8B-B14F-4D97-AF65-F5344CB8AC3E}">
-        <p14:creationId xmlns:p14="http://schemas.microsoft.com/office/powerpoint/2010/main" val="4164390215"/>
-      </p:ext>
-    </p:extLst>
-  </p:cSld>
-  <p:clrMapOvr>
-    <a:masterClrMapping/>
-  </p:clrMapOvr>
-</p:notes>
-</file>
-
-<file path=ppt/notesSlides/notesSlide24.xml><?xml version="1.0" encoding="utf-8"?>
-<p:notes xmlns:a="http://schemas.openxmlformats.org/drawingml/2006/main" xmlns:r="http://schemas.openxmlformats.org/officeDocument/2006/relationships" xmlns:p="http://schemas.openxmlformats.org/presentationml/2006/main" showMasterSp="0" showMasterPhAnim="0">
-  <p:cSld>
-    <p:spTree>
-      <p:nvGrpSpPr>
-        <p:cNvPr id="1" name="Shape 99"/>
-        <p:cNvGrpSpPr/>
-        <p:nvPr/>
-      </p:nvGrpSpPr>
-      <p:grpSpPr>
-        <a:xfrm>
-          <a:off x="0" y="0"/>
-          <a:ext cx="0" cy="0"/>
-          <a:chOff x="0" y="0"/>
-          <a:chExt cx="0" cy="0"/>
-        </a:xfrm>
-      </p:grpSpPr>
-      <p:sp>
-        <p:nvSpPr>
-          <p:cNvPr id="100" name="Google Shape;100;p:notes"/>
-          <p:cNvSpPr>
-            <a:spLocks noGrp="1" noRot="1" noChangeAspect="1"/>
-          </p:cNvSpPr>
-          <p:nvPr>
-            <p:ph type="sldImg" idx="2"/>
-          </p:nvPr>
-        </p:nvSpPr>
-        <p:spPr>
-          <a:xfrm>
-            <a:off x="381000" y="685800"/>
-            <a:ext cx="6096000" cy="3429000"/>
-          </a:xfrm>
-          <a:custGeom>
-            <a:avLst/>
-            <a:gdLst/>
-            <a:ahLst/>
-            <a:cxnLst/>
-            <a:rect l="l" t="t" r="r" b="b"/>
-            <a:pathLst>
-              <a:path w="120000" h="120000" extrusionOk="0">
-                <a:moveTo>
-                  <a:pt x="0" y="0"/>
-                </a:moveTo>
-                <a:lnTo>
-                  <a:pt x="120000" y="0"/>
-                </a:lnTo>
-                <a:lnTo>
-                  <a:pt x="120000" y="120000"/>
-                </a:lnTo>
-                <a:lnTo>
-                  <a:pt x="0" y="120000"/>
-                </a:lnTo>
-                <a:close/>
-              </a:path>
-            </a:pathLst>
-          </a:custGeom>
-        </p:spPr>
-      </p:sp>
-      <p:sp>
-        <p:nvSpPr>
-          <p:cNvPr id="101" name="Google Shape;101;p:notes"/>
-          <p:cNvSpPr txBox="1">
-            <a:spLocks noGrp="1"/>
-          </p:cNvSpPr>
-          <p:nvPr>
-            <p:ph type="body" idx="1"/>
-          </p:nvPr>
-        </p:nvSpPr>
-        <p:spPr>
-          <a:xfrm>
-            <a:off x="685800" y="4343400"/>
-            <a:ext cx="5486400" cy="4114800"/>
-          </a:xfrm>
-          <a:prstGeom prst="rect">
-            <a:avLst/>
-          </a:prstGeom>
-        </p:spPr>
-        <p:txBody>
-          <a:bodyPr spcFirstLastPara="1" wrap="square" lIns="91425" tIns="91425" rIns="91425" bIns="91425" anchor="t" anchorCtr="0">
-            <a:noAutofit/>
-          </a:bodyPr>
-          <a:lstStyle/>
-          <a:p>
-            <a:pPr marL="0" lvl="0" indent="0" algn="l" rtl="0">
-              <a:spcBef>
-                <a:spcPts val="0"/>
-              </a:spcBef>
-              <a:spcAft>
-                <a:spcPts val="0"/>
-              </a:spcAft>
-              <a:buNone/>
-            </a:pPr>
-            <a:endParaRPr/>
-          </a:p>
-        </p:txBody>
-      </p:sp>
-    </p:spTree>
-    <p:extLst>
-      <p:ext uri="{BB962C8B-B14F-4D97-AF65-F5344CB8AC3E}">
-        <p14:creationId xmlns:p14="http://schemas.microsoft.com/office/powerpoint/2010/main" val="291927121"/>
-      </p:ext>
-    </p:extLst>
-  </p:cSld>
-  <p:clrMapOvr>
-    <a:masterClrMapping/>
-  </p:clrMapOvr>
-</p:notes>
-</file>
-
-<file path=ppt/notesSlides/notesSlide25.xml><?xml version="1.0" encoding="utf-8"?>
-<p:notes xmlns:a="http://schemas.openxmlformats.org/drawingml/2006/main" xmlns:r="http://schemas.openxmlformats.org/officeDocument/2006/relationships" xmlns:p="http://schemas.openxmlformats.org/presentationml/2006/main" showMasterSp="0" showMasterPhAnim="0">
-  <p:cSld>
-    <p:spTree>
-      <p:nvGrpSpPr>
-        <p:cNvPr id="1" name="Shape 90"/>
-        <p:cNvGrpSpPr/>
-        <p:nvPr/>
-      </p:nvGrpSpPr>
-      <p:grpSpPr>
-        <a:xfrm>
-          <a:off x="0" y="0"/>
-          <a:ext cx="0" cy="0"/>
-          <a:chOff x="0" y="0"/>
-          <a:chExt cx="0" cy="0"/>
-        </a:xfrm>
-      </p:grpSpPr>
-      <p:sp>
-        <p:nvSpPr>
-          <p:cNvPr id="91" name="Google Shape;91;g35f391192_029:notes"/>
-          <p:cNvSpPr>
-            <a:spLocks noGrp="1" noRot="1" noChangeAspect="1"/>
-          </p:cNvSpPr>
-          <p:nvPr>
-            <p:ph type="sldImg" idx="2"/>
-          </p:nvPr>
-        </p:nvSpPr>
-        <p:spPr>
-          <a:xfrm>
-            <a:off x="381000" y="685800"/>
-            <a:ext cx="6096000" cy="3429000"/>
-          </a:xfrm>
-          <a:custGeom>
-            <a:avLst/>
-            <a:gdLst/>
-            <a:ahLst/>
-            <a:cxnLst/>
-            <a:rect l="l" t="t" r="r" b="b"/>
-            <a:pathLst>
-              <a:path w="120000" h="120000" extrusionOk="0">
-                <a:moveTo>
-                  <a:pt x="0" y="0"/>
-                </a:moveTo>
-                <a:lnTo>
-                  <a:pt x="120000" y="0"/>
-                </a:lnTo>
-                <a:lnTo>
-                  <a:pt x="120000" y="120000"/>
-                </a:lnTo>
-                <a:lnTo>
-                  <a:pt x="0" y="120000"/>
-                </a:lnTo>
-                <a:close/>
-              </a:path>
-            </a:pathLst>
-          </a:custGeom>
-        </p:spPr>
-      </p:sp>
-      <p:sp>
-        <p:nvSpPr>
-          <p:cNvPr id="92" name="Google Shape;92;g35f391192_029:notes"/>
-          <p:cNvSpPr txBox="1">
-            <a:spLocks noGrp="1"/>
-          </p:cNvSpPr>
-          <p:nvPr>
-            <p:ph type="body" idx="1"/>
-          </p:nvPr>
-        </p:nvSpPr>
-        <p:spPr>
-          <a:xfrm>
-            <a:off x="685800" y="4343400"/>
-            <a:ext cx="5486400" cy="4114800"/>
-          </a:xfrm>
-          <a:prstGeom prst="rect">
-            <a:avLst/>
-          </a:prstGeom>
-        </p:spPr>
-        <p:txBody>
-          <a:bodyPr spcFirstLastPara="1" wrap="square" lIns="91425" tIns="91425" rIns="91425" bIns="91425" anchor="t" anchorCtr="0">
-            <a:noAutofit/>
-          </a:bodyPr>
-          <a:lstStyle/>
-          <a:p>
-            <a:pPr marL="0" lvl="0" indent="0" algn="l" rtl="0">
-              <a:spcBef>
-                <a:spcPts val="0"/>
-              </a:spcBef>
-              <a:spcAft>
-                <a:spcPts val="0"/>
-              </a:spcAft>
-              <a:buNone/>
-            </a:pPr>
-            <a:endParaRPr/>
-          </a:p>
-        </p:txBody>
-      </p:sp>
-    </p:spTree>
-    <p:extLst>
-      <p:ext uri="{BB962C8B-B14F-4D97-AF65-F5344CB8AC3E}">
-        <p14:creationId xmlns:p14="http://schemas.microsoft.com/office/powerpoint/2010/main" val="1060442545"/>
-      </p:ext>
-    </p:extLst>
-  </p:cSld>
-  <p:clrMapOvr>
-    <a:masterClrMapping/>
-  </p:clrMapOvr>
-</p:notes>
-</file>
-
-<file path=ppt/notesSlides/notesSlide26.xml><?xml version="1.0" encoding="utf-8"?>
-<p:notes xmlns:a="http://schemas.openxmlformats.org/drawingml/2006/main" xmlns:r="http://schemas.openxmlformats.org/officeDocument/2006/relationships" xmlns:p="http://schemas.openxmlformats.org/presentationml/2006/main" showMasterSp="0" showMasterPhAnim="0">
-  <p:cSld>
-    <p:spTree>
-      <p:nvGrpSpPr>
-        <p:cNvPr id="1" name="Shape 99"/>
-        <p:cNvGrpSpPr/>
-        <p:nvPr/>
-      </p:nvGrpSpPr>
-      <p:grpSpPr>
-        <a:xfrm>
-          <a:off x="0" y="0"/>
-          <a:ext cx="0" cy="0"/>
-          <a:chOff x="0" y="0"/>
-          <a:chExt cx="0" cy="0"/>
-        </a:xfrm>
-      </p:grpSpPr>
-      <p:sp>
-        <p:nvSpPr>
-          <p:cNvPr id="100" name="Google Shape;100;p:notes"/>
-          <p:cNvSpPr>
-            <a:spLocks noGrp="1" noRot="1" noChangeAspect="1"/>
-          </p:cNvSpPr>
-          <p:nvPr>
-            <p:ph type="sldImg" idx="2"/>
-          </p:nvPr>
-        </p:nvSpPr>
-        <p:spPr>
-          <a:xfrm>
-            <a:off x="381000" y="685800"/>
-            <a:ext cx="6096000" cy="3429000"/>
-          </a:xfrm>
-          <a:custGeom>
-            <a:avLst/>
-            <a:gdLst/>
-            <a:ahLst/>
-            <a:cxnLst/>
-            <a:rect l="l" t="t" r="r" b="b"/>
-            <a:pathLst>
-              <a:path w="120000" h="120000" extrusionOk="0">
-                <a:moveTo>
-                  <a:pt x="0" y="0"/>
-                </a:moveTo>
-                <a:lnTo>
-                  <a:pt x="120000" y="0"/>
-                </a:lnTo>
-                <a:lnTo>
-                  <a:pt x="120000" y="120000"/>
-                </a:lnTo>
-                <a:lnTo>
-                  <a:pt x="0" y="120000"/>
-                </a:lnTo>
-                <a:close/>
-              </a:path>
-            </a:pathLst>
-          </a:custGeom>
-        </p:spPr>
-      </p:sp>
-      <p:sp>
-        <p:nvSpPr>
-          <p:cNvPr id="101" name="Google Shape;101;p:notes"/>
-          <p:cNvSpPr txBox="1">
-            <a:spLocks noGrp="1"/>
-          </p:cNvSpPr>
-          <p:nvPr>
-            <p:ph type="body" idx="1"/>
-          </p:nvPr>
-        </p:nvSpPr>
-        <p:spPr>
-          <a:xfrm>
-            <a:off x="685800" y="4343400"/>
-            <a:ext cx="5486400" cy="4114800"/>
-          </a:xfrm>
-          <a:prstGeom prst="rect">
-            <a:avLst/>
-          </a:prstGeom>
-        </p:spPr>
-        <p:txBody>
-          <a:bodyPr spcFirstLastPara="1" wrap="square" lIns="91425" tIns="91425" rIns="91425" bIns="91425" anchor="t" anchorCtr="0">
-            <a:noAutofit/>
-          </a:bodyPr>
-          <a:lstStyle/>
-          <a:p>
-            <a:pPr marL="0" lvl="0" indent="0" algn="l" rtl="0">
-              <a:spcBef>
-                <a:spcPts val="0"/>
-              </a:spcBef>
-              <a:spcAft>
-                <a:spcPts val="0"/>
-              </a:spcAft>
-              <a:buNone/>
-            </a:pPr>
-            <a:endParaRPr/>
-          </a:p>
-        </p:txBody>
-      </p:sp>
-    </p:spTree>
-    <p:extLst>
-      <p:ext uri="{BB962C8B-B14F-4D97-AF65-F5344CB8AC3E}">
-        <p14:creationId xmlns:p14="http://schemas.microsoft.com/office/powerpoint/2010/main" val="3486265937"/>
-      </p:ext>
-    </p:extLst>
-  </p:cSld>
-  <p:clrMapOvr>
-    <a:masterClrMapping/>
-  </p:clrMapOvr>
-</p:notes>
-</file>
-
-<file path=ppt/notesSlides/notesSlide27.xml><?xml version="1.0" encoding="utf-8"?>
-<p:notes xmlns:a="http://schemas.openxmlformats.org/drawingml/2006/main" xmlns:r="http://schemas.openxmlformats.org/officeDocument/2006/relationships" xmlns:p="http://schemas.openxmlformats.org/presentationml/2006/main" showMasterSp="0" showMasterPhAnim="0">
-  <p:cSld>
-    <p:spTree>
-      <p:nvGrpSpPr>
-        <p:cNvPr id="1" name="Shape 346"/>
-        <p:cNvGrpSpPr/>
-        <p:nvPr/>
-      </p:nvGrpSpPr>
-      <p:grpSpPr>
-        <a:xfrm>
-          <a:off x="0" y="0"/>
-          <a:ext cx="0" cy="0"/>
-          <a:chOff x="0" y="0"/>
-          <a:chExt cx="0" cy="0"/>
-        </a:xfrm>
-      </p:grpSpPr>
-      <p:sp>
-        <p:nvSpPr>
-          <p:cNvPr id="347" name="Google Shape;347;g35ed75ccf_022:notes"/>
-          <p:cNvSpPr>
-            <a:spLocks noGrp="1" noRot="1" noChangeAspect="1"/>
-          </p:cNvSpPr>
-          <p:nvPr>
-            <p:ph type="sldImg" idx="2"/>
-          </p:nvPr>
-        </p:nvSpPr>
-        <p:spPr>
-          <a:xfrm>
-            <a:off x="381000" y="685800"/>
-            <a:ext cx="6096000" cy="3429000"/>
-          </a:xfrm>
-          <a:custGeom>
-            <a:avLst/>
-            <a:gdLst/>
-            <a:ahLst/>
-            <a:cxnLst/>
-            <a:rect l="l" t="t" r="r" b="b"/>
-            <a:pathLst>
-              <a:path w="120000" h="120000" extrusionOk="0">
-                <a:moveTo>
-                  <a:pt x="0" y="0"/>
-                </a:moveTo>
-                <a:lnTo>
-                  <a:pt x="120000" y="0"/>
-                </a:lnTo>
-                <a:lnTo>
-                  <a:pt x="120000" y="120000"/>
-                </a:lnTo>
-                <a:lnTo>
-                  <a:pt x="0" y="120000"/>
-                </a:lnTo>
-                <a:close/>
-              </a:path>
-            </a:pathLst>
-          </a:custGeom>
-        </p:spPr>
-      </p:sp>
-      <p:sp>
-        <p:nvSpPr>
-          <p:cNvPr id="348" name="Google Shape;348;g35ed75ccf_022:notes"/>
-          <p:cNvSpPr txBox="1">
-            <a:spLocks noGrp="1"/>
-          </p:cNvSpPr>
-          <p:nvPr>
-            <p:ph type="body" idx="1"/>
-          </p:nvPr>
-        </p:nvSpPr>
-        <p:spPr>
-          <a:xfrm>
-            <a:off x="685800" y="4343400"/>
-            <a:ext cx="5486400" cy="4114800"/>
-          </a:xfrm>
-          <a:prstGeom prst="rect">
-            <a:avLst/>
-          </a:prstGeom>
-        </p:spPr>
-        <p:txBody>
-          <a:bodyPr spcFirstLastPara="1" wrap="square" lIns="91425" tIns="91425" rIns="91425" bIns="91425" anchor="t" anchorCtr="0">
-            <a:noAutofit/>
-          </a:bodyPr>
-          <a:lstStyle/>
-          <a:p>
-            <a:pPr marL="0" lvl="0" indent="0" algn="l" rtl="0">
-              <a:spcBef>
-                <a:spcPts val="0"/>
-              </a:spcBef>
-              <a:spcAft>
-                <a:spcPts val="0"/>
-              </a:spcAft>
-              <a:buNone/>
-            </a:pPr>
-            <a:endParaRPr/>
-          </a:p>
-        </p:txBody>
-      </p:sp>
-    </p:spTree>
-    <p:extLst>
-      <p:ext uri="{BB962C8B-B14F-4D97-AF65-F5344CB8AC3E}">
-        <p14:creationId xmlns:p14="http://schemas.microsoft.com/office/powerpoint/2010/main" val="3836401272"/>
+        <p14:creationId xmlns:p14="http://schemas.microsoft.com/office/powerpoint/2010/main" val="1799459254"/>
       </p:ext>
     </p:extLst>
   </p:cSld>
@@ -3020,6 +3246,660 @@
     <p:extLst>
       <p:ext uri="{BB962C8B-B14F-4D97-AF65-F5344CB8AC3E}">
         <p14:creationId xmlns:p14="http://schemas.microsoft.com/office/powerpoint/2010/main" val="2127934028"/>
+      </p:ext>
+    </p:extLst>
+  </p:cSld>
+  <p:clrMapOvr>
+    <a:masterClrMapping/>
+  </p:clrMapOvr>
+</p:notes>
+</file>
+
+<file path=ppt/notesSlides/notesSlide30.xml><?xml version="1.0" encoding="utf-8"?>
+<p:notes xmlns:a="http://schemas.openxmlformats.org/drawingml/2006/main" xmlns:r="http://schemas.openxmlformats.org/officeDocument/2006/relationships" xmlns:p="http://schemas.openxmlformats.org/presentationml/2006/main" showMasterSp="0" showMasterPhAnim="0">
+  <p:cSld>
+    <p:spTree>
+      <p:nvGrpSpPr>
+        <p:cNvPr id="1" name="Shape 167"/>
+        <p:cNvGrpSpPr/>
+        <p:nvPr/>
+      </p:nvGrpSpPr>
+      <p:grpSpPr>
+        <a:xfrm>
+          <a:off x="0" y="0"/>
+          <a:ext cx="0" cy="0"/>
+          <a:chOff x="0" y="0"/>
+          <a:chExt cx="0" cy="0"/>
+        </a:xfrm>
+      </p:grpSpPr>
+      <p:sp>
+        <p:nvSpPr>
+          <p:cNvPr id="168" name="Google Shape;168;g35f391192_073:notes"/>
+          <p:cNvSpPr>
+            <a:spLocks noGrp="1" noRot="1" noChangeAspect="1"/>
+          </p:cNvSpPr>
+          <p:nvPr>
+            <p:ph type="sldImg" idx="2"/>
+          </p:nvPr>
+        </p:nvSpPr>
+        <p:spPr>
+          <a:xfrm>
+            <a:off x="381000" y="685800"/>
+            <a:ext cx="6096000" cy="3429000"/>
+          </a:xfrm>
+          <a:custGeom>
+            <a:avLst/>
+            <a:gdLst/>
+            <a:ahLst/>
+            <a:cxnLst/>
+            <a:rect l="l" t="t" r="r" b="b"/>
+            <a:pathLst>
+              <a:path w="120000" h="120000" extrusionOk="0">
+                <a:moveTo>
+                  <a:pt x="0" y="0"/>
+                </a:moveTo>
+                <a:lnTo>
+                  <a:pt x="120000" y="0"/>
+                </a:lnTo>
+                <a:lnTo>
+                  <a:pt x="120000" y="120000"/>
+                </a:lnTo>
+                <a:lnTo>
+                  <a:pt x="0" y="120000"/>
+                </a:lnTo>
+                <a:close/>
+              </a:path>
+            </a:pathLst>
+          </a:custGeom>
+        </p:spPr>
+      </p:sp>
+      <p:sp>
+        <p:nvSpPr>
+          <p:cNvPr id="169" name="Google Shape;169;g35f391192_073:notes"/>
+          <p:cNvSpPr txBox="1">
+            <a:spLocks noGrp="1"/>
+          </p:cNvSpPr>
+          <p:nvPr>
+            <p:ph type="body" idx="1"/>
+          </p:nvPr>
+        </p:nvSpPr>
+        <p:spPr>
+          <a:xfrm>
+            <a:off x="685800" y="4343400"/>
+            <a:ext cx="5486400" cy="4114800"/>
+          </a:xfrm>
+          <a:prstGeom prst="rect">
+            <a:avLst/>
+          </a:prstGeom>
+        </p:spPr>
+        <p:txBody>
+          <a:bodyPr spcFirstLastPara="1" wrap="square" lIns="91425" tIns="91425" rIns="91425" bIns="91425" anchor="t" anchorCtr="0">
+            <a:noAutofit/>
+          </a:bodyPr>
+          <a:lstStyle/>
+          <a:p>
+            <a:pPr marL="0" lvl="0" indent="0" algn="l" rtl="0">
+              <a:spcBef>
+                <a:spcPts val="0"/>
+              </a:spcBef>
+              <a:spcAft>
+                <a:spcPts val="0"/>
+              </a:spcAft>
+              <a:buNone/>
+            </a:pPr>
+            <a:endParaRPr dirty="0"/>
+          </a:p>
+        </p:txBody>
+      </p:sp>
+    </p:spTree>
+    <p:extLst>
+      <p:ext uri="{BB962C8B-B14F-4D97-AF65-F5344CB8AC3E}">
+        <p14:creationId xmlns:p14="http://schemas.microsoft.com/office/powerpoint/2010/main" val="573526815"/>
+      </p:ext>
+    </p:extLst>
+  </p:cSld>
+  <p:clrMapOvr>
+    <a:masterClrMapping/>
+  </p:clrMapOvr>
+</p:notes>
+</file>
+
+<file path=ppt/notesSlides/notesSlide31.xml><?xml version="1.0" encoding="utf-8"?>
+<p:notes xmlns:a="http://schemas.openxmlformats.org/drawingml/2006/main" xmlns:r="http://schemas.openxmlformats.org/officeDocument/2006/relationships" xmlns:p="http://schemas.openxmlformats.org/presentationml/2006/main" showMasterSp="0" showMasterPhAnim="0">
+  <p:cSld>
+    <p:spTree>
+      <p:nvGrpSpPr>
+        <p:cNvPr id="1" name="Shape 90"/>
+        <p:cNvGrpSpPr/>
+        <p:nvPr/>
+      </p:nvGrpSpPr>
+      <p:grpSpPr>
+        <a:xfrm>
+          <a:off x="0" y="0"/>
+          <a:ext cx="0" cy="0"/>
+          <a:chOff x="0" y="0"/>
+          <a:chExt cx="0" cy="0"/>
+        </a:xfrm>
+      </p:grpSpPr>
+      <p:sp>
+        <p:nvSpPr>
+          <p:cNvPr id="91" name="Google Shape;91;g35f391192_029:notes"/>
+          <p:cNvSpPr>
+            <a:spLocks noGrp="1" noRot="1" noChangeAspect="1"/>
+          </p:cNvSpPr>
+          <p:nvPr>
+            <p:ph type="sldImg" idx="2"/>
+          </p:nvPr>
+        </p:nvSpPr>
+        <p:spPr>
+          <a:xfrm>
+            <a:off x="381000" y="685800"/>
+            <a:ext cx="6096000" cy="3429000"/>
+          </a:xfrm>
+          <a:custGeom>
+            <a:avLst/>
+            <a:gdLst/>
+            <a:ahLst/>
+            <a:cxnLst/>
+            <a:rect l="l" t="t" r="r" b="b"/>
+            <a:pathLst>
+              <a:path w="120000" h="120000" extrusionOk="0">
+                <a:moveTo>
+                  <a:pt x="0" y="0"/>
+                </a:moveTo>
+                <a:lnTo>
+                  <a:pt x="120000" y="0"/>
+                </a:lnTo>
+                <a:lnTo>
+                  <a:pt x="120000" y="120000"/>
+                </a:lnTo>
+                <a:lnTo>
+                  <a:pt x="0" y="120000"/>
+                </a:lnTo>
+                <a:close/>
+              </a:path>
+            </a:pathLst>
+          </a:custGeom>
+        </p:spPr>
+      </p:sp>
+      <p:sp>
+        <p:nvSpPr>
+          <p:cNvPr id="92" name="Google Shape;92;g35f391192_029:notes"/>
+          <p:cNvSpPr txBox="1">
+            <a:spLocks noGrp="1"/>
+          </p:cNvSpPr>
+          <p:nvPr>
+            <p:ph type="body" idx="1"/>
+          </p:nvPr>
+        </p:nvSpPr>
+        <p:spPr>
+          <a:xfrm>
+            <a:off x="685800" y="4343400"/>
+            <a:ext cx="5486400" cy="4114800"/>
+          </a:xfrm>
+          <a:prstGeom prst="rect">
+            <a:avLst/>
+          </a:prstGeom>
+        </p:spPr>
+        <p:txBody>
+          <a:bodyPr spcFirstLastPara="1" wrap="square" lIns="91425" tIns="91425" rIns="91425" bIns="91425" anchor="t" anchorCtr="0">
+            <a:noAutofit/>
+          </a:bodyPr>
+          <a:lstStyle/>
+          <a:p>
+            <a:pPr marL="0" lvl="0" indent="0" algn="l" rtl="0">
+              <a:spcBef>
+                <a:spcPts val="0"/>
+              </a:spcBef>
+              <a:spcAft>
+                <a:spcPts val="0"/>
+              </a:spcAft>
+              <a:buNone/>
+            </a:pPr>
+            <a:endParaRPr/>
+          </a:p>
+        </p:txBody>
+      </p:sp>
+    </p:spTree>
+    <p:extLst>
+      <p:ext uri="{BB962C8B-B14F-4D97-AF65-F5344CB8AC3E}">
+        <p14:creationId xmlns:p14="http://schemas.microsoft.com/office/powerpoint/2010/main" val="4164390215"/>
+      </p:ext>
+    </p:extLst>
+  </p:cSld>
+  <p:clrMapOvr>
+    <a:masterClrMapping/>
+  </p:clrMapOvr>
+</p:notes>
+</file>
+
+<file path=ppt/notesSlides/notesSlide32.xml><?xml version="1.0" encoding="utf-8"?>
+<p:notes xmlns:a="http://schemas.openxmlformats.org/drawingml/2006/main" xmlns:r="http://schemas.openxmlformats.org/officeDocument/2006/relationships" xmlns:p="http://schemas.openxmlformats.org/presentationml/2006/main" showMasterSp="0" showMasterPhAnim="0">
+  <p:cSld>
+    <p:spTree>
+      <p:nvGrpSpPr>
+        <p:cNvPr id="1" name="Shape 99"/>
+        <p:cNvGrpSpPr/>
+        <p:nvPr/>
+      </p:nvGrpSpPr>
+      <p:grpSpPr>
+        <a:xfrm>
+          <a:off x="0" y="0"/>
+          <a:ext cx="0" cy="0"/>
+          <a:chOff x="0" y="0"/>
+          <a:chExt cx="0" cy="0"/>
+        </a:xfrm>
+      </p:grpSpPr>
+      <p:sp>
+        <p:nvSpPr>
+          <p:cNvPr id="100" name="Google Shape;100;p:notes"/>
+          <p:cNvSpPr>
+            <a:spLocks noGrp="1" noRot="1" noChangeAspect="1"/>
+          </p:cNvSpPr>
+          <p:nvPr>
+            <p:ph type="sldImg" idx="2"/>
+          </p:nvPr>
+        </p:nvSpPr>
+        <p:spPr>
+          <a:xfrm>
+            <a:off x="381000" y="685800"/>
+            <a:ext cx="6096000" cy="3429000"/>
+          </a:xfrm>
+          <a:custGeom>
+            <a:avLst/>
+            <a:gdLst/>
+            <a:ahLst/>
+            <a:cxnLst/>
+            <a:rect l="l" t="t" r="r" b="b"/>
+            <a:pathLst>
+              <a:path w="120000" h="120000" extrusionOk="0">
+                <a:moveTo>
+                  <a:pt x="0" y="0"/>
+                </a:moveTo>
+                <a:lnTo>
+                  <a:pt x="120000" y="0"/>
+                </a:lnTo>
+                <a:lnTo>
+                  <a:pt x="120000" y="120000"/>
+                </a:lnTo>
+                <a:lnTo>
+                  <a:pt x="0" y="120000"/>
+                </a:lnTo>
+                <a:close/>
+              </a:path>
+            </a:pathLst>
+          </a:custGeom>
+        </p:spPr>
+      </p:sp>
+      <p:sp>
+        <p:nvSpPr>
+          <p:cNvPr id="101" name="Google Shape;101;p:notes"/>
+          <p:cNvSpPr txBox="1">
+            <a:spLocks noGrp="1"/>
+          </p:cNvSpPr>
+          <p:nvPr>
+            <p:ph type="body" idx="1"/>
+          </p:nvPr>
+        </p:nvSpPr>
+        <p:spPr>
+          <a:xfrm>
+            <a:off x="685800" y="4343400"/>
+            <a:ext cx="5486400" cy="4114800"/>
+          </a:xfrm>
+          <a:prstGeom prst="rect">
+            <a:avLst/>
+          </a:prstGeom>
+        </p:spPr>
+        <p:txBody>
+          <a:bodyPr spcFirstLastPara="1" wrap="square" lIns="91425" tIns="91425" rIns="91425" bIns="91425" anchor="t" anchorCtr="0">
+            <a:noAutofit/>
+          </a:bodyPr>
+          <a:lstStyle/>
+          <a:p>
+            <a:pPr marL="0" lvl="0" indent="0" algn="l" rtl="0">
+              <a:spcBef>
+                <a:spcPts val="0"/>
+              </a:spcBef>
+              <a:spcAft>
+                <a:spcPts val="0"/>
+              </a:spcAft>
+              <a:buNone/>
+            </a:pPr>
+            <a:endParaRPr/>
+          </a:p>
+        </p:txBody>
+      </p:sp>
+    </p:spTree>
+    <p:extLst>
+      <p:ext uri="{BB962C8B-B14F-4D97-AF65-F5344CB8AC3E}">
+        <p14:creationId xmlns:p14="http://schemas.microsoft.com/office/powerpoint/2010/main" val="291927121"/>
+      </p:ext>
+    </p:extLst>
+  </p:cSld>
+  <p:clrMapOvr>
+    <a:masterClrMapping/>
+  </p:clrMapOvr>
+</p:notes>
+</file>
+
+<file path=ppt/notesSlides/notesSlide33.xml><?xml version="1.0" encoding="utf-8"?>
+<p:notes xmlns:a="http://schemas.openxmlformats.org/drawingml/2006/main" xmlns:r="http://schemas.openxmlformats.org/officeDocument/2006/relationships" xmlns:p="http://schemas.openxmlformats.org/presentationml/2006/main" showMasterSp="0" showMasterPhAnim="0">
+  <p:cSld>
+    <p:spTree>
+      <p:nvGrpSpPr>
+        <p:cNvPr id="1" name="Shape 90"/>
+        <p:cNvGrpSpPr/>
+        <p:nvPr/>
+      </p:nvGrpSpPr>
+      <p:grpSpPr>
+        <a:xfrm>
+          <a:off x="0" y="0"/>
+          <a:ext cx="0" cy="0"/>
+          <a:chOff x="0" y="0"/>
+          <a:chExt cx="0" cy="0"/>
+        </a:xfrm>
+      </p:grpSpPr>
+      <p:sp>
+        <p:nvSpPr>
+          <p:cNvPr id="91" name="Google Shape;91;g35f391192_029:notes"/>
+          <p:cNvSpPr>
+            <a:spLocks noGrp="1" noRot="1" noChangeAspect="1"/>
+          </p:cNvSpPr>
+          <p:nvPr>
+            <p:ph type="sldImg" idx="2"/>
+          </p:nvPr>
+        </p:nvSpPr>
+        <p:spPr>
+          <a:xfrm>
+            <a:off x="381000" y="685800"/>
+            <a:ext cx="6096000" cy="3429000"/>
+          </a:xfrm>
+          <a:custGeom>
+            <a:avLst/>
+            <a:gdLst/>
+            <a:ahLst/>
+            <a:cxnLst/>
+            <a:rect l="l" t="t" r="r" b="b"/>
+            <a:pathLst>
+              <a:path w="120000" h="120000" extrusionOk="0">
+                <a:moveTo>
+                  <a:pt x="0" y="0"/>
+                </a:moveTo>
+                <a:lnTo>
+                  <a:pt x="120000" y="0"/>
+                </a:lnTo>
+                <a:lnTo>
+                  <a:pt x="120000" y="120000"/>
+                </a:lnTo>
+                <a:lnTo>
+                  <a:pt x="0" y="120000"/>
+                </a:lnTo>
+                <a:close/>
+              </a:path>
+            </a:pathLst>
+          </a:custGeom>
+        </p:spPr>
+      </p:sp>
+      <p:sp>
+        <p:nvSpPr>
+          <p:cNvPr id="92" name="Google Shape;92;g35f391192_029:notes"/>
+          <p:cNvSpPr txBox="1">
+            <a:spLocks noGrp="1"/>
+          </p:cNvSpPr>
+          <p:nvPr>
+            <p:ph type="body" idx="1"/>
+          </p:nvPr>
+        </p:nvSpPr>
+        <p:spPr>
+          <a:xfrm>
+            <a:off x="685800" y="4343400"/>
+            <a:ext cx="5486400" cy="4114800"/>
+          </a:xfrm>
+          <a:prstGeom prst="rect">
+            <a:avLst/>
+          </a:prstGeom>
+        </p:spPr>
+        <p:txBody>
+          <a:bodyPr spcFirstLastPara="1" wrap="square" lIns="91425" tIns="91425" rIns="91425" bIns="91425" anchor="t" anchorCtr="0">
+            <a:noAutofit/>
+          </a:bodyPr>
+          <a:lstStyle/>
+          <a:p>
+            <a:pPr marL="0" lvl="0" indent="0" algn="l" rtl="0">
+              <a:spcBef>
+                <a:spcPts val="0"/>
+              </a:spcBef>
+              <a:spcAft>
+                <a:spcPts val="0"/>
+              </a:spcAft>
+              <a:buNone/>
+            </a:pPr>
+            <a:endParaRPr/>
+          </a:p>
+        </p:txBody>
+      </p:sp>
+    </p:spTree>
+    <p:extLst>
+      <p:ext uri="{BB962C8B-B14F-4D97-AF65-F5344CB8AC3E}">
+        <p14:creationId xmlns:p14="http://schemas.microsoft.com/office/powerpoint/2010/main" val="1060442545"/>
+      </p:ext>
+    </p:extLst>
+  </p:cSld>
+  <p:clrMapOvr>
+    <a:masterClrMapping/>
+  </p:clrMapOvr>
+</p:notes>
+</file>
+
+<file path=ppt/notesSlides/notesSlide34.xml><?xml version="1.0" encoding="utf-8"?>
+<p:notes xmlns:a="http://schemas.openxmlformats.org/drawingml/2006/main" xmlns:r="http://schemas.openxmlformats.org/officeDocument/2006/relationships" xmlns:p="http://schemas.openxmlformats.org/presentationml/2006/main" showMasterSp="0" showMasterPhAnim="0">
+  <p:cSld>
+    <p:spTree>
+      <p:nvGrpSpPr>
+        <p:cNvPr id="1" name="Shape 99"/>
+        <p:cNvGrpSpPr/>
+        <p:nvPr/>
+      </p:nvGrpSpPr>
+      <p:grpSpPr>
+        <a:xfrm>
+          <a:off x="0" y="0"/>
+          <a:ext cx="0" cy="0"/>
+          <a:chOff x="0" y="0"/>
+          <a:chExt cx="0" cy="0"/>
+        </a:xfrm>
+      </p:grpSpPr>
+      <p:sp>
+        <p:nvSpPr>
+          <p:cNvPr id="100" name="Google Shape;100;p:notes"/>
+          <p:cNvSpPr>
+            <a:spLocks noGrp="1" noRot="1" noChangeAspect="1"/>
+          </p:cNvSpPr>
+          <p:nvPr>
+            <p:ph type="sldImg" idx="2"/>
+          </p:nvPr>
+        </p:nvSpPr>
+        <p:spPr>
+          <a:xfrm>
+            <a:off x="381000" y="685800"/>
+            <a:ext cx="6096000" cy="3429000"/>
+          </a:xfrm>
+          <a:custGeom>
+            <a:avLst/>
+            <a:gdLst/>
+            <a:ahLst/>
+            <a:cxnLst/>
+            <a:rect l="l" t="t" r="r" b="b"/>
+            <a:pathLst>
+              <a:path w="120000" h="120000" extrusionOk="0">
+                <a:moveTo>
+                  <a:pt x="0" y="0"/>
+                </a:moveTo>
+                <a:lnTo>
+                  <a:pt x="120000" y="0"/>
+                </a:lnTo>
+                <a:lnTo>
+                  <a:pt x="120000" y="120000"/>
+                </a:lnTo>
+                <a:lnTo>
+                  <a:pt x="0" y="120000"/>
+                </a:lnTo>
+                <a:close/>
+              </a:path>
+            </a:pathLst>
+          </a:custGeom>
+        </p:spPr>
+      </p:sp>
+      <p:sp>
+        <p:nvSpPr>
+          <p:cNvPr id="101" name="Google Shape;101;p:notes"/>
+          <p:cNvSpPr txBox="1">
+            <a:spLocks noGrp="1"/>
+          </p:cNvSpPr>
+          <p:nvPr>
+            <p:ph type="body" idx="1"/>
+          </p:nvPr>
+        </p:nvSpPr>
+        <p:spPr>
+          <a:xfrm>
+            <a:off x="685800" y="4343400"/>
+            <a:ext cx="5486400" cy="4114800"/>
+          </a:xfrm>
+          <a:prstGeom prst="rect">
+            <a:avLst/>
+          </a:prstGeom>
+        </p:spPr>
+        <p:txBody>
+          <a:bodyPr spcFirstLastPara="1" wrap="square" lIns="91425" tIns="91425" rIns="91425" bIns="91425" anchor="t" anchorCtr="0">
+            <a:noAutofit/>
+          </a:bodyPr>
+          <a:lstStyle/>
+          <a:p>
+            <a:pPr marL="0" lvl="0" indent="0" algn="l" rtl="0">
+              <a:spcBef>
+                <a:spcPts val="0"/>
+              </a:spcBef>
+              <a:spcAft>
+                <a:spcPts val="0"/>
+              </a:spcAft>
+              <a:buNone/>
+            </a:pPr>
+            <a:endParaRPr/>
+          </a:p>
+        </p:txBody>
+      </p:sp>
+    </p:spTree>
+    <p:extLst>
+      <p:ext uri="{BB962C8B-B14F-4D97-AF65-F5344CB8AC3E}">
+        <p14:creationId xmlns:p14="http://schemas.microsoft.com/office/powerpoint/2010/main" val="3486265937"/>
+      </p:ext>
+    </p:extLst>
+  </p:cSld>
+  <p:clrMapOvr>
+    <a:masterClrMapping/>
+  </p:clrMapOvr>
+</p:notes>
+</file>
+
+<file path=ppt/notesSlides/notesSlide35.xml><?xml version="1.0" encoding="utf-8"?>
+<p:notes xmlns:a="http://schemas.openxmlformats.org/drawingml/2006/main" xmlns:r="http://schemas.openxmlformats.org/officeDocument/2006/relationships" xmlns:p="http://schemas.openxmlformats.org/presentationml/2006/main" showMasterSp="0" showMasterPhAnim="0">
+  <p:cSld>
+    <p:spTree>
+      <p:nvGrpSpPr>
+        <p:cNvPr id="1" name="Shape 346"/>
+        <p:cNvGrpSpPr/>
+        <p:nvPr/>
+      </p:nvGrpSpPr>
+      <p:grpSpPr>
+        <a:xfrm>
+          <a:off x="0" y="0"/>
+          <a:ext cx="0" cy="0"/>
+          <a:chOff x="0" y="0"/>
+          <a:chExt cx="0" cy="0"/>
+        </a:xfrm>
+      </p:grpSpPr>
+      <p:sp>
+        <p:nvSpPr>
+          <p:cNvPr id="347" name="Google Shape;347;g35ed75ccf_022:notes"/>
+          <p:cNvSpPr>
+            <a:spLocks noGrp="1" noRot="1" noChangeAspect="1"/>
+          </p:cNvSpPr>
+          <p:nvPr>
+            <p:ph type="sldImg" idx="2"/>
+          </p:nvPr>
+        </p:nvSpPr>
+        <p:spPr>
+          <a:xfrm>
+            <a:off x="381000" y="685800"/>
+            <a:ext cx="6096000" cy="3429000"/>
+          </a:xfrm>
+          <a:custGeom>
+            <a:avLst/>
+            <a:gdLst/>
+            <a:ahLst/>
+            <a:cxnLst/>
+            <a:rect l="l" t="t" r="r" b="b"/>
+            <a:pathLst>
+              <a:path w="120000" h="120000" extrusionOk="0">
+                <a:moveTo>
+                  <a:pt x="0" y="0"/>
+                </a:moveTo>
+                <a:lnTo>
+                  <a:pt x="120000" y="0"/>
+                </a:lnTo>
+                <a:lnTo>
+                  <a:pt x="120000" y="120000"/>
+                </a:lnTo>
+                <a:lnTo>
+                  <a:pt x="0" y="120000"/>
+                </a:lnTo>
+                <a:close/>
+              </a:path>
+            </a:pathLst>
+          </a:custGeom>
+        </p:spPr>
+      </p:sp>
+      <p:sp>
+        <p:nvSpPr>
+          <p:cNvPr id="348" name="Google Shape;348;g35ed75ccf_022:notes"/>
+          <p:cNvSpPr txBox="1">
+            <a:spLocks noGrp="1"/>
+          </p:cNvSpPr>
+          <p:nvPr>
+            <p:ph type="body" idx="1"/>
+          </p:nvPr>
+        </p:nvSpPr>
+        <p:spPr>
+          <a:xfrm>
+            <a:off x="685800" y="4343400"/>
+            <a:ext cx="5486400" cy="4114800"/>
+          </a:xfrm>
+          <a:prstGeom prst="rect">
+            <a:avLst/>
+          </a:prstGeom>
+        </p:spPr>
+        <p:txBody>
+          <a:bodyPr spcFirstLastPara="1" wrap="square" lIns="91425" tIns="91425" rIns="91425" bIns="91425" anchor="t" anchorCtr="0">
+            <a:noAutofit/>
+          </a:bodyPr>
+          <a:lstStyle/>
+          <a:p>
+            <a:pPr marL="0" lvl="0" indent="0" algn="l" rtl="0">
+              <a:spcBef>
+                <a:spcPts val="0"/>
+              </a:spcBef>
+              <a:spcAft>
+                <a:spcPts val="0"/>
+              </a:spcAft>
+              <a:buNone/>
+            </a:pPr>
+            <a:endParaRPr/>
+          </a:p>
+        </p:txBody>
+      </p:sp>
+    </p:spTree>
+    <p:extLst>
+      <p:ext uri="{BB962C8B-B14F-4D97-AF65-F5344CB8AC3E}">
+        <p14:creationId xmlns:p14="http://schemas.microsoft.com/office/powerpoint/2010/main" val="3836401272"/>
       </p:ext>
     </p:extLst>
   </p:cSld>
@@ -14786,10 +15666,10 @@
         </p:nvGrpSpPr>
         <p:grpSpPr>
           <a:xfrm>
-            <a:off x="3737922" y="1063916"/>
-            <a:ext cx="5147174" cy="3015668"/>
-            <a:chOff x="1177450" y="241631"/>
-            <a:chExt cx="6173152" cy="3616776"/>
+            <a:off x="3400424" y="1047750"/>
+            <a:ext cx="5553075" cy="3094148"/>
+            <a:chOff x="772679" y="222243"/>
+            <a:chExt cx="6659961" cy="3710900"/>
           </a:xfrm>
         </p:grpSpPr>
         <p:sp>
@@ -14800,8 +15680,8 @@
           </p:nvSpPr>
           <p:spPr>
             <a:xfrm>
-              <a:off x="1682275" y="241631"/>
-              <a:ext cx="5161606" cy="3454973"/>
+              <a:off x="772679" y="222243"/>
+              <a:ext cx="6659961" cy="3540985"/>
             </a:xfrm>
             <a:custGeom>
               <a:avLst/>
@@ -14916,7 +15796,7 @@
           </p:nvSpPr>
           <p:spPr>
             <a:xfrm>
-              <a:off x="1177450" y="3763229"/>
+              <a:off x="1021343" y="3837965"/>
               <a:ext cx="6173152" cy="95178"/>
             </a:xfrm>
             <a:custGeom>
@@ -15175,20 +16055,6 @@
             </a:r>
           </a:p>
           <a:p>
-            <a:pPr marL="0" indent="0">
-              <a:buNone/>
-            </a:pPr>
-            <a:r>
-              <a:rPr lang="en" sz="800" dirty="0">
-                <a:latin typeface="Lexend Deca"/>
-                <a:ea typeface="Lexend Deca"/>
-                <a:cs typeface="Lexend Deca"/>
-                <a:sym typeface="Lexend Deca"/>
-              </a:rPr>
-              <a:t>The view get changed with the final output of the application.</a:t>
-            </a:r>
-          </a:p>
-          <a:p>
             <a:pPr marL="0" lvl="0" indent="0" algn="l" rtl="0">
               <a:spcBef>
                 <a:spcPts val="600"/>
@@ -15209,41 +16075,25 @@
       </p:sp>
       <p:pic>
         <p:nvPicPr>
-          <p:cNvPr id="4098" name="Picture 2" descr="https://lh6.googleusercontent.com/AJoo8KrBt4CkYtL2G1CzsNY-Nkcws9QWhTErTXkmOiH_2VmejZAi5wJYNZnkvjyEsVJ7G5Le4k7dHePdL5ASqajYdsu5NW3mUVo3vhNJi6pKQ4BzurnsSv5I83L7-JqTjwbs_p4MO4Y"/>
+          <p:cNvPr id="2" name="Picture 1"/>
           <p:cNvPicPr>
-            <a:picLocks noChangeAspect="1" noChangeArrowheads="1"/>
+            <a:picLocks noChangeAspect="1"/>
           </p:cNvPicPr>
           <p:nvPr/>
         </p:nvPicPr>
         <p:blipFill rotWithShape="1">
-          <a:blip r:embed="rId3">
-            <a:extLst>
-              <a:ext uri="{28A0092B-C50C-407E-A947-70E740481C1C}">
-                <a14:useLocalDpi xmlns:a14="http://schemas.microsoft.com/office/drawing/2010/main" val="0"/>
-              </a:ext>
-            </a:extLst>
-          </a:blip>
-          <a:srcRect l="1550" r="1846"/>
+          <a:blip r:embed="rId3"/>
+          <a:srcRect l="6104" t="-770" r="259" b="770"/>
           <a:stretch/>
         </p:blipFill>
-        <p:spPr bwMode="auto">
+        <p:spPr>
           <a:xfrm>
-            <a:off x="4368406" y="1298217"/>
-            <a:ext cx="3876675" cy="2404219"/>
+            <a:off x="3648074" y="1252038"/>
+            <a:ext cx="5057775" cy="2475367"/>
           </a:xfrm>
           <a:prstGeom prst="rect">
             <a:avLst/>
           </a:prstGeom>
-          <a:noFill/>
-          <a:extLst>
-            <a:ext uri="{909E8E84-426E-40DD-AFC4-6F175D3DCCD1}">
-              <a14:hiddenFill xmlns:a14="http://schemas.microsoft.com/office/drawing/2010/main">
-                <a:solidFill>
-                  <a:srgbClr val="FFFFFF"/>
-                </a:solidFill>
-              </a14:hiddenFill>
-            </a:ext>
-          </a:extLst>
         </p:spPr>
       </p:pic>
     </p:spTree>
@@ -15262,6 +16112,4314 @@
 </file>
 
 <file path=ppt/slides/slide25.xml><?xml version="1.0" encoding="utf-8"?>
+<p:sld xmlns:a="http://schemas.openxmlformats.org/drawingml/2006/main" xmlns:r="http://schemas.openxmlformats.org/officeDocument/2006/relationships" xmlns:p="http://schemas.openxmlformats.org/presentationml/2006/main">
+  <p:cSld>
+    <p:spTree>
+      <p:nvGrpSpPr>
+        <p:cNvPr id="1" name="Shape 337"/>
+        <p:cNvGrpSpPr/>
+        <p:nvPr/>
+      </p:nvGrpSpPr>
+      <p:grpSpPr>
+        <a:xfrm>
+          <a:off x="0" y="0"/>
+          <a:ext cx="0" cy="0"/>
+          <a:chOff x="0" y="0"/>
+          <a:chExt cx="0" cy="0"/>
+        </a:xfrm>
+      </p:grpSpPr>
+      <p:sp>
+        <p:nvSpPr>
+          <p:cNvPr id="338" name="Google Shape;338;p34"/>
+          <p:cNvSpPr txBox="1">
+            <a:spLocks noGrp="1"/>
+          </p:cNvSpPr>
+          <p:nvPr>
+            <p:ph type="sldNum" idx="12"/>
+          </p:nvPr>
+        </p:nvSpPr>
+        <p:spPr>
+          <a:xfrm>
+            <a:off x="8480584" y="4749851"/>
+            <a:ext cx="548700" cy="393600"/>
+          </a:xfrm>
+          <a:prstGeom prst="rect">
+            <a:avLst/>
+          </a:prstGeom>
+        </p:spPr>
+        <p:txBody>
+          <a:bodyPr spcFirstLastPara="1" wrap="square" lIns="0" tIns="0" rIns="0" bIns="0" anchor="ctr" anchorCtr="0">
+            <a:noAutofit/>
+          </a:bodyPr>
+          <a:lstStyle/>
+          <a:p>
+            <a:pPr marL="0" lvl="0" indent="0" algn="r" rtl="0">
+              <a:spcBef>
+                <a:spcPts val="0"/>
+              </a:spcBef>
+              <a:spcAft>
+                <a:spcPts val="0"/>
+              </a:spcAft>
+              <a:buNone/>
+            </a:pPr>
+            <a:fld id="{00000000-1234-1234-1234-123412341234}" type="slidenum">
+              <a:rPr lang="en"/>
+              <a:t>25</a:t>
+            </a:fld>
+            <a:endParaRPr/>
+          </a:p>
+        </p:txBody>
+      </p:sp>
+      <p:grpSp>
+        <p:nvGrpSpPr>
+          <p:cNvPr id="340" name="Google Shape;340;p34"/>
+          <p:cNvGrpSpPr/>
+          <p:nvPr/>
+        </p:nvGrpSpPr>
+        <p:grpSpPr>
+          <a:xfrm>
+            <a:off x="3400424" y="1047750"/>
+            <a:ext cx="5553075" cy="3094148"/>
+            <a:chOff x="772679" y="222243"/>
+            <a:chExt cx="6659961" cy="3710900"/>
+          </a:xfrm>
+        </p:grpSpPr>
+        <p:sp>
+          <p:nvSpPr>
+            <p:cNvPr id="341" name="Google Shape;341;p34"/>
+            <p:cNvSpPr/>
+            <p:nvPr/>
+          </p:nvSpPr>
+          <p:spPr>
+            <a:xfrm>
+              <a:off x="772679" y="222243"/>
+              <a:ext cx="6659961" cy="3540985"/>
+            </a:xfrm>
+            <a:custGeom>
+              <a:avLst/>
+              <a:gdLst/>
+              <a:ahLst/>
+              <a:cxnLst/>
+              <a:rect l="l" t="t" r="r" b="b"/>
+              <a:pathLst>
+                <a:path w="5161606" h="3454973" extrusionOk="0">
+                  <a:moveTo>
+                    <a:pt x="4992053" y="0"/>
+                  </a:moveTo>
+                  <a:lnTo>
+                    <a:pt x="170498" y="0"/>
+                  </a:lnTo>
+                  <a:cubicBezTo>
+                    <a:pt x="76200" y="0"/>
+                    <a:pt x="0" y="76143"/>
+                    <a:pt x="0" y="170369"/>
+                  </a:cubicBezTo>
+                  <a:lnTo>
+                    <a:pt x="0" y="3396915"/>
+                  </a:lnTo>
+                  <a:cubicBezTo>
+                    <a:pt x="0" y="3429275"/>
+                    <a:pt x="26670" y="3454973"/>
+                    <a:pt x="58102" y="3454973"/>
+                  </a:cubicBezTo>
+                  <a:lnTo>
+                    <a:pt x="5103495" y="3454973"/>
+                  </a:lnTo>
+                  <a:cubicBezTo>
+                    <a:pt x="5135880" y="3454973"/>
+                    <a:pt x="5161598" y="3428324"/>
+                    <a:pt x="5161598" y="3396915"/>
+                  </a:cubicBezTo>
+                  <a:lnTo>
+                    <a:pt x="5161598" y="170369"/>
+                  </a:lnTo>
+                  <a:cubicBezTo>
+                    <a:pt x="5162550" y="76143"/>
+                    <a:pt x="5086350" y="0"/>
+                    <a:pt x="4992053" y="0"/>
+                  </a:cubicBezTo>
+                  <a:close/>
+                  <a:moveTo>
+                    <a:pt x="4981575" y="3245581"/>
+                  </a:moveTo>
+                  <a:lnTo>
+                    <a:pt x="190500" y="3245581"/>
+                  </a:lnTo>
+                  <a:lnTo>
+                    <a:pt x="190500" y="199874"/>
+                  </a:lnTo>
+                  <a:lnTo>
+                    <a:pt x="4981575" y="199874"/>
+                  </a:lnTo>
+                  <a:lnTo>
+                    <a:pt x="4981575" y="3245581"/>
+                  </a:lnTo>
+                  <a:close/>
+                </a:path>
+              </a:pathLst>
+            </a:custGeom>
+            <a:gradFill>
+              <a:gsLst>
+                <a:gs pos="0">
+                  <a:schemeClr val="accent1"/>
+                </a:gs>
+                <a:gs pos="100000">
+                  <a:schemeClr val="dk1"/>
+                </a:gs>
+              </a:gsLst>
+              <a:lin ang="16200038" scaled="0"/>
+            </a:gradFill>
+            <a:ln>
+              <a:noFill/>
+            </a:ln>
+          </p:spPr>
+          <p:txBody>
+            <a:bodyPr spcFirstLastPara="1" wrap="square" lIns="91425" tIns="45700" rIns="91425" bIns="45700" anchor="ctr" anchorCtr="0">
+              <a:noAutofit/>
+            </a:bodyPr>
+            <a:lstStyle/>
+            <a:p>
+              <a:pPr marL="0" marR="0" lvl="0" indent="0" algn="l" rtl="0">
+                <a:spcBef>
+                  <a:spcPts val="0"/>
+                </a:spcBef>
+                <a:spcAft>
+                  <a:spcPts val="0"/>
+                </a:spcAft>
+                <a:buNone/>
+              </a:pPr>
+              <a:endParaRPr sz="1800">
+                <a:solidFill>
+                  <a:srgbClr val="000000"/>
+                </a:solidFill>
+                <a:latin typeface="Calibri"/>
+                <a:ea typeface="Calibri"/>
+                <a:cs typeface="Calibri"/>
+                <a:sym typeface="Calibri"/>
+              </a:endParaRPr>
+            </a:p>
+          </p:txBody>
+        </p:sp>
+        <p:sp>
+          <p:nvSpPr>
+            <p:cNvPr id="342" name="Google Shape;342;p34"/>
+            <p:cNvSpPr/>
+            <p:nvPr/>
+          </p:nvSpPr>
+          <p:spPr>
+            <a:xfrm>
+              <a:off x="1021343" y="3837965"/>
+              <a:ext cx="6173152" cy="95178"/>
+            </a:xfrm>
+            <a:custGeom>
+              <a:avLst/>
+              <a:gdLst/>
+              <a:ahLst/>
+              <a:cxnLst/>
+              <a:rect l="l" t="t" r="r" b="b"/>
+              <a:pathLst>
+                <a:path w="6173152" h="95178" extrusionOk="0">
+                  <a:moveTo>
+                    <a:pt x="0" y="0"/>
+                  </a:moveTo>
+                  <a:cubicBezTo>
+                    <a:pt x="0" y="0"/>
+                    <a:pt x="129540" y="95178"/>
+                    <a:pt x="450533" y="95178"/>
+                  </a:cubicBezTo>
+                  <a:lnTo>
+                    <a:pt x="5817870" y="95178"/>
+                  </a:lnTo>
+                  <a:cubicBezTo>
+                    <a:pt x="5948363" y="95178"/>
+                    <a:pt x="6173153" y="0"/>
+                    <a:pt x="6173153" y="0"/>
+                  </a:cubicBezTo>
+                  <a:lnTo>
+                    <a:pt x="0" y="0"/>
+                  </a:lnTo>
+                  <a:close/>
+                </a:path>
+              </a:pathLst>
+            </a:custGeom>
+            <a:solidFill>
+              <a:schemeClr val="dk1"/>
+            </a:solidFill>
+            <a:ln>
+              <a:noFill/>
+            </a:ln>
+          </p:spPr>
+          <p:txBody>
+            <a:bodyPr spcFirstLastPara="1" wrap="square" lIns="91425" tIns="45700" rIns="91425" bIns="45700" anchor="ctr" anchorCtr="0">
+              <a:noAutofit/>
+            </a:bodyPr>
+            <a:lstStyle/>
+            <a:p>
+              <a:pPr marL="0" marR="0" lvl="0" indent="0" algn="l" rtl="0">
+                <a:spcBef>
+                  <a:spcPts val="0"/>
+                </a:spcBef>
+                <a:spcAft>
+                  <a:spcPts val="0"/>
+                </a:spcAft>
+                <a:buNone/>
+              </a:pPr>
+              <a:endParaRPr sz="1800">
+                <a:solidFill>
+                  <a:srgbClr val="000000"/>
+                </a:solidFill>
+                <a:latin typeface="Calibri"/>
+                <a:ea typeface="Calibri"/>
+                <a:cs typeface="Calibri"/>
+                <a:sym typeface="Calibri"/>
+              </a:endParaRPr>
+            </a:p>
+          </p:txBody>
+        </p:sp>
+        <p:sp>
+          <p:nvSpPr>
+            <p:cNvPr id="343" name="Google Shape;343;p34"/>
+            <p:cNvSpPr/>
+            <p:nvPr/>
+          </p:nvSpPr>
+          <p:spPr>
+            <a:xfrm>
+              <a:off x="1177450" y="3687086"/>
+              <a:ext cx="6172200" cy="76142"/>
+            </a:xfrm>
+            <a:custGeom>
+              <a:avLst/>
+              <a:gdLst/>
+              <a:ahLst/>
+              <a:cxnLst/>
+              <a:rect l="l" t="t" r="r" b="b"/>
+              <a:pathLst>
+                <a:path w="6172200" h="76142" extrusionOk="0">
+                  <a:moveTo>
+                    <a:pt x="0" y="76143"/>
+                  </a:moveTo>
+                  <a:lnTo>
+                    <a:pt x="6172200" y="76143"/>
+                  </a:lnTo>
+                  <a:lnTo>
+                    <a:pt x="6172200" y="0"/>
+                  </a:lnTo>
+                  <a:lnTo>
+                    <a:pt x="0" y="0"/>
+                  </a:lnTo>
+                  <a:close/>
+                </a:path>
+              </a:pathLst>
+            </a:custGeom>
+            <a:solidFill>
+              <a:srgbClr val="143FC2"/>
+            </a:solidFill>
+            <a:ln>
+              <a:noFill/>
+            </a:ln>
+          </p:spPr>
+          <p:txBody>
+            <a:bodyPr spcFirstLastPara="1" wrap="square" lIns="91425" tIns="45700" rIns="91425" bIns="45700" anchor="ctr" anchorCtr="0">
+              <a:noAutofit/>
+            </a:bodyPr>
+            <a:lstStyle/>
+            <a:p>
+              <a:pPr marL="0" marR="0" lvl="0" indent="0" algn="l" rtl="0">
+                <a:spcBef>
+                  <a:spcPts val="0"/>
+                </a:spcBef>
+                <a:spcAft>
+                  <a:spcPts val="0"/>
+                </a:spcAft>
+                <a:buNone/>
+              </a:pPr>
+              <a:endParaRPr sz="1800">
+                <a:solidFill>
+                  <a:srgbClr val="000000"/>
+                </a:solidFill>
+                <a:latin typeface="Calibri"/>
+                <a:ea typeface="Calibri"/>
+                <a:cs typeface="Calibri"/>
+                <a:sym typeface="Calibri"/>
+              </a:endParaRPr>
+            </a:p>
+          </p:txBody>
+        </p:sp>
+        <p:sp>
+          <p:nvSpPr>
+            <p:cNvPr id="344" name="Google Shape;344;p34"/>
+            <p:cNvSpPr/>
+            <p:nvPr/>
+          </p:nvSpPr>
+          <p:spPr>
+            <a:xfrm>
+              <a:off x="3806350" y="3687086"/>
+              <a:ext cx="903922" cy="47589"/>
+            </a:xfrm>
+            <a:custGeom>
+              <a:avLst/>
+              <a:gdLst/>
+              <a:ahLst/>
+              <a:cxnLst/>
+              <a:rect l="l" t="t" r="r" b="b"/>
+              <a:pathLst>
+                <a:path w="903922" h="47589" extrusionOk="0">
+                  <a:moveTo>
+                    <a:pt x="0" y="0"/>
+                  </a:moveTo>
+                  <a:cubicBezTo>
+                    <a:pt x="0" y="0"/>
+                    <a:pt x="26670" y="47589"/>
+                    <a:pt x="53340" y="47589"/>
+                  </a:cubicBezTo>
+                  <a:lnTo>
+                    <a:pt x="850582" y="47589"/>
+                  </a:lnTo>
+                  <a:cubicBezTo>
+                    <a:pt x="877253" y="47589"/>
+                    <a:pt x="903922" y="0"/>
+                    <a:pt x="903922" y="0"/>
+                  </a:cubicBezTo>
+                  <a:lnTo>
+                    <a:pt x="0" y="0"/>
+                  </a:lnTo>
+                  <a:close/>
+                </a:path>
+              </a:pathLst>
+            </a:custGeom>
+            <a:solidFill>
+              <a:schemeClr val="dk1"/>
+            </a:solidFill>
+            <a:ln>
+              <a:noFill/>
+            </a:ln>
+          </p:spPr>
+          <p:txBody>
+            <a:bodyPr spcFirstLastPara="1" wrap="square" lIns="91425" tIns="45700" rIns="91425" bIns="45700" anchor="ctr" anchorCtr="0">
+              <a:noAutofit/>
+            </a:bodyPr>
+            <a:lstStyle/>
+            <a:p>
+              <a:pPr marL="0" marR="0" lvl="0" indent="0" algn="l" rtl="0">
+                <a:spcBef>
+                  <a:spcPts val="0"/>
+                </a:spcBef>
+                <a:spcAft>
+                  <a:spcPts val="0"/>
+                </a:spcAft>
+                <a:buNone/>
+              </a:pPr>
+              <a:endParaRPr sz="1800">
+                <a:solidFill>
+                  <a:srgbClr val="000000"/>
+                </a:solidFill>
+                <a:latin typeface="Calibri"/>
+                <a:ea typeface="Calibri"/>
+                <a:cs typeface="Calibri"/>
+                <a:sym typeface="Calibri"/>
+              </a:endParaRPr>
+            </a:p>
+          </p:txBody>
+        </p:sp>
+      </p:grpSp>
+      <p:sp>
+        <p:nvSpPr>
+          <p:cNvPr id="345" name="Google Shape;345;p34"/>
+          <p:cNvSpPr txBox="1">
+            <a:spLocks noGrp="1"/>
+          </p:cNvSpPr>
+          <p:nvPr>
+            <p:ph type="body" idx="4294967295"/>
+          </p:nvPr>
+        </p:nvSpPr>
+        <p:spPr>
+          <a:xfrm>
+            <a:off x="580550" y="782300"/>
+            <a:ext cx="2735662" cy="3579000"/>
+          </a:xfrm>
+          <a:prstGeom prst="rect">
+            <a:avLst/>
+          </a:prstGeom>
+        </p:spPr>
+        <p:txBody>
+          <a:bodyPr spcFirstLastPara="1" wrap="square" lIns="0" tIns="0" rIns="0" bIns="0" anchor="ctr" anchorCtr="0">
+            <a:noAutofit/>
+          </a:bodyPr>
+          <a:lstStyle/>
+          <a:p>
+            <a:pPr marL="0" lvl="0" indent="0" algn="l" rtl="0">
+              <a:spcBef>
+                <a:spcPts val="600"/>
+              </a:spcBef>
+              <a:spcAft>
+                <a:spcPts val="0"/>
+              </a:spcAft>
+              <a:buNone/>
+            </a:pPr>
+            <a:r>
+              <a:rPr lang="en" sz="3000" dirty="0" smtClean="0">
+                <a:latin typeface="Lexend Deca"/>
+                <a:ea typeface="Lexend Deca"/>
+                <a:cs typeface="Lexend Deca"/>
+                <a:sym typeface="Lexend Deca"/>
+              </a:rPr>
+              <a:t>Desktop View</a:t>
+            </a:r>
+          </a:p>
+          <a:p>
+            <a:pPr marL="0" lvl="0" indent="0" algn="l" rtl="0">
+              <a:spcBef>
+                <a:spcPts val="600"/>
+              </a:spcBef>
+              <a:spcAft>
+                <a:spcPts val="0"/>
+              </a:spcAft>
+              <a:buNone/>
+            </a:pPr>
+            <a:endParaRPr sz="3000" dirty="0">
+              <a:latin typeface="Lexend Deca"/>
+              <a:ea typeface="Lexend Deca"/>
+              <a:cs typeface="Lexend Deca"/>
+              <a:sym typeface="Lexend Deca"/>
+            </a:endParaRPr>
+          </a:p>
+        </p:txBody>
+      </p:sp>
+      <p:pic>
+        <p:nvPicPr>
+          <p:cNvPr id="3" name="Picture 2"/>
+          <p:cNvPicPr>
+            <a:picLocks noChangeAspect="1"/>
+          </p:cNvPicPr>
+          <p:nvPr/>
+        </p:nvPicPr>
+        <p:blipFill>
+          <a:blip r:embed="rId3"/>
+          <a:stretch>
+            <a:fillRect/>
+          </a:stretch>
+        </p:blipFill>
+        <p:spPr>
+          <a:xfrm>
+            <a:off x="3607760" y="1187669"/>
+            <a:ext cx="5147174" cy="2630978"/>
+          </a:xfrm>
+          <a:prstGeom prst="rect">
+            <a:avLst/>
+          </a:prstGeom>
+        </p:spPr>
+      </p:pic>
+    </p:spTree>
+    <p:extLst>
+      <p:ext uri="{BB962C8B-B14F-4D97-AF65-F5344CB8AC3E}">
+        <p14:creationId xmlns:p14="http://schemas.microsoft.com/office/powerpoint/2010/main" val="4233113059"/>
+      </p:ext>
+    </p:extLst>
+  </p:cSld>
+  <p:clrMapOvr>
+    <a:masterClrMapping/>
+  </p:clrMapOvr>
+  <p:timing>
+    <p:tnLst>
+      <p:par>
+        <p:cTn id="1" dur="indefinite" restart="never" nodeType="tmRoot"/>
+      </p:par>
+    </p:tnLst>
+  </p:timing>
+</p:sld>
+</file>
+
+<file path=ppt/slides/slide26.xml><?xml version="1.0" encoding="utf-8"?>
+<p:sld xmlns:a="http://schemas.openxmlformats.org/drawingml/2006/main" xmlns:r="http://schemas.openxmlformats.org/officeDocument/2006/relationships" xmlns:p="http://schemas.openxmlformats.org/presentationml/2006/main">
+  <p:cSld>
+    <p:spTree>
+      <p:nvGrpSpPr>
+        <p:cNvPr id="1" name="Shape 337"/>
+        <p:cNvGrpSpPr/>
+        <p:nvPr/>
+      </p:nvGrpSpPr>
+      <p:grpSpPr>
+        <a:xfrm>
+          <a:off x="0" y="0"/>
+          <a:ext cx="0" cy="0"/>
+          <a:chOff x="0" y="0"/>
+          <a:chExt cx="0" cy="0"/>
+        </a:xfrm>
+      </p:grpSpPr>
+      <p:sp>
+        <p:nvSpPr>
+          <p:cNvPr id="338" name="Google Shape;338;p34"/>
+          <p:cNvSpPr txBox="1">
+            <a:spLocks noGrp="1"/>
+          </p:cNvSpPr>
+          <p:nvPr>
+            <p:ph type="sldNum" idx="12"/>
+          </p:nvPr>
+        </p:nvSpPr>
+        <p:spPr>
+          <a:xfrm>
+            <a:off x="8480584" y="4749851"/>
+            <a:ext cx="548700" cy="393600"/>
+          </a:xfrm>
+          <a:prstGeom prst="rect">
+            <a:avLst/>
+          </a:prstGeom>
+        </p:spPr>
+        <p:txBody>
+          <a:bodyPr spcFirstLastPara="1" wrap="square" lIns="0" tIns="0" rIns="0" bIns="0" anchor="ctr" anchorCtr="0">
+            <a:noAutofit/>
+          </a:bodyPr>
+          <a:lstStyle/>
+          <a:p>
+            <a:pPr marL="0" lvl="0" indent="0" algn="r" rtl="0">
+              <a:spcBef>
+                <a:spcPts val="0"/>
+              </a:spcBef>
+              <a:spcAft>
+                <a:spcPts val="0"/>
+              </a:spcAft>
+              <a:buNone/>
+            </a:pPr>
+            <a:fld id="{00000000-1234-1234-1234-123412341234}" type="slidenum">
+              <a:rPr lang="en"/>
+              <a:t>26</a:t>
+            </a:fld>
+            <a:endParaRPr/>
+          </a:p>
+        </p:txBody>
+      </p:sp>
+      <p:grpSp>
+        <p:nvGrpSpPr>
+          <p:cNvPr id="340" name="Google Shape;340;p34"/>
+          <p:cNvGrpSpPr/>
+          <p:nvPr/>
+        </p:nvGrpSpPr>
+        <p:grpSpPr>
+          <a:xfrm>
+            <a:off x="3400424" y="1047750"/>
+            <a:ext cx="5553075" cy="3094148"/>
+            <a:chOff x="772679" y="222243"/>
+            <a:chExt cx="6659961" cy="3710900"/>
+          </a:xfrm>
+        </p:grpSpPr>
+        <p:sp>
+          <p:nvSpPr>
+            <p:cNvPr id="341" name="Google Shape;341;p34"/>
+            <p:cNvSpPr/>
+            <p:nvPr/>
+          </p:nvSpPr>
+          <p:spPr>
+            <a:xfrm>
+              <a:off x="772679" y="222243"/>
+              <a:ext cx="6659961" cy="3540985"/>
+            </a:xfrm>
+            <a:custGeom>
+              <a:avLst/>
+              <a:gdLst/>
+              <a:ahLst/>
+              <a:cxnLst/>
+              <a:rect l="l" t="t" r="r" b="b"/>
+              <a:pathLst>
+                <a:path w="5161606" h="3454973" extrusionOk="0">
+                  <a:moveTo>
+                    <a:pt x="4992053" y="0"/>
+                  </a:moveTo>
+                  <a:lnTo>
+                    <a:pt x="170498" y="0"/>
+                  </a:lnTo>
+                  <a:cubicBezTo>
+                    <a:pt x="76200" y="0"/>
+                    <a:pt x="0" y="76143"/>
+                    <a:pt x="0" y="170369"/>
+                  </a:cubicBezTo>
+                  <a:lnTo>
+                    <a:pt x="0" y="3396915"/>
+                  </a:lnTo>
+                  <a:cubicBezTo>
+                    <a:pt x="0" y="3429275"/>
+                    <a:pt x="26670" y="3454973"/>
+                    <a:pt x="58102" y="3454973"/>
+                  </a:cubicBezTo>
+                  <a:lnTo>
+                    <a:pt x="5103495" y="3454973"/>
+                  </a:lnTo>
+                  <a:cubicBezTo>
+                    <a:pt x="5135880" y="3454973"/>
+                    <a:pt x="5161598" y="3428324"/>
+                    <a:pt x="5161598" y="3396915"/>
+                  </a:cubicBezTo>
+                  <a:lnTo>
+                    <a:pt x="5161598" y="170369"/>
+                  </a:lnTo>
+                  <a:cubicBezTo>
+                    <a:pt x="5162550" y="76143"/>
+                    <a:pt x="5086350" y="0"/>
+                    <a:pt x="4992053" y="0"/>
+                  </a:cubicBezTo>
+                  <a:close/>
+                  <a:moveTo>
+                    <a:pt x="4981575" y="3245581"/>
+                  </a:moveTo>
+                  <a:lnTo>
+                    <a:pt x="190500" y="3245581"/>
+                  </a:lnTo>
+                  <a:lnTo>
+                    <a:pt x="190500" y="199874"/>
+                  </a:lnTo>
+                  <a:lnTo>
+                    <a:pt x="4981575" y="199874"/>
+                  </a:lnTo>
+                  <a:lnTo>
+                    <a:pt x="4981575" y="3245581"/>
+                  </a:lnTo>
+                  <a:close/>
+                </a:path>
+              </a:pathLst>
+            </a:custGeom>
+            <a:gradFill>
+              <a:gsLst>
+                <a:gs pos="0">
+                  <a:schemeClr val="accent1"/>
+                </a:gs>
+                <a:gs pos="100000">
+                  <a:schemeClr val="dk1"/>
+                </a:gs>
+              </a:gsLst>
+              <a:lin ang="16200038" scaled="0"/>
+            </a:gradFill>
+            <a:ln>
+              <a:noFill/>
+            </a:ln>
+          </p:spPr>
+          <p:txBody>
+            <a:bodyPr spcFirstLastPara="1" wrap="square" lIns="91425" tIns="45700" rIns="91425" bIns="45700" anchor="ctr" anchorCtr="0">
+              <a:noAutofit/>
+            </a:bodyPr>
+            <a:lstStyle/>
+            <a:p>
+              <a:pPr marL="0" marR="0" lvl="0" indent="0" algn="l" rtl="0">
+                <a:spcBef>
+                  <a:spcPts val="0"/>
+                </a:spcBef>
+                <a:spcAft>
+                  <a:spcPts val="0"/>
+                </a:spcAft>
+                <a:buNone/>
+              </a:pPr>
+              <a:endParaRPr sz="1800">
+                <a:solidFill>
+                  <a:srgbClr val="000000"/>
+                </a:solidFill>
+                <a:latin typeface="Calibri"/>
+                <a:ea typeface="Calibri"/>
+                <a:cs typeface="Calibri"/>
+                <a:sym typeface="Calibri"/>
+              </a:endParaRPr>
+            </a:p>
+          </p:txBody>
+        </p:sp>
+        <p:sp>
+          <p:nvSpPr>
+            <p:cNvPr id="342" name="Google Shape;342;p34"/>
+            <p:cNvSpPr/>
+            <p:nvPr/>
+          </p:nvSpPr>
+          <p:spPr>
+            <a:xfrm>
+              <a:off x="1021343" y="3837965"/>
+              <a:ext cx="6173152" cy="95178"/>
+            </a:xfrm>
+            <a:custGeom>
+              <a:avLst/>
+              <a:gdLst/>
+              <a:ahLst/>
+              <a:cxnLst/>
+              <a:rect l="l" t="t" r="r" b="b"/>
+              <a:pathLst>
+                <a:path w="6173152" h="95178" extrusionOk="0">
+                  <a:moveTo>
+                    <a:pt x="0" y="0"/>
+                  </a:moveTo>
+                  <a:cubicBezTo>
+                    <a:pt x="0" y="0"/>
+                    <a:pt x="129540" y="95178"/>
+                    <a:pt x="450533" y="95178"/>
+                  </a:cubicBezTo>
+                  <a:lnTo>
+                    <a:pt x="5817870" y="95178"/>
+                  </a:lnTo>
+                  <a:cubicBezTo>
+                    <a:pt x="5948363" y="95178"/>
+                    <a:pt x="6173153" y="0"/>
+                    <a:pt x="6173153" y="0"/>
+                  </a:cubicBezTo>
+                  <a:lnTo>
+                    <a:pt x="0" y="0"/>
+                  </a:lnTo>
+                  <a:close/>
+                </a:path>
+              </a:pathLst>
+            </a:custGeom>
+            <a:solidFill>
+              <a:schemeClr val="dk1"/>
+            </a:solidFill>
+            <a:ln>
+              <a:noFill/>
+            </a:ln>
+          </p:spPr>
+          <p:txBody>
+            <a:bodyPr spcFirstLastPara="1" wrap="square" lIns="91425" tIns="45700" rIns="91425" bIns="45700" anchor="ctr" anchorCtr="0">
+              <a:noAutofit/>
+            </a:bodyPr>
+            <a:lstStyle/>
+            <a:p>
+              <a:pPr marL="0" marR="0" lvl="0" indent="0" algn="l" rtl="0">
+                <a:spcBef>
+                  <a:spcPts val="0"/>
+                </a:spcBef>
+                <a:spcAft>
+                  <a:spcPts val="0"/>
+                </a:spcAft>
+                <a:buNone/>
+              </a:pPr>
+              <a:endParaRPr sz="1800">
+                <a:solidFill>
+                  <a:srgbClr val="000000"/>
+                </a:solidFill>
+                <a:latin typeface="Calibri"/>
+                <a:ea typeface="Calibri"/>
+                <a:cs typeface="Calibri"/>
+                <a:sym typeface="Calibri"/>
+              </a:endParaRPr>
+            </a:p>
+          </p:txBody>
+        </p:sp>
+        <p:sp>
+          <p:nvSpPr>
+            <p:cNvPr id="343" name="Google Shape;343;p34"/>
+            <p:cNvSpPr/>
+            <p:nvPr/>
+          </p:nvSpPr>
+          <p:spPr>
+            <a:xfrm>
+              <a:off x="1177450" y="3687086"/>
+              <a:ext cx="6172200" cy="76142"/>
+            </a:xfrm>
+            <a:custGeom>
+              <a:avLst/>
+              <a:gdLst/>
+              <a:ahLst/>
+              <a:cxnLst/>
+              <a:rect l="l" t="t" r="r" b="b"/>
+              <a:pathLst>
+                <a:path w="6172200" h="76142" extrusionOk="0">
+                  <a:moveTo>
+                    <a:pt x="0" y="76143"/>
+                  </a:moveTo>
+                  <a:lnTo>
+                    <a:pt x="6172200" y="76143"/>
+                  </a:lnTo>
+                  <a:lnTo>
+                    <a:pt x="6172200" y="0"/>
+                  </a:lnTo>
+                  <a:lnTo>
+                    <a:pt x="0" y="0"/>
+                  </a:lnTo>
+                  <a:close/>
+                </a:path>
+              </a:pathLst>
+            </a:custGeom>
+            <a:solidFill>
+              <a:srgbClr val="143FC2"/>
+            </a:solidFill>
+            <a:ln>
+              <a:noFill/>
+            </a:ln>
+          </p:spPr>
+          <p:txBody>
+            <a:bodyPr spcFirstLastPara="1" wrap="square" lIns="91425" tIns="45700" rIns="91425" bIns="45700" anchor="ctr" anchorCtr="0">
+              <a:noAutofit/>
+            </a:bodyPr>
+            <a:lstStyle/>
+            <a:p>
+              <a:pPr marL="0" marR="0" lvl="0" indent="0" algn="l" rtl="0">
+                <a:spcBef>
+                  <a:spcPts val="0"/>
+                </a:spcBef>
+                <a:spcAft>
+                  <a:spcPts val="0"/>
+                </a:spcAft>
+                <a:buNone/>
+              </a:pPr>
+              <a:endParaRPr sz="1800">
+                <a:solidFill>
+                  <a:srgbClr val="000000"/>
+                </a:solidFill>
+                <a:latin typeface="Calibri"/>
+                <a:ea typeface="Calibri"/>
+                <a:cs typeface="Calibri"/>
+                <a:sym typeface="Calibri"/>
+              </a:endParaRPr>
+            </a:p>
+          </p:txBody>
+        </p:sp>
+        <p:sp>
+          <p:nvSpPr>
+            <p:cNvPr id="344" name="Google Shape;344;p34"/>
+            <p:cNvSpPr/>
+            <p:nvPr/>
+          </p:nvSpPr>
+          <p:spPr>
+            <a:xfrm>
+              <a:off x="3806350" y="3687086"/>
+              <a:ext cx="903922" cy="47589"/>
+            </a:xfrm>
+            <a:custGeom>
+              <a:avLst/>
+              <a:gdLst/>
+              <a:ahLst/>
+              <a:cxnLst/>
+              <a:rect l="l" t="t" r="r" b="b"/>
+              <a:pathLst>
+                <a:path w="903922" h="47589" extrusionOk="0">
+                  <a:moveTo>
+                    <a:pt x="0" y="0"/>
+                  </a:moveTo>
+                  <a:cubicBezTo>
+                    <a:pt x="0" y="0"/>
+                    <a:pt x="26670" y="47589"/>
+                    <a:pt x="53340" y="47589"/>
+                  </a:cubicBezTo>
+                  <a:lnTo>
+                    <a:pt x="850582" y="47589"/>
+                  </a:lnTo>
+                  <a:cubicBezTo>
+                    <a:pt x="877253" y="47589"/>
+                    <a:pt x="903922" y="0"/>
+                    <a:pt x="903922" y="0"/>
+                  </a:cubicBezTo>
+                  <a:lnTo>
+                    <a:pt x="0" y="0"/>
+                  </a:lnTo>
+                  <a:close/>
+                </a:path>
+              </a:pathLst>
+            </a:custGeom>
+            <a:solidFill>
+              <a:schemeClr val="dk1"/>
+            </a:solidFill>
+            <a:ln>
+              <a:noFill/>
+            </a:ln>
+          </p:spPr>
+          <p:txBody>
+            <a:bodyPr spcFirstLastPara="1" wrap="square" lIns="91425" tIns="45700" rIns="91425" bIns="45700" anchor="ctr" anchorCtr="0">
+              <a:noAutofit/>
+            </a:bodyPr>
+            <a:lstStyle/>
+            <a:p>
+              <a:pPr marL="0" marR="0" lvl="0" indent="0" algn="l" rtl="0">
+                <a:spcBef>
+                  <a:spcPts val="0"/>
+                </a:spcBef>
+                <a:spcAft>
+                  <a:spcPts val="0"/>
+                </a:spcAft>
+                <a:buNone/>
+              </a:pPr>
+              <a:endParaRPr sz="1800">
+                <a:solidFill>
+                  <a:srgbClr val="000000"/>
+                </a:solidFill>
+                <a:latin typeface="Calibri"/>
+                <a:ea typeface="Calibri"/>
+                <a:cs typeface="Calibri"/>
+                <a:sym typeface="Calibri"/>
+              </a:endParaRPr>
+            </a:p>
+          </p:txBody>
+        </p:sp>
+      </p:grpSp>
+      <p:sp>
+        <p:nvSpPr>
+          <p:cNvPr id="345" name="Google Shape;345;p34"/>
+          <p:cNvSpPr txBox="1">
+            <a:spLocks noGrp="1"/>
+          </p:cNvSpPr>
+          <p:nvPr>
+            <p:ph type="body" idx="4294967295"/>
+          </p:nvPr>
+        </p:nvSpPr>
+        <p:spPr>
+          <a:xfrm>
+            <a:off x="580550" y="782300"/>
+            <a:ext cx="2735662" cy="3579000"/>
+          </a:xfrm>
+          <a:prstGeom prst="rect">
+            <a:avLst/>
+          </a:prstGeom>
+        </p:spPr>
+        <p:txBody>
+          <a:bodyPr spcFirstLastPara="1" wrap="square" lIns="0" tIns="0" rIns="0" bIns="0" anchor="ctr" anchorCtr="0">
+            <a:noAutofit/>
+          </a:bodyPr>
+          <a:lstStyle/>
+          <a:p>
+            <a:pPr marL="0" lvl="0" indent="0" algn="l" rtl="0">
+              <a:spcBef>
+                <a:spcPts val="600"/>
+              </a:spcBef>
+              <a:spcAft>
+                <a:spcPts val="0"/>
+              </a:spcAft>
+              <a:buNone/>
+            </a:pPr>
+            <a:r>
+              <a:rPr lang="en" sz="3000" dirty="0" smtClean="0">
+                <a:latin typeface="Lexend Deca"/>
+                <a:ea typeface="Lexend Deca"/>
+                <a:cs typeface="Lexend Deca"/>
+                <a:sym typeface="Lexend Deca"/>
+              </a:rPr>
+              <a:t>Desktop View</a:t>
+            </a:r>
+          </a:p>
+          <a:p>
+            <a:pPr marL="0" lvl="0" indent="0" algn="l" rtl="0">
+              <a:spcBef>
+                <a:spcPts val="600"/>
+              </a:spcBef>
+              <a:spcAft>
+                <a:spcPts val="0"/>
+              </a:spcAft>
+              <a:buNone/>
+            </a:pPr>
+            <a:endParaRPr sz="3000" dirty="0">
+              <a:latin typeface="Lexend Deca"/>
+              <a:ea typeface="Lexend Deca"/>
+              <a:cs typeface="Lexend Deca"/>
+              <a:sym typeface="Lexend Deca"/>
+            </a:endParaRPr>
+          </a:p>
+        </p:txBody>
+      </p:sp>
+      <p:pic>
+        <p:nvPicPr>
+          <p:cNvPr id="3" name="Picture 2"/>
+          <p:cNvPicPr>
+            <a:picLocks noChangeAspect="1"/>
+          </p:cNvPicPr>
+          <p:nvPr/>
+        </p:nvPicPr>
+        <p:blipFill>
+          <a:blip r:embed="rId3"/>
+          <a:stretch>
+            <a:fillRect/>
+          </a:stretch>
+        </p:blipFill>
+        <p:spPr>
+          <a:xfrm>
+            <a:off x="3607760" y="1209675"/>
+            <a:ext cx="5147174" cy="2590800"/>
+          </a:xfrm>
+          <a:prstGeom prst="rect">
+            <a:avLst/>
+          </a:prstGeom>
+        </p:spPr>
+      </p:pic>
+    </p:spTree>
+    <p:extLst>
+      <p:ext uri="{BB962C8B-B14F-4D97-AF65-F5344CB8AC3E}">
+        <p14:creationId xmlns:p14="http://schemas.microsoft.com/office/powerpoint/2010/main" val="2122449260"/>
+      </p:ext>
+    </p:extLst>
+  </p:cSld>
+  <p:clrMapOvr>
+    <a:masterClrMapping/>
+  </p:clrMapOvr>
+  <p:timing>
+    <p:tnLst>
+      <p:par>
+        <p:cTn id="1" dur="indefinite" restart="never" nodeType="tmRoot"/>
+      </p:par>
+    </p:tnLst>
+  </p:timing>
+</p:sld>
+</file>
+
+<file path=ppt/slides/slide27.xml><?xml version="1.0" encoding="utf-8"?>
+<p:sld xmlns:a="http://schemas.openxmlformats.org/drawingml/2006/main" xmlns:r="http://schemas.openxmlformats.org/officeDocument/2006/relationships" xmlns:p="http://schemas.openxmlformats.org/presentationml/2006/main">
+  <p:cSld>
+    <p:spTree>
+      <p:nvGrpSpPr>
+        <p:cNvPr id="1" name="Shape 337"/>
+        <p:cNvGrpSpPr/>
+        <p:nvPr/>
+      </p:nvGrpSpPr>
+      <p:grpSpPr>
+        <a:xfrm>
+          <a:off x="0" y="0"/>
+          <a:ext cx="0" cy="0"/>
+          <a:chOff x="0" y="0"/>
+          <a:chExt cx="0" cy="0"/>
+        </a:xfrm>
+      </p:grpSpPr>
+      <p:sp>
+        <p:nvSpPr>
+          <p:cNvPr id="338" name="Google Shape;338;p34"/>
+          <p:cNvSpPr txBox="1">
+            <a:spLocks noGrp="1"/>
+          </p:cNvSpPr>
+          <p:nvPr>
+            <p:ph type="sldNum" idx="12"/>
+          </p:nvPr>
+        </p:nvSpPr>
+        <p:spPr>
+          <a:xfrm>
+            <a:off x="8480584" y="4749851"/>
+            <a:ext cx="548700" cy="393600"/>
+          </a:xfrm>
+          <a:prstGeom prst="rect">
+            <a:avLst/>
+          </a:prstGeom>
+        </p:spPr>
+        <p:txBody>
+          <a:bodyPr spcFirstLastPara="1" wrap="square" lIns="0" tIns="0" rIns="0" bIns="0" anchor="ctr" anchorCtr="0">
+            <a:noAutofit/>
+          </a:bodyPr>
+          <a:lstStyle/>
+          <a:p>
+            <a:pPr marL="0" lvl="0" indent="0" algn="r" rtl="0">
+              <a:spcBef>
+                <a:spcPts val="0"/>
+              </a:spcBef>
+              <a:spcAft>
+                <a:spcPts val="0"/>
+              </a:spcAft>
+              <a:buNone/>
+            </a:pPr>
+            <a:fld id="{00000000-1234-1234-1234-123412341234}" type="slidenum">
+              <a:rPr lang="en"/>
+              <a:t>27</a:t>
+            </a:fld>
+            <a:endParaRPr/>
+          </a:p>
+        </p:txBody>
+      </p:sp>
+      <p:grpSp>
+        <p:nvGrpSpPr>
+          <p:cNvPr id="340" name="Google Shape;340;p34"/>
+          <p:cNvGrpSpPr/>
+          <p:nvPr/>
+        </p:nvGrpSpPr>
+        <p:grpSpPr>
+          <a:xfrm>
+            <a:off x="3400424" y="1047750"/>
+            <a:ext cx="5553075" cy="3094148"/>
+            <a:chOff x="772679" y="222243"/>
+            <a:chExt cx="6659961" cy="3710900"/>
+          </a:xfrm>
+        </p:grpSpPr>
+        <p:sp>
+          <p:nvSpPr>
+            <p:cNvPr id="341" name="Google Shape;341;p34"/>
+            <p:cNvSpPr/>
+            <p:nvPr/>
+          </p:nvSpPr>
+          <p:spPr>
+            <a:xfrm>
+              <a:off x="772679" y="222243"/>
+              <a:ext cx="6659961" cy="3540985"/>
+            </a:xfrm>
+            <a:custGeom>
+              <a:avLst/>
+              <a:gdLst/>
+              <a:ahLst/>
+              <a:cxnLst/>
+              <a:rect l="l" t="t" r="r" b="b"/>
+              <a:pathLst>
+                <a:path w="5161606" h="3454973" extrusionOk="0">
+                  <a:moveTo>
+                    <a:pt x="4992053" y="0"/>
+                  </a:moveTo>
+                  <a:lnTo>
+                    <a:pt x="170498" y="0"/>
+                  </a:lnTo>
+                  <a:cubicBezTo>
+                    <a:pt x="76200" y="0"/>
+                    <a:pt x="0" y="76143"/>
+                    <a:pt x="0" y="170369"/>
+                  </a:cubicBezTo>
+                  <a:lnTo>
+                    <a:pt x="0" y="3396915"/>
+                  </a:lnTo>
+                  <a:cubicBezTo>
+                    <a:pt x="0" y="3429275"/>
+                    <a:pt x="26670" y="3454973"/>
+                    <a:pt x="58102" y="3454973"/>
+                  </a:cubicBezTo>
+                  <a:lnTo>
+                    <a:pt x="5103495" y="3454973"/>
+                  </a:lnTo>
+                  <a:cubicBezTo>
+                    <a:pt x="5135880" y="3454973"/>
+                    <a:pt x="5161598" y="3428324"/>
+                    <a:pt x="5161598" y="3396915"/>
+                  </a:cubicBezTo>
+                  <a:lnTo>
+                    <a:pt x="5161598" y="170369"/>
+                  </a:lnTo>
+                  <a:cubicBezTo>
+                    <a:pt x="5162550" y="76143"/>
+                    <a:pt x="5086350" y="0"/>
+                    <a:pt x="4992053" y="0"/>
+                  </a:cubicBezTo>
+                  <a:close/>
+                  <a:moveTo>
+                    <a:pt x="4981575" y="3245581"/>
+                  </a:moveTo>
+                  <a:lnTo>
+                    <a:pt x="190500" y="3245581"/>
+                  </a:lnTo>
+                  <a:lnTo>
+                    <a:pt x="190500" y="199874"/>
+                  </a:lnTo>
+                  <a:lnTo>
+                    <a:pt x="4981575" y="199874"/>
+                  </a:lnTo>
+                  <a:lnTo>
+                    <a:pt x="4981575" y="3245581"/>
+                  </a:lnTo>
+                  <a:close/>
+                </a:path>
+              </a:pathLst>
+            </a:custGeom>
+            <a:gradFill>
+              <a:gsLst>
+                <a:gs pos="0">
+                  <a:schemeClr val="accent1"/>
+                </a:gs>
+                <a:gs pos="100000">
+                  <a:schemeClr val="dk1"/>
+                </a:gs>
+              </a:gsLst>
+              <a:lin ang="16200038" scaled="0"/>
+            </a:gradFill>
+            <a:ln>
+              <a:noFill/>
+            </a:ln>
+          </p:spPr>
+          <p:txBody>
+            <a:bodyPr spcFirstLastPara="1" wrap="square" lIns="91425" tIns="45700" rIns="91425" bIns="45700" anchor="ctr" anchorCtr="0">
+              <a:noAutofit/>
+            </a:bodyPr>
+            <a:lstStyle/>
+            <a:p>
+              <a:pPr marL="0" marR="0" lvl="0" indent="0" algn="l" rtl="0">
+                <a:spcBef>
+                  <a:spcPts val="0"/>
+                </a:spcBef>
+                <a:spcAft>
+                  <a:spcPts val="0"/>
+                </a:spcAft>
+                <a:buNone/>
+              </a:pPr>
+              <a:endParaRPr sz="1800">
+                <a:solidFill>
+                  <a:srgbClr val="000000"/>
+                </a:solidFill>
+                <a:latin typeface="Calibri"/>
+                <a:ea typeface="Calibri"/>
+                <a:cs typeface="Calibri"/>
+                <a:sym typeface="Calibri"/>
+              </a:endParaRPr>
+            </a:p>
+          </p:txBody>
+        </p:sp>
+        <p:sp>
+          <p:nvSpPr>
+            <p:cNvPr id="342" name="Google Shape;342;p34"/>
+            <p:cNvSpPr/>
+            <p:nvPr/>
+          </p:nvSpPr>
+          <p:spPr>
+            <a:xfrm>
+              <a:off x="1021343" y="3837965"/>
+              <a:ext cx="6173152" cy="95178"/>
+            </a:xfrm>
+            <a:custGeom>
+              <a:avLst/>
+              <a:gdLst/>
+              <a:ahLst/>
+              <a:cxnLst/>
+              <a:rect l="l" t="t" r="r" b="b"/>
+              <a:pathLst>
+                <a:path w="6173152" h="95178" extrusionOk="0">
+                  <a:moveTo>
+                    <a:pt x="0" y="0"/>
+                  </a:moveTo>
+                  <a:cubicBezTo>
+                    <a:pt x="0" y="0"/>
+                    <a:pt x="129540" y="95178"/>
+                    <a:pt x="450533" y="95178"/>
+                  </a:cubicBezTo>
+                  <a:lnTo>
+                    <a:pt x="5817870" y="95178"/>
+                  </a:lnTo>
+                  <a:cubicBezTo>
+                    <a:pt x="5948363" y="95178"/>
+                    <a:pt x="6173153" y="0"/>
+                    <a:pt x="6173153" y="0"/>
+                  </a:cubicBezTo>
+                  <a:lnTo>
+                    <a:pt x="0" y="0"/>
+                  </a:lnTo>
+                  <a:close/>
+                </a:path>
+              </a:pathLst>
+            </a:custGeom>
+            <a:solidFill>
+              <a:schemeClr val="dk1"/>
+            </a:solidFill>
+            <a:ln>
+              <a:noFill/>
+            </a:ln>
+          </p:spPr>
+          <p:txBody>
+            <a:bodyPr spcFirstLastPara="1" wrap="square" lIns="91425" tIns="45700" rIns="91425" bIns="45700" anchor="ctr" anchorCtr="0">
+              <a:noAutofit/>
+            </a:bodyPr>
+            <a:lstStyle/>
+            <a:p>
+              <a:pPr marL="0" marR="0" lvl="0" indent="0" algn="l" rtl="0">
+                <a:spcBef>
+                  <a:spcPts val="0"/>
+                </a:spcBef>
+                <a:spcAft>
+                  <a:spcPts val="0"/>
+                </a:spcAft>
+                <a:buNone/>
+              </a:pPr>
+              <a:endParaRPr sz="1800">
+                <a:solidFill>
+                  <a:srgbClr val="000000"/>
+                </a:solidFill>
+                <a:latin typeface="Calibri"/>
+                <a:ea typeface="Calibri"/>
+                <a:cs typeface="Calibri"/>
+                <a:sym typeface="Calibri"/>
+              </a:endParaRPr>
+            </a:p>
+          </p:txBody>
+        </p:sp>
+        <p:sp>
+          <p:nvSpPr>
+            <p:cNvPr id="343" name="Google Shape;343;p34"/>
+            <p:cNvSpPr/>
+            <p:nvPr/>
+          </p:nvSpPr>
+          <p:spPr>
+            <a:xfrm>
+              <a:off x="1177450" y="3687086"/>
+              <a:ext cx="6172200" cy="76142"/>
+            </a:xfrm>
+            <a:custGeom>
+              <a:avLst/>
+              <a:gdLst/>
+              <a:ahLst/>
+              <a:cxnLst/>
+              <a:rect l="l" t="t" r="r" b="b"/>
+              <a:pathLst>
+                <a:path w="6172200" h="76142" extrusionOk="0">
+                  <a:moveTo>
+                    <a:pt x="0" y="76143"/>
+                  </a:moveTo>
+                  <a:lnTo>
+                    <a:pt x="6172200" y="76143"/>
+                  </a:lnTo>
+                  <a:lnTo>
+                    <a:pt x="6172200" y="0"/>
+                  </a:lnTo>
+                  <a:lnTo>
+                    <a:pt x="0" y="0"/>
+                  </a:lnTo>
+                  <a:close/>
+                </a:path>
+              </a:pathLst>
+            </a:custGeom>
+            <a:solidFill>
+              <a:srgbClr val="143FC2"/>
+            </a:solidFill>
+            <a:ln>
+              <a:noFill/>
+            </a:ln>
+          </p:spPr>
+          <p:txBody>
+            <a:bodyPr spcFirstLastPara="1" wrap="square" lIns="91425" tIns="45700" rIns="91425" bIns="45700" anchor="ctr" anchorCtr="0">
+              <a:noAutofit/>
+            </a:bodyPr>
+            <a:lstStyle/>
+            <a:p>
+              <a:pPr marL="0" marR="0" lvl="0" indent="0" algn="l" rtl="0">
+                <a:spcBef>
+                  <a:spcPts val="0"/>
+                </a:spcBef>
+                <a:spcAft>
+                  <a:spcPts val="0"/>
+                </a:spcAft>
+                <a:buNone/>
+              </a:pPr>
+              <a:endParaRPr sz="1800">
+                <a:solidFill>
+                  <a:srgbClr val="000000"/>
+                </a:solidFill>
+                <a:latin typeface="Calibri"/>
+                <a:ea typeface="Calibri"/>
+                <a:cs typeface="Calibri"/>
+                <a:sym typeface="Calibri"/>
+              </a:endParaRPr>
+            </a:p>
+          </p:txBody>
+        </p:sp>
+        <p:sp>
+          <p:nvSpPr>
+            <p:cNvPr id="344" name="Google Shape;344;p34"/>
+            <p:cNvSpPr/>
+            <p:nvPr/>
+          </p:nvSpPr>
+          <p:spPr>
+            <a:xfrm>
+              <a:off x="3806350" y="3687086"/>
+              <a:ext cx="903922" cy="47589"/>
+            </a:xfrm>
+            <a:custGeom>
+              <a:avLst/>
+              <a:gdLst/>
+              <a:ahLst/>
+              <a:cxnLst/>
+              <a:rect l="l" t="t" r="r" b="b"/>
+              <a:pathLst>
+                <a:path w="903922" h="47589" extrusionOk="0">
+                  <a:moveTo>
+                    <a:pt x="0" y="0"/>
+                  </a:moveTo>
+                  <a:cubicBezTo>
+                    <a:pt x="0" y="0"/>
+                    <a:pt x="26670" y="47589"/>
+                    <a:pt x="53340" y="47589"/>
+                  </a:cubicBezTo>
+                  <a:lnTo>
+                    <a:pt x="850582" y="47589"/>
+                  </a:lnTo>
+                  <a:cubicBezTo>
+                    <a:pt x="877253" y="47589"/>
+                    <a:pt x="903922" y="0"/>
+                    <a:pt x="903922" y="0"/>
+                  </a:cubicBezTo>
+                  <a:lnTo>
+                    <a:pt x="0" y="0"/>
+                  </a:lnTo>
+                  <a:close/>
+                </a:path>
+              </a:pathLst>
+            </a:custGeom>
+            <a:solidFill>
+              <a:schemeClr val="dk1"/>
+            </a:solidFill>
+            <a:ln>
+              <a:noFill/>
+            </a:ln>
+          </p:spPr>
+          <p:txBody>
+            <a:bodyPr spcFirstLastPara="1" wrap="square" lIns="91425" tIns="45700" rIns="91425" bIns="45700" anchor="ctr" anchorCtr="0">
+              <a:noAutofit/>
+            </a:bodyPr>
+            <a:lstStyle/>
+            <a:p>
+              <a:pPr marL="0" marR="0" lvl="0" indent="0" algn="l" rtl="0">
+                <a:spcBef>
+                  <a:spcPts val="0"/>
+                </a:spcBef>
+                <a:spcAft>
+                  <a:spcPts val="0"/>
+                </a:spcAft>
+                <a:buNone/>
+              </a:pPr>
+              <a:endParaRPr sz="1800">
+                <a:solidFill>
+                  <a:srgbClr val="000000"/>
+                </a:solidFill>
+                <a:latin typeface="Calibri"/>
+                <a:ea typeface="Calibri"/>
+                <a:cs typeface="Calibri"/>
+                <a:sym typeface="Calibri"/>
+              </a:endParaRPr>
+            </a:p>
+          </p:txBody>
+        </p:sp>
+      </p:grpSp>
+      <p:sp>
+        <p:nvSpPr>
+          <p:cNvPr id="345" name="Google Shape;345;p34"/>
+          <p:cNvSpPr txBox="1">
+            <a:spLocks noGrp="1"/>
+          </p:cNvSpPr>
+          <p:nvPr>
+            <p:ph type="body" idx="4294967295"/>
+          </p:nvPr>
+        </p:nvSpPr>
+        <p:spPr>
+          <a:xfrm>
+            <a:off x="580550" y="782300"/>
+            <a:ext cx="2735662" cy="3579000"/>
+          </a:xfrm>
+          <a:prstGeom prst="rect">
+            <a:avLst/>
+          </a:prstGeom>
+        </p:spPr>
+        <p:txBody>
+          <a:bodyPr spcFirstLastPara="1" wrap="square" lIns="0" tIns="0" rIns="0" bIns="0" anchor="ctr" anchorCtr="0">
+            <a:noAutofit/>
+          </a:bodyPr>
+          <a:lstStyle/>
+          <a:p>
+            <a:pPr marL="0" lvl="0" indent="0" algn="l" rtl="0">
+              <a:spcBef>
+                <a:spcPts val="600"/>
+              </a:spcBef>
+              <a:spcAft>
+                <a:spcPts val="0"/>
+              </a:spcAft>
+              <a:buNone/>
+            </a:pPr>
+            <a:r>
+              <a:rPr lang="en" sz="3000" dirty="0" smtClean="0">
+                <a:latin typeface="Lexend Deca"/>
+                <a:ea typeface="Lexend Deca"/>
+                <a:cs typeface="Lexend Deca"/>
+                <a:sym typeface="Lexend Deca"/>
+              </a:rPr>
+              <a:t>Desktop View</a:t>
+            </a:r>
+          </a:p>
+          <a:p>
+            <a:pPr marL="0" lvl="0" indent="0" algn="l" rtl="0">
+              <a:spcBef>
+                <a:spcPts val="600"/>
+              </a:spcBef>
+              <a:spcAft>
+                <a:spcPts val="0"/>
+              </a:spcAft>
+              <a:buNone/>
+            </a:pPr>
+            <a:endParaRPr sz="3000" dirty="0">
+              <a:latin typeface="Lexend Deca"/>
+              <a:ea typeface="Lexend Deca"/>
+              <a:cs typeface="Lexend Deca"/>
+              <a:sym typeface="Lexend Deca"/>
+            </a:endParaRPr>
+          </a:p>
+        </p:txBody>
+      </p:sp>
+      <p:pic>
+        <p:nvPicPr>
+          <p:cNvPr id="3" name="Picture 2"/>
+          <p:cNvPicPr>
+            <a:picLocks noChangeAspect="1"/>
+          </p:cNvPicPr>
+          <p:nvPr/>
+        </p:nvPicPr>
+        <p:blipFill>
+          <a:blip r:embed="rId3"/>
+          <a:stretch>
+            <a:fillRect/>
+          </a:stretch>
+        </p:blipFill>
+        <p:spPr>
+          <a:xfrm>
+            <a:off x="3607760" y="1206369"/>
+            <a:ext cx="5147174" cy="2571749"/>
+          </a:xfrm>
+          <a:prstGeom prst="rect">
+            <a:avLst/>
+          </a:prstGeom>
+        </p:spPr>
+      </p:pic>
+    </p:spTree>
+    <p:extLst>
+      <p:ext uri="{BB962C8B-B14F-4D97-AF65-F5344CB8AC3E}">
+        <p14:creationId xmlns:p14="http://schemas.microsoft.com/office/powerpoint/2010/main" val="3637386992"/>
+      </p:ext>
+    </p:extLst>
+  </p:cSld>
+  <p:clrMapOvr>
+    <a:masterClrMapping/>
+  </p:clrMapOvr>
+  <p:timing>
+    <p:tnLst>
+      <p:par>
+        <p:cTn id="1" dur="indefinite" restart="never" nodeType="tmRoot"/>
+      </p:par>
+    </p:tnLst>
+  </p:timing>
+</p:sld>
+</file>
+
+<file path=ppt/slides/slide28.xml><?xml version="1.0" encoding="utf-8"?>
+<p:sld xmlns:a="http://schemas.openxmlformats.org/drawingml/2006/main" xmlns:r="http://schemas.openxmlformats.org/officeDocument/2006/relationships" xmlns:p="http://schemas.openxmlformats.org/presentationml/2006/main">
+  <p:cSld>
+    <p:spTree>
+      <p:nvGrpSpPr>
+        <p:cNvPr id="1" name="Shape 337"/>
+        <p:cNvGrpSpPr/>
+        <p:nvPr/>
+      </p:nvGrpSpPr>
+      <p:grpSpPr>
+        <a:xfrm>
+          <a:off x="0" y="0"/>
+          <a:ext cx="0" cy="0"/>
+          <a:chOff x="0" y="0"/>
+          <a:chExt cx="0" cy="0"/>
+        </a:xfrm>
+      </p:grpSpPr>
+      <p:sp>
+        <p:nvSpPr>
+          <p:cNvPr id="338" name="Google Shape;338;p34"/>
+          <p:cNvSpPr txBox="1">
+            <a:spLocks noGrp="1"/>
+          </p:cNvSpPr>
+          <p:nvPr>
+            <p:ph type="sldNum" idx="12"/>
+          </p:nvPr>
+        </p:nvSpPr>
+        <p:spPr>
+          <a:xfrm>
+            <a:off x="8480584" y="4749851"/>
+            <a:ext cx="548700" cy="393600"/>
+          </a:xfrm>
+          <a:prstGeom prst="rect">
+            <a:avLst/>
+          </a:prstGeom>
+        </p:spPr>
+        <p:txBody>
+          <a:bodyPr spcFirstLastPara="1" wrap="square" lIns="0" tIns="0" rIns="0" bIns="0" anchor="ctr" anchorCtr="0">
+            <a:noAutofit/>
+          </a:bodyPr>
+          <a:lstStyle/>
+          <a:p>
+            <a:pPr marL="0" lvl="0" indent="0" algn="r" rtl="0">
+              <a:spcBef>
+                <a:spcPts val="0"/>
+              </a:spcBef>
+              <a:spcAft>
+                <a:spcPts val="0"/>
+              </a:spcAft>
+              <a:buNone/>
+            </a:pPr>
+            <a:fld id="{00000000-1234-1234-1234-123412341234}" type="slidenum">
+              <a:rPr lang="en"/>
+              <a:t>28</a:t>
+            </a:fld>
+            <a:endParaRPr/>
+          </a:p>
+        </p:txBody>
+      </p:sp>
+      <p:grpSp>
+        <p:nvGrpSpPr>
+          <p:cNvPr id="340" name="Google Shape;340;p34"/>
+          <p:cNvGrpSpPr/>
+          <p:nvPr/>
+        </p:nvGrpSpPr>
+        <p:grpSpPr>
+          <a:xfrm>
+            <a:off x="3400424" y="1047750"/>
+            <a:ext cx="5553075" cy="3094148"/>
+            <a:chOff x="772679" y="222243"/>
+            <a:chExt cx="6659961" cy="3710900"/>
+          </a:xfrm>
+        </p:grpSpPr>
+        <p:sp>
+          <p:nvSpPr>
+            <p:cNvPr id="341" name="Google Shape;341;p34"/>
+            <p:cNvSpPr/>
+            <p:nvPr/>
+          </p:nvSpPr>
+          <p:spPr>
+            <a:xfrm>
+              <a:off x="772679" y="222243"/>
+              <a:ext cx="6659961" cy="3540985"/>
+            </a:xfrm>
+            <a:custGeom>
+              <a:avLst/>
+              <a:gdLst/>
+              <a:ahLst/>
+              <a:cxnLst/>
+              <a:rect l="l" t="t" r="r" b="b"/>
+              <a:pathLst>
+                <a:path w="5161606" h="3454973" extrusionOk="0">
+                  <a:moveTo>
+                    <a:pt x="4992053" y="0"/>
+                  </a:moveTo>
+                  <a:lnTo>
+                    <a:pt x="170498" y="0"/>
+                  </a:lnTo>
+                  <a:cubicBezTo>
+                    <a:pt x="76200" y="0"/>
+                    <a:pt x="0" y="76143"/>
+                    <a:pt x="0" y="170369"/>
+                  </a:cubicBezTo>
+                  <a:lnTo>
+                    <a:pt x="0" y="3396915"/>
+                  </a:lnTo>
+                  <a:cubicBezTo>
+                    <a:pt x="0" y="3429275"/>
+                    <a:pt x="26670" y="3454973"/>
+                    <a:pt x="58102" y="3454973"/>
+                  </a:cubicBezTo>
+                  <a:lnTo>
+                    <a:pt x="5103495" y="3454973"/>
+                  </a:lnTo>
+                  <a:cubicBezTo>
+                    <a:pt x="5135880" y="3454973"/>
+                    <a:pt x="5161598" y="3428324"/>
+                    <a:pt x="5161598" y="3396915"/>
+                  </a:cubicBezTo>
+                  <a:lnTo>
+                    <a:pt x="5161598" y="170369"/>
+                  </a:lnTo>
+                  <a:cubicBezTo>
+                    <a:pt x="5162550" y="76143"/>
+                    <a:pt x="5086350" y="0"/>
+                    <a:pt x="4992053" y="0"/>
+                  </a:cubicBezTo>
+                  <a:close/>
+                  <a:moveTo>
+                    <a:pt x="4981575" y="3245581"/>
+                  </a:moveTo>
+                  <a:lnTo>
+                    <a:pt x="190500" y="3245581"/>
+                  </a:lnTo>
+                  <a:lnTo>
+                    <a:pt x="190500" y="199874"/>
+                  </a:lnTo>
+                  <a:lnTo>
+                    <a:pt x="4981575" y="199874"/>
+                  </a:lnTo>
+                  <a:lnTo>
+                    <a:pt x="4981575" y="3245581"/>
+                  </a:lnTo>
+                  <a:close/>
+                </a:path>
+              </a:pathLst>
+            </a:custGeom>
+            <a:gradFill>
+              <a:gsLst>
+                <a:gs pos="0">
+                  <a:schemeClr val="accent1"/>
+                </a:gs>
+                <a:gs pos="100000">
+                  <a:schemeClr val="dk1"/>
+                </a:gs>
+              </a:gsLst>
+              <a:lin ang="16200038" scaled="0"/>
+            </a:gradFill>
+            <a:ln>
+              <a:noFill/>
+            </a:ln>
+          </p:spPr>
+          <p:txBody>
+            <a:bodyPr spcFirstLastPara="1" wrap="square" lIns="91425" tIns="45700" rIns="91425" bIns="45700" anchor="ctr" anchorCtr="0">
+              <a:noAutofit/>
+            </a:bodyPr>
+            <a:lstStyle/>
+            <a:p>
+              <a:pPr marL="0" marR="0" lvl="0" indent="0" algn="l" rtl="0">
+                <a:spcBef>
+                  <a:spcPts val="0"/>
+                </a:spcBef>
+                <a:spcAft>
+                  <a:spcPts val="0"/>
+                </a:spcAft>
+                <a:buNone/>
+              </a:pPr>
+              <a:endParaRPr sz="1800">
+                <a:solidFill>
+                  <a:srgbClr val="000000"/>
+                </a:solidFill>
+                <a:latin typeface="Calibri"/>
+                <a:ea typeface="Calibri"/>
+                <a:cs typeface="Calibri"/>
+                <a:sym typeface="Calibri"/>
+              </a:endParaRPr>
+            </a:p>
+          </p:txBody>
+        </p:sp>
+        <p:sp>
+          <p:nvSpPr>
+            <p:cNvPr id="342" name="Google Shape;342;p34"/>
+            <p:cNvSpPr/>
+            <p:nvPr/>
+          </p:nvSpPr>
+          <p:spPr>
+            <a:xfrm>
+              <a:off x="1021343" y="3837965"/>
+              <a:ext cx="6173152" cy="95178"/>
+            </a:xfrm>
+            <a:custGeom>
+              <a:avLst/>
+              <a:gdLst/>
+              <a:ahLst/>
+              <a:cxnLst/>
+              <a:rect l="l" t="t" r="r" b="b"/>
+              <a:pathLst>
+                <a:path w="6173152" h="95178" extrusionOk="0">
+                  <a:moveTo>
+                    <a:pt x="0" y="0"/>
+                  </a:moveTo>
+                  <a:cubicBezTo>
+                    <a:pt x="0" y="0"/>
+                    <a:pt x="129540" y="95178"/>
+                    <a:pt x="450533" y="95178"/>
+                  </a:cubicBezTo>
+                  <a:lnTo>
+                    <a:pt x="5817870" y="95178"/>
+                  </a:lnTo>
+                  <a:cubicBezTo>
+                    <a:pt x="5948363" y="95178"/>
+                    <a:pt x="6173153" y="0"/>
+                    <a:pt x="6173153" y="0"/>
+                  </a:cubicBezTo>
+                  <a:lnTo>
+                    <a:pt x="0" y="0"/>
+                  </a:lnTo>
+                  <a:close/>
+                </a:path>
+              </a:pathLst>
+            </a:custGeom>
+            <a:solidFill>
+              <a:schemeClr val="dk1"/>
+            </a:solidFill>
+            <a:ln>
+              <a:noFill/>
+            </a:ln>
+          </p:spPr>
+          <p:txBody>
+            <a:bodyPr spcFirstLastPara="1" wrap="square" lIns="91425" tIns="45700" rIns="91425" bIns="45700" anchor="ctr" anchorCtr="0">
+              <a:noAutofit/>
+            </a:bodyPr>
+            <a:lstStyle/>
+            <a:p>
+              <a:pPr marL="0" marR="0" lvl="0" indent="0" algn="l" rtl="0">
+                <a:spcBef>
+                  <a:spcPts val="0"/>
+                </a:spcBef>
+                <a:spcAft>
+                  <a:spcPts val="0"/>
+                </a:spcAft>
+                <a:buNone/>
+              </a:pPr>
+              <a:endParaRPr sz="1800">
+                <a:solidFill>
+                  <a:srgbClr val="000000"/>
+                </a:solidFill>
+                <a:latin typeface="Calibri"/>
+                <a:ea typeface="Calibri"/>
+                <a:cs typeface="Calibri"/>
+                <a:sym typeface="Calibri"/>
+              </a:endParaRPr>
+            </a:p>
+          </p:txBody>
+        </p:sp>
+        <p:sp>
+          <p:nvSpPr>
+            <p:cNvPr id="343" name="Google Shape;343;p34"/>
+            <p:cNvSpPr/>
+            <p:nvPr/>
+          </p:nvSpPr>
+          <p:spPr>
+            <a:xfrm>
+              <a:off x="1177450" y="3687086"/>
+              <a:ext cx="6172200" cy="76142"/>
+            </a:xfrm>
+            <a:custGeom>
+              <a:avLst/>
+              <a:gdLst/>
+              <a:ahLst/>
+              <a:cxnLst/>
+              <a:rect l="l" t="t" r="r" b="b"/>
+              <a:pathLst>
+                <a:path w="6172200" h="76142" extrusionOk="0">
+                  <a:moveTo>
+                    <a:pt x="0" y="76143"/>
+                  </a:moveTo>
+                  <a:lnTo>
+                    <a:pt x="6172200" y="76143"/>
+                  </a:lnTo>
+                  <a:lnTo>
+                    <a:pt x="6172200" y="0"/>
+                  </a:lnTo>
+                  <a:lnTo>
+                    <a:pt x="0" y="0"/>
+                  </a:lnTo>
+                  <a:close/>
+                </a:path>
+              </a:pathLst>
+            </a:custGeom>
+            <a:solidFill>
+              <a:srgbClr val="143FC2"/>
+            </a:solidFill>
+            <a:ln>
+              <a:noFill/>
+            </a:ln>
+          </p:spPr>
+          <p:txBody>
+            <a:bodyPr spcFirstLastPara="1" wrap="square" lIns="91425" tIns="45700" rIns="91425" bIns="45700" anchor="ctr" anchorCtr="0">
+              <a:noAutofit/>
+            </a:bodyPr>
+            <a:lstStyle/>
+            <a:p>
+              <a:pPr marL="0" marR="0" lvl="0" indent="0" algn="l" rtl="0">
+                <a:spcBef>
+                  <a:spcPts val="0"/>
+                </a:spcBef>
+                <a:spcAft>
+                  <a:spcPts val="0"/>
+                </a:spcAft>
+                <a:buNone/>
+              </a:pPr>
+              <a:endParaRPr sz="1800">
+                <a:solidFill>
+                  <a:srgbClr val="000000"/>
+                </a:solidFill>
+                <a:latin typeface="Calibri"/>
+                <a:ea typeface="Calibri"/>
+                <a:cs typeface="Calibri"/>
+                <a:sym typeface="Calibri"/>
+              </a:endParaRPr>
+            </a:p>
+          </p:txBody>
+        </p:sp>
+        <p:sp>
+          <p:nvSpPr>
+            <p:cNvPr id="344" name="Google Shape;344;p34"/>
+            <p:cNvSpPr/>
+            <p:nvPr/>
+          </p:nvSpPr>
+          <p:spPr>
+            <a:xfrm>
+              <a:off x="3806350" y="3687086"/>
+              <a:ext cx="903922" cy="47589"/>
+            </a:xfrm>
+            <a:custGeom>
+              <a:avLst/>
+              <a:gdLst/>
+              <a:ahLst/>
+              <a:cxnLst/>
+              <a:rect l="l" t="t" r="r" b="b"/>
+              <a:pathLst>
+                <a:path w="903922" h="47589" extrusionOk="0">
+                  <a:moveTo>
+                    <a:pt x="0" y="0"/>
+                  </a:moveTo>
+                  <a:cubicBezTo>
+                    <a:pt x="0" y="0"/>
+                    <a:pt x="26670" y="47589"/>
+                    <a:pt x="53340" y="47589"/>
+                  </a:cubicBezTo>
+                  <a:lnTo>
+                    <a:pt x="850582" y="47589"/>
+                  </a:lnTo>
+                  <a:cubicBezTo>
+                    <a:pt x="877253" y="47589"/>
+                    <a:pt x="903922" y="0"/>
+                    <a:pt x="903922" y="0"/>
+                  </a:cubicBezTo>
+                  <a:lnTo>
+                    <a:pt x="0" y="0"/>
+                  </a:lnTo>
+                  <a:close/>
+                </a:path>
+              </a:pathLst>
+            </a:custGeom>
+            <a:solidFill>
+              <a:schemeClr val="dk1"/>
+            </a:solidFill>
+            <a:ln>
+              <a:noFill/>
+            </a:ln>
+          </p:spPr>
+          <p:txBody>
+            <a:bodyPr spcFirstLastPara="1" wrap="square" lIns="91425" tIns="45700" rIns="91425" bIns="45700" anchor="ctr" anchorCtr="0">
+              <a:noAutofit/>
+            </a:bodyPr>
+            <a:lstStyle/>
+            <a:p>
+              <a:pPr marL="0" marR="0" lvl="0" indent="0" algn="l" rtl="0">
+                <a:spcBef>
+                  <a:spcPts val="0"/>
+                </a:spcBef>
+                <a:spcAft>
+                  <a:spcPts val="0"/>
+                </a:spcAft>
+                <a:buNone/>
+              </a:pPr>
+              <a:endParaRPr sz="1800">
+                <a:solidFill>
+                  <a:srgbClr val="000000"/>
+                </a:solidFill>
+                <a:latin typeface="Calibri"/>
+                <a:ea typeface="Calibri"/>
+                <a:cs typeface="Calibri"/>
+                <a:sym typeface="Calibri"/>
+              </a:endParaRPr>
+            </a:p>
+          </p:txBody>
+        </p:sp>
+      </p:grpSp>
+      <p:sp>
+        <p:nvSpPr>
+          <p:cNvPr id="345" name="Google Shape;345;p34"/>
+          <p:cNvSpPr txBox="1">
+            <a:spLocks noGrp="1"/>
+          </p:cNvSpPr>
+          <p:nvPr>
+            <p:ph type="body" idx="4294967295"/>
+          </p:nvPr>
+        </p:nvSpPr>
+        <p:spPr>
+          <a:xfrm>
+            <a:off x="580550" y="782300"/>
+            <a:ext cx="2735662" cy="3579000"/>
+          </a:xfrm>
+          <a:prstGeom prst="rect">
+            <a:avLst/>
+          </a:prstGeom>
+        </p:spPr>
+        <p:txBody>
+          <a:bodyPr spcFirstLastPara="1" wrap="square" lIns="0" tIns="0" rIns="0" bIns="0" anchor="ctr" anchorCtr="0">
+            <a:noAutofit/>
+          </a:bodyPr>
+          <a:lstStyle/>
+          <a:p>
+            <a:pPr marL="0" lvl="0" indent="0" algn="l" rtl="0">
+              <a:spcBef>
+                <a:spcPts val="600"/>
+              </a:spcBef>
+              <a:spcAft>
+                <a:spcPts val="0"/>
+              </a:spcAft>
+              <a:buNone/>
+            </a:pPr>
+            <a:r>
+              <a:rPr lang="en" sz="3000" dirty="0" smtClean="0">
+                <a:latin typeface="Lexend Deca"/>
+                <a:ea typeface="Lexend Deca"/>
+                <a:cs typeface="Lexend Deca"/>
+                <a:sym typeface="Lexend Deca"/>
+              </a:rPr>
+              <a:t>Desktop View</a:t>
+            </a:r>
+          </a:p>
+          <a:p>
+            <a:pPr marL="0" lvl="0" indent="0" algn="l" rtl="0">
+              <a:spcBef>
+                <a:spcPts val="600"/>
+              </a:spcBef>
+              <a:spcAft>
+                <a:spcPts val="0"/>
+              </a:spcAft>
+              <a:buNone/>
+            </a:pPr>
+            <a:endParaRPr sz="3000" dirty="0">
+              <a:latin typeface="Lexend Deca"/>
+              <a:ea typeface="Lexend Deca"/>
+              <a:cs typeface="Lexend Deca"/>
+              <a:sym typeface="Lexend Deca"/>
+            </a:endParaRPr>
+          </a:p>
+        </p:txBody>
+      </p:sp>
+      <p:pic>
+        <p:nvPicPr>
+          <p:cNvPr id="3" name="Picture 2"/>
+          <p:cNvPicPr>
+            <a:picLocks noChangeAspect="1"/>
+          </p:cNvPicPr>
+          <p:nvPr/>
+        </p:nvPicPr>
+        <p:blipFill>
+          <a:blip r:embed="rId3"/>
+          <a:stretch>
+            <a:fillRect/>
+          </a:stretch>
+        </p:blipFill>
+        <p:spPr>
+          <a:xfrm>
+            <a:off x="3607760" y="1211283"/>
+            <a:ext cx="5147174" cy="2576946"/>
+          </a:xfrm>
+          <a:prstGeom prst="rect">
+            <a:avLst/>
+          </a:prstGeom>
+        </p:spPr>
+      </p:pic>
+    </p:spTree>
+    <p:extLst>
+      <p:ext uri="{BB962C8B-B14F-4D97-AF65-F5344CB8AC3E}">
+        <p14:creationId xmlns:p14="http://schemas.microsoft.com/office/powerpoint/2010/main" val="856223135"/>
+      </p:ext>
+    </p:extLst>
+  </p:cSld>
+  <p:clrMapOvr>
+    <a:masterClrMapping/>
+  </p:clrMapOvr>
+  <p:timing>
+    <p:tnLst>
+      <p:par>
+        <p:cTn id="1" dur="indefinite" restart="never" nodeType="tmRoot"/>
+      </p:par>
+    </p:tnLst>
+  </p:timing>
+</p:sld>
+</file>
+
+<file path=ppt/slides/slide29.xml><?xml version="1.0" encoding="utf-8"?>
+<p:sld xmlns:a="http://schemas.openxmlformats.org/drawingml/2006/main" xmlns:r="http://schemas.openxmlformats.org/officeDocument/2006/relationships" xmlns:p="http://schemas.openxmlformats.org/presentationml/2006/main">
+  <p:cSld>
+    <p:spTree>
+      <p:nvGrpSpPr>
+        <p:cNvPr id="1" name="Shape 337"/>
+        <p:cNvGrpSpPr/>
+        <p:nvPr/>
+      </p:nvGrpSpPr>
+      <p:grpSpPr>
+        <a:xfrm>
+          <a:off x="0" y="0"/>
+          <a:ext cx="0" cy="0"/>
+          <a:chOff x="0" y="0"/>
+          <a:chExt cx="0" cy="0"/>
+        </a:xfrm>
+      </p:grpSpPr>
+      <p:sp>
+        <p:nvSpPr>
+          <p:cNvPr id="338" name="Google Shape;338;p34"/>
+          <p:cNvSpPr txBox="1">
+            <a:spLocks noGrp="1"/>
+          </p:cNvSpPr>
+          <p:nvPr>
+            <p:ph type="sldNum" idx="12"/>
+          </p:nvPr>
+        </p:nvSpPr>
+        <p:spPr>
+          <a:xfrm>
+            <a:off x="8480584" y="4749851"/>
+            <a:ext cx="548700" cy="393600"/>
+          </a:xfrm>
+          <a:prstGeom prst="rect">
+            <a:avLst/>
+          </a:prstGeom>
+        </p:spPr>
+        <p:txBody>
+          <a:bodyPr spcFirstLastPara="1" wrap="square" lIns="0" tIns="0" rIns="0" bIns="0" anchor="ctr" anchorCtr="0">
+            <a:noAutofit/>
+          </a:bodyPr>
+          <a:lstStyle/>
+          <a:p>
+            <a:pPr marL="0" lvl="0" indent="0" algn="r" rtl="0">
+              <a:spcBef>
+                <a:spcPts val="0"/>
+              </a:spcBef>
+              <a:spcAft>
+                <a:spcPts val="0"/>
+              </a:spcAft>
+              <a:buNone/>
+            </a:pPr>
+            <a:fld id="{00000000-1234-1234-1234-123412341234}" type="slidenum">
+              <a:rPr lang="en"/>
+              <a:t>29</a:t>
+            </a:fld>
+            <a:endParaRPr/>
+          </a:p>
+        </p:txBody>
+      </p:sp>
+      <p:grpSp>
+        <p:nvGrpSpPr>
+          <p:cNvPr id="340" name="Google Shape;340;p34"/>
+          <p:cNvGrpSpPr/>
+          <p:nvPr/>
+        </p:nvGrpSpPr>
+        <p:grpSpPr>
+          <a:xfrm>
+            <a:off x="3400424" y="1047750"/>
+            <a:ext cx="5553075" cy="3094148"/>
+            <a:chOff x="772679" y="222243"/>
+            <a:chExt cx="6659961" cy="3710900"/>
+          </a:xfrm>
+        </p:grpSpPr>
+        <p:sp>
+          <p:nvSpPr>
+            <p:cNvPr id="341" name="Google Shape;341;p34"/>
+            <p:cNvSpPr/>
+            <p:nvPr/>
+          </p:nvSpPr>
+          <p:spPr>
+            <a:xfrm>
+              <a:off x="772679" y="222243"/>
+              <a:ext cx="6659961" cy="3540985"/>
+            </a:xfrm>
+            <a:custGeom>
+              <a:avLst/>
+              <a:gdLst/>
+              <a:ahLst/>
+              <a:cxnLst/>
+              <a:rect l="l" t="t" r="r" b="b"/>
+              <a:pathLst>
+                <a:path w="5161606" h="3454973" extrusionOk="0">
+                  <a:moveTo>
+                    <a:pt x="4992053" y="0"/>
+                  </a:moveTo>
+                  <a:lnTo>
+                    <a:pt x="170498" y="0"/>
+                  </a:lnTo>
+                  <a:cubicBezTo>
+                    <a:pt x="76200" y="0"/>
+                    <a:pt x="0" y="76143"/>
+                    <a:pt x="0" y="170369"/>
+                  </a:cubicBezTo>
+                  <a:lnTo>
+                    <a:pt x="0" y="3396915"/>
+                  </a:lnTo>
+                  <a:cubicBezTo>
+                    <a:pt x="0" y="3429275"/>
+                    <a:pt x="26670" y="3454973"/>
+                    <a:pt x="58102" y="3454973"/>
+                  </a:cubicBezTo>
+                  <a:lnTo>
+                    <a:pt x="5103495" y="3454973"/>
+                  </a:lnTo>
+                  <a:cubicBezTo>
+                    <a:pt x="5135880" y="3454973"/>
+                    <a:pt x="5161598" y="3428324"/>
+                    <a:pt x="5161598" y="3396915"/>
+                  </a:cubicBezTo>
+                  <a:lnTo>
+                    <a:pt x="5161598" y="170369"/>
+                  </a:lnTo>
+                  <a:cubicBezTo>
+                    <a:pt x="5162550" y="76143"/>
+                    <a:pt x="5086350" y="0"/>
+                    <a:pt x="4992053" y="0"/>
+                  </a:cubicBezTo>
+                  <a:close/>
+                  <a:moveTo>
+                    <a:pt x="4981575" y="3245581"/>
+                  </a:moveTo>
+                  <a:lnTo>
+                    <a:pt x="190500" y="3245581"/>
+                  </a:lnTo>
+                  <a:lnTo>
+                    <a:pt x="190500" y="199874"/>
+                  </a:lnTo>
+                  <a:lnTo>
+                    <a:pt x="4981575" y="199874"/>
+                  </a:lnTo>
+                  <a:lnTo>
+                    <a:pt x="4981575" y="3245581"/>
+                  </a:lnTo>
+                  <a:close/>
+                </a:path>
+              </a:pathLst>
+            </a:custGeom>
+            <a:gradFill>
+              <a:gsLst>
+                <a:gs pos="0">
+                  <a:schemeClr val="accent1"/>
+                </a:gs>
+                <a:gs pos="100000">
+                  <a:schemeClr val="dk1"/>
+                </a:gs>
+              </a:gsLst>
+              <a:lin ang="16200038" scaled="0"/>
+            </a:gradFill>
+            <a:ln>
+              <a:noFill/>
+            </a:ln>
+          </p:spPr>
+          <p:txBody>
+            <a:bodyPr spcFirstLastPara="1" wrap="square" lIns="91425" tIns="45700" rIns="91425" bIns="45700" anchor="ctr" anchorCtr="0">
+              <a:noAutofit/>
+            </a:bodyPr>
+            <a:lstStyle/>
+            <a:p>
+              <a:pPr marL="0" marR="0" lvl="0" indent="0" algn="l" rtl="0">
+                <a:spcBef>
+                  <a:spcPts val="0"/>
+                </a:spcBef>
+                <a:spcAft>
+                  <a:spcPts val="0"/>
+                </a:spcAft>
+                <a:buNone/>
+              </a:pPr>
+              <a:endParaRPr sz="1800">
+                <a:solidFill>
+                  <a:srgbClr val="000000"/>
+                </a:solidFill>
+                <a:latin typeface="Calibri"/>
+                <a:ea typeface="Calibri"/>
+                <a:cs typeface="Calibri"/>
+                <a:sym typeface="Calibri"/>
+              </a:endParaRPr>
+            </a:p>
+          </p:txBody>
+        </p:sp>
+        <p:sp>
+          <p:nvSpPr>
+            <p:cNvPr id="342" name="Google Shape;342;p34"/>
+            <p:cNvSpPr/>
+            <p:nvPr/>
+          </p:nvSpPr>
+          <p:spPr>
+            <a:xfrm>
+              <a:off x="1021343" y="3837965"/>
+              <a:ext cx="6173152" cy="95178"/>
+            </a:xfrm>
+            <a:custGeom>
+              <a:avLst/>
+              <a:gdLst/>
+              <a:ahLst/>
+              <a:cxnLst/>
+              <a:rect l="l" t="t" r="r" b="b"/>
+              <a:pathLst>
+                <a:path w="6173152" h="95178" extrusionOk="0">
+                  <a:moveTo>
+                    <a:pt x="0" y="0"/>
+                  </a:moveTo>
+                  <a:cubicBezTo>
+                    <a:pt x="0" y="0"/>
+                    <a:pt x="129540" y="95178"/>
+                    <a:pt x="450533" y="95178"/>
+                  </a:cubicBezTo>
+                  <a:lnTo>
+                    <a:pt x="5817870" y="95178"/>
+                  </a:lnTo>
+                  <a:cubicBezTo>
+                    <a:pt x="5948363" y="95178"/>
+                    <a:pt x="6173153" y="0"/>
+                    <a:pt x="6173153" y="0"/>
+                  </a:cubicBezTo>
+                  <a:lnTo>
+                    <a:pt x="0" y="0"/>
+                  </a:lnTo>
+                  <a:close/>
+                </a:path>
+              </a:pathLst>
+            </a:custGeom>
+            <a:solidFill>
+              <a:schemeClr val="dk1"/>
+            </a:solidFill>
+            <a:ln>
+              <a:noFill/>
+            </a:ln>
+          </p:spPr>
+          <p:txBody>
+            <a:bodyPr spcFirstLastPara="1" wrap="square" lIns="91425" tIns="45700" rIns="91425" bIns="45700" anchor="ctr" anchorCtr="0">
+              <a:noAutofit/>
+            </a:bodyPr>
+            <a:lstStyle/>
+            <a:p>
+              <a:pPr marL="0" marR="0" lvl="0" indent="0" algn="l" rtl="0">
+                <a:spcBef>
+                  <a:spcPts val="0"/>
+                </a:spcBef>
+                <a:spcAft>
+                  <a:spcPts val="0"/>
+                </a:spcAft>
+                <a:buNone/>
+              </a:pPr>
+              <a:endParaRPr sz="1800">
+                <a:solidFill>
+                  <a:srgbClr val="000000"/>
+                </a:solidFill>
+                <a:latin typeface="Calibri"/>
+                <a:ea typeface="Calibri"/>
+                <a:cs typeface="Calibri"/>
+                <a:sym typeface="Calibri"/>
+              </a:endParaRPr>
+            </a:p>
+          </p:txBody>
+        </p:sp>
+        <p:sp>
+          <p:nvSpPr>
+            <p:cNvPr id="343" name="Google Shape;343;p34"/>
+            <p:cNvSpPr/>
+            <p:nvPr/>
+          </p:nvSpPr>
+          <p:spPr>
+            <a:xfrm>
+              <a:off x="1177450" y="3687086"/>
+              <a:ext cx="6172200" cy="76142"/>
+            </a:xfrm>
+            <a:custGeom>
+              <a:avLst/>
+              <a:gdLst/>
+              <a:ahLst/>
+              <a:cxnLst/>
+              <a:rect l="l" t="t" r="r" b="b"/>
+              <a:pathLst>
+                <a:path w="6172200" h="76142" extrusionOk="0">
+                  <a:moveTo>
+                    <a:pt x="0" y="76143"/>
+                  </a:moveTo>
+                  <a:lnTo>
+                    <a:pt x="6172200" y="76143"/>
+                  </a:lnTo>
+                  <a:lnTo>
+                    <a:pt x="6172200" y="0"/>
+                  </a:lnTo>
+                  <a:lnTo>
+                    <a:pt x="0" y="0"/>
+                  </a:lnTo>
+                  <a:close/>
+                </a:path>
+              </a:pathLst>
+            </a:custGeom>
+            <a:solidFill>
+              <a:srgbClr val="143FC2"/>
+            </a:solidFill>
+            <a:ln>
+              <a:noFill/>
+            </a:ln>
+          </p:spPr>
+          <p:txBody>
+            <a:bodyPr spcFirstLastPara="1" wrap="square" lIns="91425" tIns="45700" rIns="91425" bIns="45700" anchor="ctr" anchorCtr="0">
+              <a:noAutofit/>
+            </a:bodyPr>
+            <a:lstStyle/>
+            <a:p>
+              <a:pPr marL="0" marR="0" lvl="0" indent="0" algn="l" rtl="0">
+                <a:spcBef>
+                  <a:spcPts val="0"/>
+                </a:spcBef>
+                <a:spcAft>
+                  <a:spcPts val="0"/>
+                </a:spcAft>
+                <a:buNone/>
+              </a:pPr>
+              <a:endParaRPr sz="1800">
+                <a:solidFill>
+                  <a:srgbClr val="000000"/>
+                </a:solidFill>
+                <a:latin typeface="Calibri"/>
+                <a:ea typeface="Calibri"/>
+                <a:cs typeface="Calibri"/>
+                <a:sym typeface="Calibri"/>
+              </a:endParaRPr>
+            </a:p>
+          </p:txBody>
+        </p:sp>
+        <p:sp>
+          <p:nvSpPr>
+            <p:cNvPr id="344" name="Google Shape;344;p34"/>
+            <p:cNvSpPr/>
+            <p:nvPr/>
+          </p:nvSpPr>
+          <p:spPr>
+            <a:xfrm>
+              <a:off x="3806350" y="3687086"/>
+              <a:ext cx="903922" cy="47589"/>
+            </a:xfrm>
+            <a:custGeom>
+              <a:avLst/>
+              <a:gdLst/>
+              <a:ahLst/>
+              <a:cxnLst/>
+              <a:rect l="l" t="t" r="r" b="b"/>
+              <a:pathLst>
+                <a:path w="903922" h="47589" extrusionOk="0">
+                  <a:moveTo>
+                    <a:pt x="0" y="0"/>
+                  </a:moveTo>
+                  <a:cubicBezTo>
+                    <a:pt x="0" y="0"/>
+                    <a:pt x="26670" y="47589"/>
+                    <a:pt x="53340" y="47589"/>
+                  </a:cubicBezTo>
+                  <a:lnTo>
+                    <a:pt x="850582" y="47589"/>
+                  </a:lnTo>
+                  <a:cubicBezTo>
+                    <a:pt x="877253" y="47589"/>
+                    <a:pt x="903922" y="0"/>
+                    <a:pt x="903922" y="0"/>
+                  </a:cubicBezTo>
+                  <a:lnTo>
+                    <a:pt x="0" y="0"/>
+                  </a:lnTo>
+                  <a:close/>
+                </a:path>
+              </a:pathLst>
+            </a:custGeom>
+            <a:solidFill>
+              <a:schemeClr val="dk1"/>
+            </a:solidFill>
+            <a:ln>
+              <a:noFill/>
+            </a:ln>
+          </p:spPr>
+          <p:txBody>
+            <a:bodyPr spcFirstLastPara="1" wrap="square" lIns="91425" tIns="45700" rIns="91425" bIns="45700" anchor="ctr" anchorCtr="0">
+              <a:noAutofit/>
+            </a:bodyPr>
+            <a:lstStyle/>
+            <a:p>
+              <a:pPr marL="0" marR="0" lvl="0" indent="0" algn="l" rtl="0">
+                <a:spcBef>
+                  <a:spcPts val="0"/>
+                </a:spcBef>
+                <a:spcAft>
+                  <a:spcPts val="0"/>
+                </a:spcAft>
+                <a:buNone/>
+              </a:pPr>
+              <a:endParaRPr sz="1800">
+                <a:solidFill>
+                  <a:srgbClr val="000000"/>
+                </a:solidFill>
+                <a:latin typeface="Calibri"/>
+                <a:ea typeface="Calibri"/>
+                <a:cs typeface="Calibri"/>
+                <a:sym typeface="Calibri"/>
+              </a:endParaRPr>
+            </a:p>
+          </p:txBody>
+        </p:sp>
+      </p:grpSp>
+      <p:sp>
+        <p:nvSpPr>
+          <p:cNvPr id="345" name="Google Shape;345;p34"/>
+          <p:cNvSpPr txBox="1">
+            <a:spLocks noGrp="1"/>
+          </p:cNvSpPr>
+          <p:nvPr>
+            <p:ph type="body" idx="4294967295"/>
+          </p:nvPr>
+        </p:nvSpPr>
+        <p:spPr>
+          <a:xfrm>
+            <a:off x="580550" y="782300"/>
+            <a:ext cx="2735662" cy="3579000"/>
+          </a:xfrm>
+          <a:prstGeom prst="rect">
+            <a:avLst/>
+          </a:prstGeom>
+        </p:spPr>
+        <p:txBody>
+          <a:bodyPr spcFirstLastPara="1" wrap="square" lIns="0" tIns="0" rIns="0" bIns="0" anchor="ctr" anchorCtr="0">
+            <a:noAutofit/>
+          </a:bodyPr>
+          <a:lstStyle/>
+          <a:p>
+            <a:pPr marL="0" lvl="0" indent="0" algn="l" rtl="0">
+              <a:spcBef>
+                <a:spcPts val="600"/>
+              </a:spcBef>
+              <a:spcAft>
+                <a:spcPts val="0"/>
+              </a:spcAft>
+              <a:buNone/>
+            </a:pPr>
+            <a:r>
+              <a:rPr lang="en" sz="3000" dirty="0" smtClean="0">
+                <a:latin typeface="Lexend Deca"/>
+                <a:ea typeface="Lexend Deca"/>
+                <a:cs typeface="Lexend Deca"/>
+                <a:sym typeface="Lexend Deca"/>
+              </a:rPr>
+              <a:t>Desktop View</a:t>
+            </a:r>
+          </a:p>
+          <a:p>
+            <a:pPr marL="0" lvl="0" indent="0" algn="l" rtl="0">
+              <a:spcBef>
+                <a:spcPts val="600"/>
+              </a:spcBef>
+              <a:spcAft>
+                <a:spcPts val="0"/>
+              </a:spcAft>
+              <a:buNone/>
+            </a:pPr>
+            <a:endParaRPr sz="3000" dirty="0">
+              <a:latin typeface="Lexend Deca"/>
+              <a:ea typeface="Lexend Deca"/>
+              <a:cs typeface="Lexend Deca"/>
+              <a:sym typeface="Lexend Deca"/>
+            </a:endParaRPr>
+          </a:p>
+        </p:txBody>
+      </p:sp>
+      <p:pic>
+        <p:nvPicPr>
+          <p:cNvPr id="2" name="Picture 1"/>
+          <p:cNvPicPr>
+            <a:picLocks noChangeAspect="1"/>
+          </p:cNvPicPr>
+          <p:nvPr/>
+        </p:nvPicPr>
+        <p:blipFill>
+          <a:blip r:embed="rId3"/>
+          <a:stretch>
+            <a:fillRect/>
+          </a:stretch>
+        </p:blipFill>
+        <p:spPr>
+          <a:xfrm>
+            <a:off x="3575461" y="1247388"/>
+            <a:ext cx="5179473" cy="2553195"/>
+          </a:xfrm>
+          <a:prstGeom prst="rect">
+            <a:avLst/>
+          </a:prstGeom>
+        </p:spPr>
+      </p:pic>
+    </p:spTree>
+    <p:extLst>
+      <p:ext uri="{BB962C8B-B14F-4D97-AF65-F5344CB8AC3E}">
+        <p14:creationId xmlns:p14="http://schemas.microsoft.com/office/powerpoint/2010/main" val="599977584"/>
+      </p:ext>
+    </p:extLst>
+  </p:cSld>
+  <p:clrMapOvr>
+    <a:masterClrMapping/>
+  </p:clrMapOvr>
+  <p:timing>
+    <p:tnLst>
+      <p:par>
+        <p:cTn id="1" dur="indefinite" restart="never" nodeType="tmRoot"/>
+      </p:par>
+    </p:tnLst>
+  </p:timing>
+</p:sld>
+</file>
+
+<file path=ppt/slides/slide3.xml><?xml version="1.0" encoding="utf-8"?>
+<p:sld xmlns:a="http://schemas.openxmlformats.org/drawingml/2006/main" xmlns:r="http://schemas.openxmlformats.org/officeDocument/2006/relationships" xmlns:p="http://schemas.openxmlformats.org/presentationml/2006/main">
+  <p:cSld>
+    <p:spTree>
+      <p:nvGrpSpPr>
+        <p:cNvPr id="1" name="Shape 93"/>
+        <p:cNvGrpSpPr/>
+        <p:nvPr/>
+      </p:nvGrpSpPr>
+      <p:grpSpPr>
+        <a:xfrm>
+          <a:off x="0" y="0"/>
+          <a:ext cx="0" cy="0"/>
+          <a:chOff x="0" y="0"/>
+          <a:chExt cx="0" cy="0"/>
+        </a:xfrm>
+      </p:grpSpPr>
+      <p:sp>
+        <p:nvSpPr>
+          <p:cNvPr id="94" name="Google Shape;94;p17"/>
+          <p:cNvSpPr txBox="1">
+            <a:spLocks noGrp="1"/>
+          </p:cNvSpPr>
+          <p:nvPr>
+            <p:ph type="ctrTitle"/>
+          </p:nvPr>
+        </p:nvSpPr>
+        <p:spPr>
+          <a:xfrm>
+            <a:off x="685800" y="1659550"/>
+            <a:ext cx="4263900" cy="1159800"/>
+          </a:xfrm>
+          <a:prstGeom prst="rect">
+            <a:avLst/>
+          </a:prstGeom>
+        </p:spPr>
+        <p:txBody>
+          <a:bodyPr spcFirstLastPara="1" wrap="square" lIns="0" tIns="0" rIns="0" bIns="0" anchor="b" anchorCtr="0">
+            <a:noAutofit/>
+          </a:bodyPr>
+          <a:lstStyle/>
+          <a:p>
+            <a:pPr marL="0" lvl="0" indent="0" algn="l" rtl="0">
+              <a:spcBef>
+                <a:spcPts val="0"/>
+              </a:spcBef>
+              <a:spcAft>
+                <a:spcPts val="0"/>
+              </a:spcAft>
+              <a:buNone/>
+            </a:pPr>
+            <a:r>
+              <a:rPr lang="en" dirty="0" smtClean="0"/>
+              <a:t>1.</a:t>
+            </a:r>
+            <a:endParaRPr dirty="0" smtClean="0"/>
+          </a:p>
+          <a:p>
+            <a:pPr lvl="0"/>
+            <a:r>
+              <a:rPr lang="en-US" b="0" dirty="0"/>
+              <a:t>Introduction</a:t>
+            </a:r>
+            <a:endParaRPr dirty="0"/>
+          </a:p>
+        </p:txBody>
+      </p:sp>
+      <p:pic>
+        <p:nvPicPr>
+          <p:cNvPr id="96" name="Google Shape;96;p17"/>
+          <p:cNvPicPr preferRelativeResize="0"/>
+          <p:nvPr/>
+        </p:nvPicPr>
+        <p:blipFill>
+          <a:blip r:embed="rId3">
+            <a:alphaModFix/>
+          </a:blip>
+          <a:stretch>
+            <a:fillRect/>
+          </a:stretch>
+        </p:blipFill>
+        <p:spPr>
+          <a:xfrm>
+            <a:off x="5722705" y="2045304"/>
+            <a:ext cx="2219340" cy="1159800"/>
+          </a:xfrm>
+          <a:prstGeom prst="rect">
+            <a:avLst/>
+          </a:prstGeom>
+          <a:noFill/>
+          <a:ln>
+            <a:noFill/>
+          </a:ln>
+        </p:spPr>
+      </p:pic>
+      <p:pic>
+        <p:nvPicPr>
+          <p:cNvPr id="97" name="Google Shape;97;p17"/>
+          <p:cNvPicPr preferRelativeResize="0"/>
+          <p:nvPr/>
+        </p:nvPicPr>
+        <p:blipFill>
+          <a:blip r:embed="rId4">
+            <a:alphaModFix/>
+          </a:blip>
+          <a:stretch>
+            <a:fillRect/>
+          </a:stretch>
+        </p:blipFill>
+        <p:spPr>
+          <a:xfrm>
+            <a:off x="5790680" y="2449022"/>
+            <a:ext cx="145275" cy="423000"/>
+          </a:xfrm>
+          <a:prstGeom prst="rect">
+            <a:avLst/>
+          </a:prstGeom>
+          <a:noFill/>
+          <a:ln>
+            <a:noFill/>
+          </a:ln>
+        </p:spPr>
+      </p:pic>
+      <p:pic>
+        <p:nvPicPr>
+          <p:cNvPr id="98" name="Google Shape;98;p17"/>
+          <p:cNvPicPr preferRelativeResize="0"/>
+          <p:nvPr/>
+        </p:nvPicPr>
+        <p:blipFill>
+          <a:blip r:embed="rId5">
+            <a:alphaModFix/>
+          </a:blip>
+          <a:stretch>
+            <a:fillRect/>
+          </a:stretch>
+        </p:blipFill>
+        <p:spPr>
+          <a:xfrm>
+            <a:off x="6336726" y="1237502"/>
+            <a:ext cx="1032700" cy="1209125"/>
+          </a:xfrm>
+          <a:prstGeom prst="rect">
+            <a:avLst/>
+          </a:prstGeom>
+          <a:noFill/>
+          <a:ln>
+            <a:noFill/>
+          </a:ln>
+        </p:spPr>
+      </p:pic>
+    </p:spTree>
+  </p:cSld>
+  <p:clrMapOvr>
+    <a:masterClrMapping/>
+  </p:clrMapOvr>
+  <p:timing>
+    <p:tnLst>
+      <p:par>
+        <p:cTn id="1" dur="indefinite" restart="never" nodeType="tmRoot"/>
+      </p:par>
+    </p:tnLst>
+  </p:timing>
+</p:sld>
+</file>
+
+<file path=ppt/slides/slide30.xml><?xml version="1.0" encoding="utf-8"?>
+<p:sld xmlns:a="http://schemas.openxmlformats.org/drawingml/2006/main" xmlns:r="http://schemas.openxmlformats.org/officeDocument/2006/relationships" xmlns:p="http://schemas.openxmlformats.org/presentationml/2006/main">
+  <p:cSld>
+    <p:spTree>
+      <p:nvGrpSpPr>
+        <p:cNvPr id="1" name="Shape 337"/>
+        <p:cNvGrpSpPr/>
+        <p:nvPr/>
+      </p:nvGrpSpPr>
+      <p:grpSpPr>
+        <a:xfrm>
+          <a:off x="0" y="0"/>
+          <a:ext cx="0" cy="0"/>
+          <a:chOff x="0" y="0"/>
+          <a:chExt cx="0" cy="0"/>
+        </a:xfrm>
+      </p:grpSpPr>
+      <p:sp>
+        <p:nvSpPr>
+          <p:cNvPr id="338" name="Google Shape;338;p34"/>
+          <p:cNvSpPr txBox="1">
+            <a:spLocks noGrp="1"/>
+          </p:cNvSpPr>
+          <p:nvPr>
+            <p:ph type="sldNum" idx="12"/>
+          </p:nvPr>
+        </p:nvSpPr>
+        <p:spPr>
+          <a:xfrm>
+            <a:off x="8480584" y="4749851"/>
+            <a:ext cx="548700" cy="393600"/>
+          </a:xfrm>
+          <a:prstGeom prst="rect">
+            <a:avLst/>
+          </a:prstGeom>
+        </p:spPr>
+        <p:txBody>
+          <a:bodyPr spcFirstLastPara="1" wrap="square" lIns="0" tIns="0" rIns="0" bIns="0" anchor="ctr" anchorCtr="0">
+            <a:noAutofit/>
+          </a:bodyPr>
+          <a:lstStyle/>
+          <a:p>
+            <a:pPr marL="0" lvl="0" indent="0" algn="r" rtl="0">
+              <a:spcBef>
+                <a:spcPts val="0"/>
+              </a:spcBef>
+              <a:spcAft>
+                <a:spcPts val="0"/>
+              </a:spcAft>
+              <a:buNone/>
+            </a:pPr>
+            <a:fld id="{00000000-1234-1234-1234-123412341234}" type="slidenum">
+              <a:rPr lang="en"/>
+              <a:t>30</a:t>
+            </a:fld>
+            <a:endParaRPr/>
+          </a:p>
+        </p:txBody>
+      </p:sp>
+      <p:grpSp>
+        <p:nvGrpSpPr>
+          <p:cNvPr id="340" name="Google Shape;340;p34"/>
+          <p:cNvGrpSpPr/>
+          <p:nvPr/>
+        </p:nvGrpSpPr>
+        <p:grpSpPr>
+          <a:xfrm>
+            <a:off x="3400424" y="1047750"/>
+            <a:ext cx="5553075" cy="3094148"/>
+            <a:chOff x="772679" y="222243"/>
+            <a:chExt cx="6659961" cy="3710900"/>
+          </a:xfrm>
+        </p:grpSpPr>
+        <p:sp>
+          <p:nvSpPr>
+            <p:cNvPr id="341" name="Google Shape;341;p34"/>
+            <p:cNvSpPr/>
+            <p:nvPr/>
+          </p:nvSpPr>
+          <p:spPr>
+            <a:xfrm>
+              <a:off x="772679" y="222243"/>
+              <a:ext cx="6659961" cy="3540985"/>
+            </a:xfrm>
+            <a:custGeom>
+              <a:avLst/>
+              <a:gdLst/>
+              <a:ahLst/>
+              <a:cxnLst/>
+              <a:rect l="l" t="t" r="r" b="b"/>
+              <a:pathLst>
+                <a:path w="5161606" h="3454973" extrusionOk="0">
+                  <a:moveTo>
+                    <a:pt x="4992053" y="0"/>
+                  </a:moveTo>
+                  <a:lnTo>
+                    <a:pt x="170498" y="0"/>
+                  </a:lnTo>
+                  <a:cubicBezTo>
+                    <a:pt x="76200" y="0"/>
+                    <a:pt x="0" y="76143"/>
+                    <a:pt x="0" y="170369"/>
+                  </a:cubicBezTo>
+                  <a:lnTo>
+                    <a:pt x="0" y="3396915"/>
+                  </a:lnTo>
+                  <a:cubicBezTo>
+                    <a:pt x="0" y="3429275"/>
+                    <a:pt x="26670" y="3454973"/>
+                    <a:pt x="58102" y="3454973"/>
+                  </a:cubicBezTo>
+                  <a:lnTo>
+                    <a:pt x="5103495" y="3454973"/>
+                  </a:lnTo>
+                  <a:cubicBezTo>
+                    <a:pt x="5135880" y="3454973"/>
+                    <a:pt x="5161598" y="3428324"/>
+                    <a:pt x="5161598" y="3396915"/>
+                  </a:cubicBezTo>
+                  <a:lnTo>
+                    <a:pt x="5161598" y="170369"/>
+                  </a:lnTo>
+                  <a:cubicBezTo>
+                    <a:pt x="5162550" y="76143"/>
+                    <a:pt x="5086350" y="0"/>
+                    <a:pt x="4992053" y="0"/>
+                  </a:cubicBezTo>
+                  <a:close/>
+                  <a:moveTo>
+                    <a:pt x="4981575" y="3245581"/>
+                  </a:moveTo>
+                  <a:lnTo>
+                    <a:pt x="190500" y="3245581"/>
+                  </a:lnTo>
+                  <a:lnTo>
+                    <a:pt x="190500" y="199874"/>
+                  </a:lnTo>
+                  <a:lnTo>
+                    <a:pt x="4981575" y="199874"/>
+                  </a:lnTo>
+                  <a:lnTo>
+                    <a:pt x="4981575" y="3245581"/>
+                  </a:lnTo>
+                  <a:close/>
+                </a:path>
+              </a:pathLst>
+            </a:custGeom>
+            <a:gradFill>
+              <a:gsLst>
+                <a:gs pos="0">
+                  <a:schemeClr val="accent1"/>
+                </a:gs>
+                <a:gs pos="100000">
+                  <a:schemeClr val="dk1"/>
+                </a:gs>
+              </a:gsLst>
+              <a:lin ang="16200038" scaled="0"/>
+            </a:gradFill>
+            <a:ln>
+              <a:noFill/>
+            </a:ln>
+          </p:spPr>
+          <p:txBody>
+            <a:bodyPr spcFirstLastPara="1" wrap="square" lIns="91425" tIns="45700" rIns="91425" bIns="45700" anchor="ctr" anchorCtr="0">
+              <a:noAutofit/>
+            </a:bodyPr>
+            <a:lstStyle/>
+            <a:p>
+              <a:pPr marL="0" marR="0" lvl="0" indent="0" algn="l" rtl="0">
+                <a:spcBef>
+                  <a:spcPts val="0"/>
+                </a:spcBef>
+                <a:spcAft>
+                  <a:spcPts val="0"/>
+                </a:spcAft>
+                <a:buNone/>
+              </a:pPr>
+              <a:endParaRPr sz="1800">
+                <a:solidFill>
+                  <a:srgbClr val="000000"/>
+                </a:solidFill>
+                <a:latin typeface="Calibri"/>
+                <a:ea typeface="Calibri"/>
+                <a:cs typeface="Calibri"/>
+                <a:sym typeface="Calibri"/>
+              </a:endParaRPr>
+            </a:p>
+          </p:txBody>
+        </p:sp>
+        <p:sp>
+          <p:nvSpPr>
+            <p:cNvPr id="342" name="Google Shape;342;p34"/>
+            <p:cNvSpPr/>
+            <p:nvPr/>
+          </p:nvSpPr>
+          <p:spPr>
+            <a:xfrm>
+              <a:off x="1021343" y="3837965"/>
+              <a:ext cx="6173152" cy="95178"/>
+            </a:xfrm>
+            <a:custGeom>
+              <a:avLst/>
+              <a:gdLst/>
+              <a:ahLst/>
+              <a:cxnLst/>
+              <a:rect l="l" t="t" r="r" b="b"/>
+              <a:pathLst>
+                <a:path w="6173152" h="95178" extrusionOk="0">
+                  <a:moveTo>
+                    <a:pt x="0" y="0"/>
+                  </a:moveTo>
+                  <a:cubicBezTo>
+                    <a:pt x="0" y="0"/>
+                    <a:pt x="129540" y="95178"/>
+                    <a:pt x="450533" y="95178"/>
+                  </a:cubicBezTo>
+                  <a:lnTo>
+                    <a:pt x="5817870" y="95178"/>
+                  </a:lnTo>
+                  <a:cubicBezTo>
+                    <a:pt x="5948363" y="95178"/>
+                    <a:pt x="6173153" y="0"/>
+                    <a:pt x="6173153" y="0"/>
+                  </a:cubicBezTo>
+                  <a:lnTo>
+                    <a:pt x="0" y="0"/>
+                  </a:lnTo>
+                  <a:close/>
+                </a:path>
+              </a:pathLst>
+            </a:custGeom>
+            <a:solidFill>
+              <a:schemeClr val="dk1"/>
+            </a:solidFill>
+            <a:ln>
+              <a:noFill/>
+            </a:ln>
+          </p:spPr>
+          <p:txBody>
+            <a:bodyPr spcFirstLastPara="1" wrap="square" lIns="91425" tIns="45700" rIns="91425" bIns="45700" anchor="ctr" anchorCtr="0">
+              <a:noAutofit/>
+            </a:bodyPr>
+            <a:lstStyle/>
+            <a:p>
+              <a:pPr marL="0" marR="0" lvl="0" indent="0" algn="l" rtl="0">
+                <a:spcBef>
+                  <a:spcPts val="0"/>
+                </a:spcBef>
+                <a:spcAft>
+                  <a:spcPts val="0"/>
+                </a:spcAft>
+                <a:buNone/>
+              </a:pPr>
+              <a:endParaRPr sz="1800">
+                <a:solidFill>
+                  <a:srgbClr val="000000"/>
+                </a:solidFill>
+                <a:latin typeface="Calibri"/>
+                <a:ea typeface="Calibri"/>
+                <a:cs typeface="Calibri"/>
+                <a:sym typeface="Calibri"/>
+              </a:endParaRPr>
+            </a:p>
+          </p:txBody>
+        </p:sp>
+        <p:sp>
+          <p:nvSpPr>
+            <p:cNvPr id="343" name="Google Shape;343;p34"/>
+            <p:cNvSpPr/>
+            <p:nvPr/>
+          </p:nvSpPr>
+          <p:spPr>
+            <a:xfrm>
+              <a:off x="1177450" y="3687086"/>
+              <a:ext cx="6172200" cy="76142"/>
+            </a:xfrm>
+            <a:custGeom>
+              <a:avLst/>
+              <a:gdLst/>
+              <a:ahLst/>
+              <a:cxnLst/>
+              <a:rect l="l" t="t" r="r" b="b"/>
+              <a:pathLst>
+                <a:path w="6172200" h="76142" extrusionOk="0">
+                  <a:moveTo>
+                    <a:pt x="0" y="76143"/>
+                  </a:moveTo>
+                  <a:lnTo>
+                    <a:pt x="6172200" y="76143"/>
+                  </a:lnTo>
+                  <a:lnTo>
+                    <a:pt x="6172200" y="0"/>
+                  </a:lnTo>
+                  <a:lnTo>
+                    <a:pt x="0" y="0"/>
+                  </a:lnTo>
+                  <a:close/>
+                </a:path>
+              </a:pathLst>
+            </a:custGeom>
+            <a:solidFill>
+              <a:srgbClr val="143FC2"/>
+            </a:solidFill>
+            <a:ln>
+              <a:noFill/>
+            </a:ln>
+          </p:spPr>
+          <p:txBody>
+            <a:bodyPr spcFirstLastPara="1" wrap="square" lIns="91425" tIns="45700" rIns="91425" bIns="45700" anchor="ctr" anchorCtr="0">
+              <a:noAutofit/>
+            </a:bodyPr>
+            <a:lstStyle/>
+            <a:p>
+              <a:pPr marL="0" marR="0" lvl="0" indent="0" algn="l" rtl="0">
+                <a:spcBef>
+                  <a:spcPts val="0"/>
+                </a:spcBef>
+                <a:spcAft>
+                  <a:spcPts val="0"/>
+                </a:spcAft>
+                <a:buNone/>
+              </a:pPr>
+              <a:endParaRPr sz="1800">
+                <a:solidFill>
+                  <a:srgbClr val="000000"/>
+                </a:solidFill>
+                <a:latin typeface="Calibri"/>
+                <a:ea typeface="Calibri"/>
+                <a:cs typeface="Calibri"/>
+                <a:sym typeface="Calibri"/>
+              </a:endParaRPr>
+            </a:p>
+          </p:txBody>
+        </p:sp>
+        <p:sp>
+          <p:nvSpPr>
+            <p:cNvPr id="344" name="Google Shape;344;p34"/>
+            <p:cNvSpPr/>
+            <p:nvPr/>
+          </p:nvSpPr>
+          <p:spPr>
+            <a:xfrm>
+              <a:off x="3806350" y="3687086"/>
+              <a:ext cx="903922" cy="47589"/>
+            </a:xfrm>
+            <a:custGeom>
+              <a:avLst/>
+              <a:gdLst/>
+              <a:ahLst/>
+              <a:cxnLst/>
+              <a:rect l="l" t="t" r="r" b="b"/>
+              <a:pathLst>
+                <a:path w="903922" h="47589" extrusionOk="0">
+                  <a:moveTo>
+                    <a:pt x="0" y="0"/>
+                  </a:moveTo>
+                  <a:cubicBezTo>
+                    <a:pt x="0" y="0"/>
+                    <a:pt x="26670" y="47589"/>
+                    <a:pt x="53340" y="47589"/>
+                  </a:cubicBezTo>
+                  <a:lnTo>
+                    <a:pt x="850582" y="47589"/>
+                  </a:lnTo>
+                  <a:cubicBezTo>
+                    <a:pt x="877253" y="47589"/>
+                    <a:pt x="903922" y="0"/>
+                    <a:pt x="903922" y="0"/>
+                  </a:cubicBezTo>
+                  <a:lnTo>
+                    <a:pt x="0" y="0"/>
+                  </a:lnTo>
+                  <a:close/>
+                </a:path>
+              </a:pathLst>
+            </a:custGeom>
+            <a:solidFill>
+              <a:schemeClr val="dk1"/>
+            </a:solidFill>
+            <a:ln>
+              <a:noFill/>
+            </a:ln>
+          </p:spPr>
+          <p:txBody>
+            <a:bodyPr spcFirstLastPara="1" wrap="square" lIns="91425" tIns="45700" rIns="91425" bIns="45700" anchor="ctr" anchorCtr="0">
+              <a:noAutofit/>
+            </a:bodyPr>
+            <a:lstStyle/>
+            <a:p>
+              <a:pPr marL="0" marR="0" lvl="0" indent="0" algn="l" rtl="0">
+                <a:spcBef>
+                  <a:spcPts val="0"/>
+                </a:spcBef>
+                <a:spcAft>
+                  <a:spcPts val="0"/>
+                </a:spcAft>
+                <a:buNone/>
+              </a:pPr>
+              <a:endParaRPr sz="1800">
+                <a:solidFill>
+                  <a:srgbClr val="000000"/>
+                </a:solidFill>
+                <a:latin typeface="Calibri"/>
+                <a:ea typeface="Calibri"/>
+                <a:cs typeface="Calibri"/>
+                <a:sym typeface="Calibri"/>
+              </a:endParaRPr>
+            </a:p>
+          </p:txBody>
+        </p:sp>
+      </p:grpSp>
+      <p:sp>
+        <p:nvSpPr>
+          <p:cNvPr id="345" name="Google Shape;345;p34"/>
+          <p:cNvSpPr txBox="1">
+            <a:spLocks noGrp="1"/>
+          </p:cNvSpPr>
+          <p:nvPr>
+            <p:ph type="body" idx="4294967295"/>
+          </p:nvPr>
+        </p:nvSpPr>
+        <p:spPr>
+          <a:xfrm>
+            <a:off x="580550" y="782300"/>
+            <a:ext cx="2735662" cy="3579000"/>
+          </a:xfrm>
+          <a:prstGeom prst="rect">
+            <a:avLst/>
+          </a:prstGeom>
+        </p:spPr>
+        <p:txBody>
+          <a:bodyPr spcFirstLastPara="1" wrap="square" lIns="0" tIns="0" rIns="0" bIns="0" anchor="ctr" anchorCtr="0">
+            <a:noAutofit/>
+          </a:bodyPr>
+          <a:lstStyle/>
+          <a:p>
+            <a:pPr marL="0" lvl="0" indent="0" algn="l" rtl="0">
+              <a:spcBef>
+                <a:spcPts val="600"/>
+              </a:spcBef>
+              <a:spcAft>
+                <a:spcPts val="0"/>
+              </a:spcAft>
+              <a:buNone/>
+            </a:pPr>
+            <a:r>
+              <a:rPr lang="en" sz="3000" dirty="0" smtClean="0">
+                <a:latin typeface="Lexend Deca"/>
+                <a:ea typeface="Lexend Deca"/>
+                <a:cs typeface="Lexend Deca"/>
+                <a:sym typeface="Lexend Deca"/>
+              </a:rPr>
+              <a:t>Desktop View</a:t>
+            </a:r>
+          </a:p>
+          <a:p>
+            <a:pPr marL="0" lvl="0" indent="0" algn="l" rtl="0">
+              <a:spcBef>
+                <a:spcPts val="600"/>
+              </a:spcBef>
+              <a:spcAft>
+                <a:spcPts val="0"/>
+              </a:spcAft>
+              <a:buNone/>
+            </a:pPr>
+            <a:endParaRPr sz="3000" dirty="0">
+              <a:latin typeface="Lexend Deca"/>
+              <a:ea typeface="Lexend Deca"/>
+              <a:cs typeface="Lexend Deca"/>
+              <a:sym typeface="Lexend Deca"/>
+            </a:endParaRPr>
+          </a:p>
+        </p:txBody>
+      </p:sp>
+      <p:pic>
+        <p:nvPicPr>
+          <p:cNvPr id="2" name="Picture 1"/>
+          <p:cNvPicPr>
+            <a:picLocks noChangeAspect="1"/>
+          </p:cNvPicPr>
+          <p:nvPr/>
+        </p:nvPicPr>
+        <p:blipFill rotWithShape="1">
+          <a:blip r:embed="rId3"/>
+          <a:srcRect r="5481"/>
+          <a:stretch/>
+        </p:blipFill>
+        <p:spPr>
+          <a:xfrm>
+            <a:off x="3621269" y="1229710"/>
+            <a:ext cx="5133665" cy="2554014"/>
+          </a:xfrm>
+          <a:prstGeom prst="rect">
+            <a:avLst/>
+          </a:prstGeom>
+        </p:spPr>
+      </p:pic>
+    </p:spTree>
+    <p:extLst>
+      <p:ext uri="{BB962C8B-B14F-4D97-AF65-F5344CB8AC3E}">
+        <p14:creationId xmlns:p14="http://schemas.microsoft.com/office/powerpoint/2010/main" val="2449254706"/>
+      </p:ext>
+    </p:extLst>
+  </p:cSld>
+  <p:clrMapOvr>
+    <a:masterClrMapping/>
+  </p:clrMapOvr>
+  <p:timing>
+    <p:tnLst>
+      <p:par>
+        <p:cTn id="1" dur="indefinite" restart="never" nodeType="tmRoot"/>
+      </p:par>
+    </p:tnLst>
+  </p:timing>
+</p:sld>
+</file>
+
+<file path=ppt/slides/slide31.xml><?xml version="1.0" encoding="utf-8"?>
+<p:sld xmlns:a="http://schemas.openxmlformats.org/drawingml/2006/main" xmlns:r="http://schemas.openxmlformats.org/officeDocument/2006/relationships" xmlns:p="http://schemas.openxmlformats.org/presentationml/2006/main">
+  <p:cSld>
+    <p:spTree>
+      <p:nvGrpSpPr>
+        <p:cNvPr id="1" name="Shape 337"/>
+        <p:cNvGrpSpPr/>
+        <p:nvPr/>
+      </p:nvGrpSpPr>
+      <p:grpSpPr>
+        <a:xfrm>
+          <a:off x="0" y="0"/>
+          <a:ext cx="0" cy="0"/>
+          <a:chOff x="0" y="0"/>
+          <a:chExt cx="0" cy="0"/>
+        </a:xfrm>
+      </p:grpSpPr>
+      <p:sp>
+        <p:nvSpPr>
+          <p:cNvPr id="338" name="Google Shape;338;p34"/>
+          <p:cNvSpPr txBox="1">
+            <a:spLocks noGrp="1"/>
+          </p:cNvSpPr>
+          <p:nvPr>
+            <p:ph type="sldNum" idx="12"/>
+          </p:nvPr>
+        </p:nvSpPr>
+        <p:spPr>
+          <a:xfrm>
+            <a:off x="8480584" y="4749851"/>
+            <a:ext cx="548700" cy="393600"/>
+          </a:xfrm>
+          <a:prstGeom prst="rect">
+            <a:avLst/>
+          </a:prstGeom>
+        </p:spPr>
+        <p:txBody>
+          <a:bodyPr spcFirstLastPara="1" wrap="square" lIns="0" tIns="0" rIns="0" bIns="0" anchor="ctr" anchorCtr="0">
+            <a:noAutofit/>
+          </a:bodyPr>
+          <a:lstStyle/>
+          <a:p>
+            <a:pPr marL="0" lvl="0" indent="0" algn="r" rtl="0">
+              <a:spcBef>
+                <a:spcPts val="0"/>
+              </a:spcBef>
+              <a:spcAft>
+                <a:spcPts val="0"/>
+              </a:spcAft>
+              <a:buNone/>
+            </a:pPr>
+            <a:fld id="{00000000-1234-1234-1234-123412341234}" type="slidenum">
+              <a:rPr lang="en"/>
+              <a:t>31</a:t>
+            </a:fld>
+            <a:endParaRPr/>
+          </a:p>
+        </p:txBody>
+      </p:sp>
+      <p:grpSp>
+        <p:nvGrpSpPr>
+          <p:cNvPr id="340" name="Google Shape;340;p34"/>
+          <p:cNvGrpSpPr/>
+          <p:nvPr/>
+        </p:nvGrpSpPr>
+        <p:grpSpPr>
+          <a:xfrm>
+            <a:off x="3400424" y="1047750"/>
+            <a:ext cx="5553075" cy="3094148"/>
+            <a:chOff x="772679" y="222243"/>
+            <a:chExt cx="6659961" cy="3710900"/>
+          </a:xfrm>
+        </p:grpSpPr>
+        <p:sp>
+          <p:nvSpPr>
+            <p:cNvPr id="341" name="Google Shape;341;p34"/>
+            <p:cNvSpPr/>
+            <p:nvPr/>
+          </p:nvSpPr>
+          <p:spPr>
+            <a:xfrm>
+              <a:off x="772679" y="222243"/>
+              <a:ext cx="6659961" cy="3540985"/>
+            </a:xfrm>
+            <a:custGeom>
+              <a:avLst/>
+              <a:gdLst/>
+              <a:ahLst/>
+              <a:cxnLst/>
+              <a:rect l="l" t="t" r="r" b="b"/>
+              <a:pathLst>
+                <a:path w="5161606" h="3454973" extrusionOk="0">
+                  <a:moveTo>
+                    <a:pt x="4992053" y="0"/>
+                  </a:moveTo>
+                  <a:lnTo>
+                    <a:pt x="170498" y="0"/>
+                  </a:lnTo>
+                  <a:cubicBezTo>
+                    <a:pt x="76200" y="0"/>
+                    <a:pt x="0" y="76143"/>
+                    <a:pt x="0" y="170369"/>
+                  </a:cubicBezTo>
+                  <a:lnTo>
+                    <a:pt x="0" y="3396915"/>
+                  </a:lnTo>
+                  <a:cubicBezTo>
+                    <a:pt x="0" y="3429275"/>
+                    <a:pt x="26670" y="3454973"/>
+                    <a:pt x="58102" y="3454973"/>
+                  </a:cubicBezTo>
+                  <a:lnTo>
+                    <a:pt x="5103495" y="3454973"/>
+                  </a:lnTo>
+                  <a:cubicBezTo>
+                    <a:pt x="5135880" y="3454973"/>
+                    <a:pt x="5161598" y="3428324"/>
+                    <a:pt x="5161598" y="3396915"/>
+                  </a:cubicBezTo>
+                  <a:lnTo>
+                    <a:pt x="5161598" y="170369"/>
+                  </a:lnTo>
+                  <a:cubicBezTo>
+                    <a:pt x="5162550" y="76143"/>
+                    <a:pt x="5086350" y="0"/>
+                    <a:pt x="4992053" y="0"/>
+                  </a:cubicBezTo>
+                  <a:close/>
+                  <a:moveTo>
+                    <a:pt x="4981575" y="3245581"/>
+                  </a:moveTo>
+                  <a:lnTo>
+                    <a:pt x="190500" y="3245581"/>
+                  </a:lnTo>
+                  <a:lnTo>
+                    <a:pt x="190500" y="199874"/>
+                  </a:lnTo>
+                  <a:lnTo>
+                    <a:pt x="4981575" y="199874"/>
+                  </a:lnTo>
+                  <a:lnTo>
+                    <a:pt x="4981575" y="3245581"/>
+                  </a:lnTo>
+                  <a:close/>
+                </a:path>
+              </a:pathLst>
+            </a:custGeom>
+            <a:gradFill>
+              <a:gsLst>
+                <a:gs pos="0">
+                  <a:schemeClr val="accent1"/>
+                </a:gs>
+                <a:gs pos="100000">
+                  <a:schemeClr val="dk1"/>
+                </a:gs>
+              </a:gsLst>
+              <a:lin ang="16200038" scaled="0"/>
+            </a:gradFill>
+            <a:ln>
+              <a:noFill/>
+            </a:ln>
+          </p:spPr>
+          <p:txBody>
+            <a:bodyPr spcFirstLastPara="1" wrap="square" lIns="91425" tIns="45700" rIns="91425" bIns="45700" anchor="ctr" anchorCtr="0">
+              <a:noAutofit/>
+            </a:bodyPr>
+            <a:lstStyle/>
+            <a:p>
+              <a:pPr marL="0" marR="0" lvl="0" indent="0" algn="l" rtl="0">
+                <a:spcBef>
+                  <a:spcPts val="0"/>
+                </a:spcBef>
+                <a:spcAft>
+                  <a:spcPts val="0"/>
+                </a:spcAft>
+                <a:buNone/>
+              </a:pPr>
+              <a:endParaRPr sz="1800">
+                <a:solidFill>
+                  <a:srgbClr val="000000"/>
+                </a:solidFill>
+                <a:latin typeface="Calibri"/>
+                <a:ea typeface="Calibri"/>
+                <a:cs typeface="Calibri"/>
+                <a:sym typeface="Calibri"/>
+              </a:endParaRPr>
+            </a:p>
+          </p:txBody>
+        </p:sp>
+        <p:sp>
+          <p:nvSpPr>
+            <p:cNvPr id="342" name="Google Shape;342;p34"/>
+            <p:cNvSpPr/>
+            <p:nvPr/>
+          </p:nvSpPr>
+          <p:spPr>
+            <a:xfrm>
+              <a:off x="1021343" y="3837965"/>
+              <a:ext cx="6173152" cy="95178"/>
+            </a:xfrm>
+            <a:custGeom>
+              <a:avLst/>
+              <a:gdLst/>
+              <a:ahLst/>
+              <a:cxnLst/>
+              <a:rect l="l" t="t" r="r" b="b"/>
+              <a:pathLst>
+                <a:path w="6173152" h="95178" extrusionOk="0">
+                  <a:moveTo>
+                    <a:pt x="0" y="0"/>
+                  </a:moveTo>
+                  <a:cubicBezTo>
+                    <a:pt x="0" y="0"/>
+                    <a:pt x="129540" y="95178"/>
+                    <a:pt x="450533" y="95178"/>
+                  </a:cubicBezTo>
+                  <a:lnTo>
+                    <a:pt x="5817870" y="95178"/>
+                  </a:lnTo>
+                  <a:cubicBezTo>
+                    <a:pt x="5948363" y="95178"/>
+                    <a:pt x="6173153" y="0"/>
+                    <a:pt x="6173153" y="0"/>
+                  </a:cubicBezTo>
+                  <a:lnTo>
+                    <a:pt x="0" y="0"/>
+                  </a:lnTo>
+                  <a:close/>
+                </a:path>
+              </a:pathLst>
+            </a:custGeom>
+            <a:solidFill>
+              <a:schemeClr val="dk1"/>
+            </a:solidFill>
+            <a:ln>
+              <a:noFill/>
+            </a:ln>
+          </p:spPr>
+          <p:txBody>
+            <a:bodyPr spcFirstLastPara="1" wrap="square" lIns="91425" tIns="45700" rIns="91425" bIns="45700" anchor="ctr" anchorCtr="0">
+              <a:noAutofit/>
+            </a:bodyPr>
+            <a:lstStyle/>
+            <a:p>
+              <a:pPr marL="0" marR="0" lvl="0" indent="0" algn="l" rtl="0">
+                <a:spcBef>
+                  <a:spcPts val="0"/>
+                </a:spcBef>
+                <a:spcAft>
+                  <a:spcPts val="0"/>
+                </a:spcAft>
+                <a:buNone/>
+              </a:pPr>
+              <a:endParaRPr sz="1800">
+                <a:solidFill>
+                  <a:srgbClr val="000000"/>
+                </a:solidFill>
+                <a:latin typeface="Calibri"/>
+                <a:ea typeface="Calibri"/>
+                <a:cs typeface="Calibri"/>
+                <a:sym typeface="Calibri"/>
+              </a:endParaRPr>
+            </a:p>
+          </p:txBody>
+        </p:sp>
+        <p:sp>
+          <p:nvSpPr>
+            <p:cNvPr id="343" name="Google Shape;343;p34"/>
+            <p:cNvSpPr/>
+            <p:nvPr/>
+          </p:nvSpPr>
+          <p:spPr>
+            <a:xfrm>
+              <a:off x="1177450" y="3687086"/>
+              <a:ext cx="6172200" cy="76142"/>
+            </a:xfrm>
+            <a:custGeom>
+              <a:avLst/>
+              <a:gdLst/>
+              <a:ahLst/>
+              <a:cxnLst/>
+              <a:rect l="l" t="t" r="r" b="b"/>
+              <a:pathLst>
+                <a:path w="6172200" h="76142" extrusionOk="0">
+                  <a:moveTo>
+                    <a:pt x="0" y="76143"/>
+                  </a:moveTo>
+                  <a:lnTo>
+                    <a:pt x="6172200" y="76143"/>
+                  </a:lnTo>
+                  <a:lnTo>
+                    <a:pt x="6172200" y="0"/>
+                  </a:lnTo>
+                  <a:lnTo>
+                    <a:pt x="0" y="0"/>
+                  </a:lnTo>
+                  <a:close/>
+                </a:path>
+              </a:pathLst>
+            </a:custGeom>
+            <a:solidFill>
+              <a:srgbClr val="143FC2"/>
+            </a:solidFill>
+            <a:ln>
+              <a:noFill/>
+            </a:ln>
+          </p:spPr>
+          <p:txBody>
+            <a:bodyPr spcFirstLastPara="1" wrap="square" lIns="91425" tIns="45700" rIns="91425" bIns="45700" anchor="ctr" anchorCtr="0">
+              <a:noAutofit/>
+            </a:bodyPr>
+            <a:lstStyle/>
+            <a:p>
+              <a:pPr marL="0" marR="0" lvl="0" indent="0" algn="l" rtl="0">
+                <a:spcBef>
+                  <a:spcPts val="0"/>
+                </a:spcBef>
+                <a:spcAft>
+                  <a:spcPts val="0"/>
+                </a:spcAft>
+                <a:buNone/>
+              </a:pPr>
+              <a:endParaRPr sz="1800">
+                <a:solidFill>
+                  <a:srgbClr val="000000"/>
+                </a:solidFill>
+                <a:latin typeface="Calibri"/>
+                <a:ea typeface="Calibri"/>
+                <a:cs typeface="Calibri"/>
+                <a:sym typeface="Calibri"/>
+              </a:endParaRPr>
+            </a:p>
+          </p:txBody>
+        </p:sp>
+        <p:sp>
+          <p:nvSpPr>
+            <p:cNvPr id="344" name="Google Shape;344;p34"/>
+            <p:cNvSpPr/>
+            <p:nvPr/>
+          </p:nvSpPr>
+          <p:spPr>
+            <a:xfrm>
+              <a:off x="3806350" y="3687086"/>
+              <a:ext cx="903922" cy="47589"/>
+            </a:xfrm>
+            <a:custGeom>
+              <a:avLst/>
+              <a:gdLst/>
+              <a:ahLst/>
+              <a:cxnLst/>
+              <a:rect l="l" t="t" r="r" b="b"/>
+              <a:pathLst>
+                <a:path w="903922" h="47589" extrusionOk="0">
+                  <a:moveTo>
+                    <a:pt x="0" y="0"/>
+                  </a:moveTo>
+                  <a:cubicBezTo>
+                    <a:pt x="0" y="0"/>
+                    <a:pt x="26670" y="47589"/>
+                    <a:pt x="53340" y="47589"/>
+                  </a:cubicBezTo>
+                  <a:lnTo>
+                    <a:pt x="850582" y="47589"/>
+                  </a:lnTo>
+                  <a:cubicBezTo>
+                    <a:pt x="877253" y="47589"/>
+                    <a:pt x="903922" y="0"/>
+                    <a:pt x="903922" y="0"/>
+                  </a:cubicBezTo>
+                  <a:lnTo>
+                    <a:pt x="0" y="0"/>
+                  </a:lnTo>
+                  <a:close/>
+                </a:path>
+              </a:pathLst>
+            </a:custGeom>
+            <a:solidFill>
+              <a:schemeClr val="dk1"/>
+            </a:solidFill>
+            <a:ln>
+              <a:noFill/>
+            </a:ln>
+          </p:spPr>
+          <p:txBody>
+            <a:bodyPr spcFirstLastPara="1" wrap="square" lIns="91425" tIns="45700" rIns="91425" bIns="45700" anchor="ctr" anchorCtr="0">
+              <a:noAutofit/>
+            </a:bodyPr>
+            <a:lstStyle/>
+            <a:p>
+              <a:pPr marL="0" marR="0" lvl="0" indent="0" algn="l" rtl="0">
+                <a:spcBef>
+                  <a:spcPts val="0"/>
+                </a:spcBef>
+                <a:spcAft>
+                  <a:spcPts val="0"/>
+                </a:spcAft>
+                <a:buNone/>
+              </a:pPr>
+              <a:endParaRPr sz="1800">
+                <a:solidFill>
+                  <a:srgbClr val="000000"/>
+                </a:solidFill>
+                <a:latin typeface="Calibri"/>
+                <a:ea typeface="Calibri"/>
+                <a:cs typeface="Calibri"/>
+                <a:sym typeface="Calibri"/>
+              </a:endParaRPr>
+            </a:p>
+          </p:txBody>
+        </p:sp>
+      </p:grpSp>
+      <p:sp>
+        <p:nvSpPr>
+          <p:cNvPr id="345" name="Google Shape;345;p34"/>
+          <p:cNvSpPr txBox="1">
+            <a:spLocks noGrp="1"/>
+          </p:cNvSpPr>
+          <p:nvPr>
+            <p:ph type="body" idx="4294967295"/>
+          </p:nvPr>
+        </p:nvSpPr>
+        <p:spPr>
+          <a:xfrm>
+            <a:off x="580550" y="782300"/>
+            <a:ext cx="2735662" cy="3579000"/>
+          </a:xfrm>
+          <a:prstGeom prst="rect">
+            <a:avLst/>
+          </a:prstGeom>
+        </p:spPr>
+        <p:txBody>
+          <a:bodyPr spcFirstLastPara="1" wrap="square" lIns="0" tIns="0" rIns="0" bIns="0" anchor="ctr" anchorCtr="0">
+            <a:noAutofit/>
+          </a:bodyPr>
+          <a:lstStyle/>
+          <a:p>
+            <a:pPr marL="0" lvl="0" indent="0" algn="l" rtl="0">
+              <a:spcBef>
+                <a:spcPts val="600"/>
+              </a:spcBef>
+              <a:spcAft>
+                <a:spcPts val="0"/>
+              </a:spcAft>
+              <a:buNone/>
+            </a:pPr>
+            <a:r>
+              <a:rPr lang="en" sz="3000" dirty="0" smtClean="0">
+                <a:latin typeface="Lexend Deca"/>
+                <a:ea typeface="Lexend Deca"/>
+                <a:cs typeface="Lexend Deca"/>
+                <a:sym typeface="Lexend Deca"/>
+              </a:rPr>
+              <a:t>Desktop View</a:t>
+            </a:r>
+          </a:p>
+          <a:p>
+            <a:pPr marL="0" lvl="0" indent="0" algn="l" rtl="0">
+              <a:spcBef>
+                <a:spcPts val="600"/>
+              </a:spcBef>
+              <a:spcAft>
+                <a:spcPts val="0"/>
+              </a:spcAft>
+              <a:buNone/>
+            </a:pPr>
+            <a:endParaRPr sz="3000" dirty="0">
+              <a:latin typeface="Lexend Deca"/>
+              <a:ea typeface="Lexend Deca"/>
+              <a:cs typeface="Lexend Deca"/>
+              <a:sym typeface="Lexend Deca"/>
+            </a:endParaRPr>
+          </a:p>
+        </p:txBody>
+      </p:sp>
+      <p:pic>
+        <p:nvPicPr>
+          <p:cNvPr id="3" name="Picture 2"/>
+          <p:cNvPicPr>
+            <a:picLocks noChangeAspect="1"/>
+          </p:cNvPicPr>
+          <p:nvPr/>
+        </p:nvPicPr>
+        <p:blipFill rotWithShape="1">
+          <a:blip r:embed="rId3"/>
+          <a:srcRect r="4424"/>
+          <a:stretch/>
+        </p:blipFill>
+        <p:spPr>
+          <a:xfrm>
+            <a:off x="3607760" y="1219200"/>
+            <a:ext cx="5147174" cy="2564523"/>
+          </a:xfrm>
+          <a:prstGeom prst="rect">
+            <a:avLst/>
+          </a:prstGeom>
+        </p:spPr>
+      </p:pic>
+    </p:spTree>
+    <p:extLst>
+      <p:ext uri="{BB962C8B-B14F-4D97-AF65-F5344CB8AC3E}">
+        <p14:creationId xmlns:p14="http://schemas.microsoft.com/office/powerpoint/2010/main" val="335817157"/>
+      </p:ext>
+    </p:extLst>
+  </p:cSld>
+  <p:clrMapOvr>
+    <a:masterClrMapping/>
+  </p:clrMapOvr>
+  <p:timing>
+    <p:tnLst>
+      <p:par>
+        <p:cTn id="1" dur="indefinite" restart="never" nodeType="tmRoot"/>
+      </p:par>
+    </p:tnLst>
+  </p:timing>
+</p:sld>
+</file>
+
+<file path=ppt/slides/slide32.xml><?xml version="1.0" encoding="utf-8"?>
+<p:sld xmlns:a="http://schemas.openxmlformats.org/drawingml/2006/main" xmlns:r="http://schemas.openxmlformats.org/officeDocument/2006/relationships" xmlns:p="http://schemas.openxmlformats.org/presentationml/2006/main">
+  <p:cSld>
+    <p:spTree>
+      <p:nvGrpSpPr>
+        <p:cNvPr id="1" name="Shape 337"/>
+        <p:cNvGrpSpPr/>
+        <p:nvPr/>
+      </p:nvGrpSpPr>
+      <p:grpSpPr>
+        <a:xfrm>
+          <a:off x="0" y="0"/>
+          <a:ext cx="0" cy="0"/>
+          <a:chOff x="0" y="0"/>
+          <a:chExt cx="0" cy="0"/>
+        </a:xfrm>
+      </p:grpSpPr>
+      <p:sp>
+        <p:nvSpPr>
+          <p:cNvPr id="338" name="Google Shape;338;p34"/>
+          <p:cNvSpPr txBox="1">
+            <a:spLocks noGrp="1"/>
+          </p:cNvSpPr>
+          <p:nvPr>
+            <p:ph type="sldNum" idx="12"/>
+          </p:nvPr>
+        </p:nvSpPr>
+        <p:spPr>
+          <a:xfrm>
+            <a:off x="8480584" y="4749851"/>
+            <a:ext cx="548700" cy="393600"/>
+          </a:xfrm>
+          <a:prstGeom prst="rect">
+            <a:avLst/>
+          </a:prstGeom>
+        </p:spPr>
+        <p:txBody>
+          <a:bodyPr spcFirstLastPara="1" wrap="square" lIns="0" tIns="0" rIns="0" bIns="0" anchor="ctr" anchorCtr="0">
+            <a:noAutofit/>
+          </a:bodyPr>
+          <a:lstStyle/>
+          <a:p>
+            <a:pPr marL="0" lvl="0" indent="0" algn="r" rtl="0">
+              <a:spcBef>
+                <a:spcPts val="0"/>
+              </a:spcBef>
+              <a:spcAft>
+                <a:spcPts val="0"/>
+              </a:spcAft>
+              <a:buNone/>
+            </a:pPr>
+            <a:fld id="{00000000-1234-1234-1234-123412341234}" type="slidenum">
+              <a:rPr lang="en"/>
+              <a:t>32</a:t>
+            </a:fld>
+            <a:endParaRPr/>
+          </a:p>
+        </p:txBody>
+      </p:sp>
+      <p:grpSp>
+        <p:nvGrpSpPr>
+          <p:cNvPr id="340" name="Google Shape;340;p34"/>
+          <p:cNvGrpSpPr/>
+          <p:nvPr/>
+        </p:nvGrpSpPr>
+        <p:grpSpPr>
+          <a:xfrm>
+            <a:off x="3400424" y="1047750"/>
+            <a:ext cx="5553075" cy="3094148"/>
+            <a:chOff x="772679" y="222243"/>
+            <a:chExt cx="6659961" cy="3710900"/>
+          </a:xfrm>
+        </p:grpSpPr>
+        <p:sp>
+          <p:nvSpPr>
+            <p:cNvPr id="341" name="Google Shape;341;p34"/>
+            <p:cNvSpPr/>
+            <p:nvPr/>
+          </p:nvSpPr>
+          <p:spPr>
+            <a:xfrm>
+              <a:off x="772679" y="222243"/>
+              <a:ext cx="6659961" cy="3540985"/>
+            </a:xfrm>
+            <a:custGeom>
+              <a:avLst/>
+              <a:gdLst/>
+              <a:ahLst/>
+              <a:cxnLst/>
+              <a:rect l="l" t="t" r="r" b="b"/>
+              <a:pathLst>
+                <a:path w="5161606" h="3454973" extrusionOk="0">
+                  <a:moveTo>
+                    <a:pt x="4992053" y="0"/>
+                  </a:moveTo>
+                  <a:lnTo>
+                    <a:pt x="170498" y="0"/>
+                  </a:lnTo>
+                  <a:cubicBezTo>
+                    <a:pt x="76200" y="0"/>
+                    <a:pt x="0" y="76143"/>
+                    <a:pt x="0" y="170369"/>
+                  </a:cubicBezTo>
+                  <a:lnTo>
+                    <a:pt x="0" y="3396915"/>
+                  </a:lnTo>
+                  <a:cubicBezTo>
+                    <a:pt x="0" y="3429275"/>
+                    <a:pt x="26670" y="3454973"/>
+                    <a:pt x="58102" y="3454973"/>
+                  </a:cubicBezTo>
+                  <a:lnTo>
+                    <a:pt x="5103495" y="3454973"/>
+                  </a:lnTo>
+                  <a:cubicBezTo>
+                    <a:pt x="5135880" y="3454973"/>
+                    <a:pt x="5161598" y="3428324"/>
+                    <a:pt x="5161598" y="3396915"/>
+                  </a:cubicBezTo>
+                  <a:lnTo>
+                    <a:pt x="5161598" y="170369"/>
+                  </a:lnTo>
+                  <a:cubicBezTo>
+                    <a:pt x="5162550" y="76143"/>
+                    <a:pt x="5086350" y="0"/>
+                    <a:pt x="4992053" y="0"/>
+                  </a:cubicBezTo>
+                  <a:close/>
+                  <a:moveTo>
+                    <a:pt x="4981575" y="3245581"/>
+                  </a:moveTo>
+                  <a:lnTo>
+                    <a:pt x="190500" y="3245581"/>
+                  </a:lnTo>
+                  <a:lnTo>
+                    <a:pt x="190500" y="199874"/>
+                  </a:lnTo>
+                  <a:lnTo>
+                    <a:pt x="4981575" y="199874"/>
+                  </a:lnTo>
+                  <a:lnTo>
+                    <a:pt x="4981575" y="3245581"/>
+                  </a:lnTo>
+                  <a:close/>
+                </a:path>
+              </a:pathLst>
+            </a:custGeom>
+            <a:gradFill>
+              <a:gsLst>
+                <a:gs pos="0">
+                  <a:schemeClr val="accent1"/>
+                </a:gs>
+                <a:gs pos="100000">
+                  <a:schemeClr val="dk1"/>
+                </a:gs>
+              </a:gsLst>
+              <a:lin ang="16200038" scaled="0"/>
+            </a:gradFill>
+            <a:ln>
+              <a:noFill/>
+            </a:ln>
+          </p:spPr>
+          <p:txBody>
+            <a:bodyPr spcFirstLastPara="1" wrap="square" lIns="91425" tIns="45700" rIns="91425" bIns="45700" anchor="ctr" anchorCtr="0">
+              <a:noAutofit/>
+            </a:bodyPr>
+            <a:lstStyle/>
+            <a:p>
+              <a:pPr marL="0" marR="0" lvl="0" indent="0" algn="l" rtl="0">
+                <a:spcBef>
+                  <a:spcPts val="0"/>
+                </a:spcBef>
+                <a:spcAft>
+                  <a:spcPts val="0"/>
+                </a:spcAft>
+                <a:buNone/>
+              </a:pPr>
+              <a:endParaRPr sz="1800">
+                <a:solidFill>
+                  <a:srgbClr val="000000"/>
+                </a:solidFill>
+                <a:latin typeface="Calibri"/>
+                <a:ea typeface="Calibri"/>
+                <a:cs typeface="Calibri"/>
+                <a:sym typeface="Calibri"/>
+              </a:endParaRPr>
+            </a:p>
+          </p:txBody>
+        </p:sp>
+        <p:sp>
+          <p:nvSpPr>
+            <p:cNvPr id="342" name="Google Shape;342;p34"/>
+            <p:cNvSpPr/>
+            <p:nvPr/>
+          </p:nvSpPr>
+          <p:spPr>
+            <a:xfrm>
+              <a:off x="1021343" y="3837965"/>
+              <a:ext cx="6173152" cy="95178"/>
+            </a:xfrm>
+            <a:custGeom>
+              <a:avLst/>
+              <a:gdLst/>
+              <a:ahLst/>
+              <a:cxnLst/>
+              <a:rect l="l" t="t" r="r" b="b"/>
+              <a:pathLst>
+                <a:path w="6173152" h="95178" extrusionOk="0">
+                  <a:moveTo>
+                    <a:pt x="0" y="0"/>
+                  </a:moveTo>
+                  <a:cubicBezTo>
+                    <a:pt x="0" y="0"/>
+                    <a:pt x="129540" y="95178"/>
+                    <a:pt x="450533" y="95178"/>
+                  </a:cubicBezTo>
+                  <a:lnTo>
+                    <a:pt x="5817870" y="95178"/>
+                  </a:lnTo>
+                  <a:cubicBezTo>
+                    <a:pt x="5948363" y="95178"/>
+                    <a:pt x="6173153" y="0"/>
+                    <a:pt x="6173153" y="0"/>
+                  </a:cubicBezTo>
+                  <a:lnTo>
+                    <a:pt x="0" y="0"/>
+                  </a:lnTo>
+                  <a:close/>
+                </a:path>
+              </a:pathLst>
+            </a:custGeom>
+            <a:solidFill>
+              <a:schemeClr val="dk1"/>
+            </a:solidFill>
+            <a:ln>
+              <a:noFill/>
+            </a:ln>
+          </p:spPr>
+          <p:txBody>
+            <a:bodyPr spcFirstLastPara="1" wrap="square" lIns="91425" tIns="45700" rIns="91425" bIns="45700" anchor="ctr" anchorCtr="0">
+              <a:noAutofit/>
+            </a:bodyPr>
+            <a:lstStyle/>
+            <a:p>
+              <a:pPr marL="0" marR="0" lvl="0" indent="0" algn="l" rtl="0">
+                <a:spcBef>
+                  <a:spcPts val="0"/>
+                </a:spcBef>
+                <a:spcAft>
+                  <a:spcPts val="0"/>
+                </a:spcAft>
+                <a:buNone/>
+              </a:pPr>
+              <a:endParaRPr sz="1800">
+                <a:solidFill>
+                  <a:srgbClr val="000000"/>
+                </a:solidFill>
+                <a:latin typeface="Calibri"/>
+                <a:ea typeface="Calibri"/>
+                <a:cs typeface="Calibri"/>
+                <a:sym typeface="Calibri"/>
+              </a:endParaRPr>
+            </a:p>
+          </p:txBody>
+        </p:sp>
+        <p:sp>
+          <p:nvSpPr>
+            <p:cNvPr id="343" name="Google Shape;343;p34"/>
+            <p:cNvSpPr/>
+            <p:nvPr/>
+          </p:nvSpPr>
+          <p:spPr>
+            <a:xfrm>
+              <a:off x="1177450" y="3687086"/>
+              <a:ext cx="6172200" cy="76142"/>
+            </a:xfrm>
+            <a:custGeom>
+              <a:avLst/>
+              <a:gdLst/>
+              <a:ahLst/>
+              <a:cxnLst/>
+              <a:rect l="l" t="t" r="r" b="b"/>
+              <a:pathLst>
+                <a:path w="6172200" h="76142" extrusionOk="0">
+                  <a:moveTo>
+                    <a:pt x="0" y="76143"/>
+                  </a:moveTo>
+                  <a:lnTo>
+                    <a:pt x="6172200" y="76143"/>
+                  </a:lnTo>
+                  <a:lnTo>
+                    <a:pt x="6172200" y="0"/>
+                  </a:lnTo>
+                  <a:lnTo>
+                    <a:pt x="0" y="0"/>
+                  </a:lnTo>
+                  <a:close/>
+                </a:path>
+              </a:pathLst>
+            </a:custGeom>
+            <a:solidFill>
+              <a:srgbClr val="143FC2"/>
+            </a:solidFill>
+            <a:ln>
+              <a:noFill/>
+            </a:ln>
+          </p:spPr>
+          <p:txBody>
+            <a:bodyPr spcFirstLastPara="1" wrap="square" lIns="91425" tIns="45700" rIns="91425" bIns="45700" anchor="ctr" anchorCtr="0">
+              <a:noAutofit/>
+            </a:bodyPr>
+            <a:lstStyle/>
+            <a:p>
+              <a:pPr marL="0" marR="0" lvl="0" indent="0" algn="l" rtl="0">
+                <a:spcBef>
+                  <a:spcPts val="0"/>
+                </a:spcBef>
+                <a:spcAft>
+                  <a:spcPts val="0"/>
+                </a:spcAft>
+                <a:buNone/>
+              </a:pPr>
+              <a:endParaRPr sz="1800">
+                <a:solidFill>
+                  <a:srgbClr val="000000"/>
+                </a:solidFill>
+                <a:latin typeface="Calibri"/>
+                <a:ea typeface="Calibri"/>
+                <a:cs typeface="Calibri"/>
+                <a:sym typeface="Calibri"/>
+              </a:endParaRPr>
+            </a:p>
+          </p:txBody>
+        </p:sp>
+        <p:sp>
+          <p:nvSpPr>
+            <p:cNvPr id="344" name="Google Shape;344;p34"/>
+            <p:cNvSpPr/>
+            <p:nvPr/>
+          </p:nvSpPr>
+          <p:spPr>
+            <a:xfrm>
+              <a:off x="3806350" y="3687086"/>
+              <a:ext cx="903922" cy="47589"/>
+            </a:xfrm>
+            <a:custGeom>
+              <a:avLst/>
+              <a:gdLst/>
+              <a:ahLst/>
+              <a:cxnLst/>
+              <a:rect l="l" t="t" r="r" b="b"/>
+              <a:pathLst>
+                <a:path w="903922" h="47589" extrusionOk="0">
+                  <a:moveTo>
+                    <a:pt x="0" y="0"/>
+                  </a:moveTo>
+                  <a:cubicBezTo>
+                    <a:pt x="0" y="0"/>
+                    <a:pt x="26670" y="47589"/>
+                    <a:pt x="53340" y="47589"/>
+                  </a:cubicBezTo>
+                  <a:lnTo>
+                    <a:pt x="850582" y="47589"/>
+                  </a:lnTo>
+                  <a:cubicBezTo>
+                    <a:pt x="877253" y="47589"/>
+                    <a:pt x="903922" y="0"/>
+                    <a:pt x="903922" y="0"/>
+                  </a:cubicBezTo>
+                  <a:lnTo>
+                    <a:pt x="0" y="0"/>
+                  </a:lnTo>
+                  <a:close/>
+                </a:path>
+              </a:pathLst>
+            </a:custGeom>
+            <a:solidFill>
+              <a:schemeClr val="dk1"/>
+            </a:solidFill>
+            <a:ln>
+              <a:noFill/>
+            </a:ln>
+          </p:spPr>
+          <p:txBody>
+            <a:bodyPr spcFirstLastPara="1" wrap="square" lIns="91425" tIns="45700" rIns="91425" bIns="45700" anchor="ctr" anchorCtr="0">
+              <a:noAutofit/>
+            </a:bodyPr>
+            <a:lstStyle/>
+            <a:p>
+              <a:pPr marL="0" marR="0" lvl="0" indent="0" algn="l" rtl="0">
+                <a:spcBef>
+                  <a:spcPts val="0"/>
+                </a:spcBef>
+                <a:spcAft>
+                  <a:spcPts val="0"/>
+                </a:spcAft>
+                <a:buNone/>
+              </a:pPr>
+              <a:endParaRPr sz="1800">
+                <a:solidFill>
+                  <a:srgbClr val="000000"/>
+                </a:solidFill>
+                <a:latin typeface="Calibri"/>
+                <a:ea typeface="Calibri"/>
+                <a:cs typeface="Calibri"/>
+                <a:sym typeface="Calibri"/>
+              </a:endParaRPr>
+            </a:p>
+          </p:txBody>
+        </p:sp>
+      </p:grpSp>
+      <p:sp>
+        <p:nvSpPr>
+          <p:cNvPr id="345" name="Google Shape;345;p34"/>
+          <p:cNvSpPr txBox="1">
+            <a:spLocks noGrp="1"/>
+          </p:cNvSpPr>
+          <p:nvPr>
+            <p:ph type="body" idx="4294967295"/>
+          </p:nvPr>
+        </p:nvSpPr>
+        <p:spPr>
+          <a:xfrm>
+            <a:off x="580550" y="782300"/>
+            <a:ext cx="2735662" cy="3579000"/>
+          </a:xfrm>
+          <a:prstGeom prst="rect">
+            <a:avLst/>
+          </a:prstGeom>
+        </p:spPr>
+        <p:txBody>
+          <a:bodyPr spcFirstLastPara="1" wrap="square" lIns="0" tIns="0" rIns="0" bIns="0" anchor="ctr" anchorCtr="0">
+            <a:noAutofit/>
+          </a:bodyPr>
+          <a:lstStyle/>
+          <a:p>
+            <a:pPr marL="0" lvl="0" indent="0" algn="l" rtl="0">
+              <a:spcBef>
+                <a:spcPts val="600"/>
+              </a:spcBef>
+              <a:spcAft>
+                <a:spcPts val="0"/>
+              </a:spcAft>
+              <a:buNone/>
+            </a:pPr>
+            <a:r>
+              <a:rPr lang="en" sz="3000" dirty="0" smtClean="0">
+                <a:latin typeface="Lexend Deca"/>
+                <a:ea typeface="Lexend Deca"/>
+                <a:cs typeface="Lexend Deca"/>
+                <a:sym typeface="Lexend Deca"/>
+              </a:rPr>
+              <a:t>Desktop View</a:t>
+            </a:r>
+          </a:p>
+          <a:p>
+            <a:pPr marL="0" lvl="0" indent="0" algn="l" rtl="0">
+              <a:spcBef>
+                <a:spcPts val="600"/>
+              </a:spcBef>
+              <a:spcAft>
+                <a:spcPts val="0"/>
+              </a:spcAft>
+              <a:buNone/>
+            </a:pPr>
+            <a:endParaRPr sz="3000" dirty="0">
+              <a:latin typeface="Lexend Deca"/>
+              <a:ea typeface="Lexend Deca"/>
+              <a:cs typeface="Lexend Deca"/>
+              <a:sym typeface="Lexend Deca"/>
+            </a:endParaRPr>
+          </a:p>
+        </p:txBody>
+      </p:sp>
+      <p:pic>
+        <p:nvPicPr>
+          <p:cNvPr id="3" name="Picture 2"/>
+          <p:cNvPicPr>
+            <a:picLocks noChangeAspect="1"/>
+          </p:cNvPicPr>
+          <p:nvPr/>
+        </p:nvPicPr>
+        <p:blipFill>
+          <a:blip r:embed="rId3"/>
+          <a:stretch>
+            <a:fillRect/>
+          </a:stretch>
+        </p:blipFill>
+        <p:spPr>
+          <a:xfrm>
+            <a:off x="3607760" y="1240220"/>
+            <a:ext cx="5147173" cy="2554013"/>
+          </a:xfrm>
+          <a:prstGeom prst="rect">
+            <a:avLst/>
+          </a:prstGeom>
+        </p:spPr>
+      </p:pic>
+    </p:spTree>
+    <p:extLst>
+      <p:ext uri="{BB962C8B-B14F-4D97-AF65-F5344CB8AC3E}">
+        <p14:creationId xmlns:p14="http://schemas.microsoft.com/office/powerpoint/2010/main" val="302100443"/>
+      </p:ext>
+    </p:extLst>
+  </p:cSld>
+  <p:clrMapOvr>
+    <a:masterClrMapping/>
+  </p:clrMapOvr>
+  <p:timing>
+    <p:tnLst>
+      <p:par>
+        <p:cTn id="1" dur="indefinite" restart="never" nodeType="tmRoot"/>
+      </p:par>
+    </p:tnLst>
+  </p:timing>
+</p:sld>
+</file>
+
+<file path=ppt/slides/slide33.xml><?xml version="1.0" encoding="utf-8"?>
 <p:sld xmlns:a="http://schemas.openxmlformats.org/drawingml/2006/main" xmlns:r="http://schemas.openxmlformats.org/officeDocument/2006/relationships" xmlns:p="http://schemas.openxmlformats.org/presentationml/2006/main">
   <p:cSld>
     <p:spTree>
@@ -15431,7 +20589,7 @@
 </p:sld>
 </file>
 
-<file path=ppt/slides/slide26.xml><?xml version="1.0" encoding="utf-8"?>
+<file path=ppt/slides/slide34.xml><?xml version="1.0" encoding="utf-8"?>
 <p:sld xmlns:a="http://schemas.openxmlformats.org/drawingml/2006/main" xmlns:r="http://schemas.openxmlformats.org/officeDocument/2006/relationships" xmlns:p="http://schemas.openxmlformats.org/presentationml/2006/main">
   <p:cSld>
     <p:spTree>
@@ -15897,45 +21055,6 @@
           </a:p>
         </p:txBody>
       </p:sp>
-      <p:pic>
-        <p:nvPicPr>
-          <p:cNvPr id="1038" name="Picture 14" descr="https://documents.app.lucidchart.com/documents/f94107d0-e27f-47c4-ab63-b131520bdf0b/pages/0_0?a=1576&amp;x=195&amp;y=-6&amp;w=833&amp;h=1161&amp;store=1&amp;accept=image%2F*&amp;auth=LCA%20235b5cced9ff19035c7d484909878b5912270ea0-ts%3D1598252261"/>
-          <p:cNvPicPr>
-            <a:picLocks noChangeAspect="1" noChangeArrowheads="1"/>
-          </p:cNvPicPr>
-          <p:nvPr/>
-        </p:nvPicPr>
-        <p:blipFill rotWithShape="1">
-          <a:blip r:embed="rId8">
-            <a:extLst>
-              <a:ext uri="{28A0092B-C50C-407E-A947-70E740481C1C}">
-                <a14:useLocalDpi xmlns:a14="http://schemas.microsoft.com/office/drawing/2010/main" val="0"/>
-              </a:ext>
-            </a:extLst>
-          </a:blip>
-          <a:srcRect l="19227" t="14297" r="5940" b="4872"/>
-          <a:stretch/>
-        </p:blipFill>
-        <p:spPr bwMode="auto">
-          <a:xfrm>
-            <a:off x="1241833" y="884611"/>
-            <a:ext cx="2728686" cy="4107544"/>
-          </a:xfrm>
-          <a:prstGeom prst="rect">
-            <a:avLst/>
-          </a:prstGeom>
-          <a:noFill/>
-          <a:extLst>
-            <a:ext uri="{909E8E84-426E-40DD-AFC4-6F175D3DCCD1}">
-              <a14:hiddenFill xmlns:a14="http://schemas.microsoft.com/office/drawing/2010/main">
-                <a:solidFill>
-                  <a:srgbClr val="FFFFFF"/>
-                </a:solidFill>
-              </a14:hiddenFill>
-            </a:ext>
-          </a:extLst>
-        </p:spPr>
-      </p:pic>
       <p:sp>
         <p:nvSpPr>
           <p:cNvPr id="2" name="TextBox 1"/>
@@ -15944,8 +21063,8 @@
         </p:nvSpPr>
         <p:spPr>
           <a:xfrm>
-            <a:off x="5505450" y="3624439"/>
-            <a:ext cx="3638550" cy="646331"/>
+            <a:off x="583993" y="935224"/>
+            <a:ext cx="3638550" cy="3539430"/>
           </a:xfrm>
           <a:prstGeom prst="rect">
             <a:avLst/>
@@ -15959,25 +21078,185 @@
           <a:lstStyle/>
           <a:p>
             <a:r>
-              <a:rPr lang="en-US" sz="1200" dirty="0" smtClean="0">
+              <a:rPr lang="en-US" sz="1600" dirty="0" smtClean="0">
                 <a:solidFill>
                   <a:schemeClr val="bg1"/>
                 </a:solidFill>
                 <a:latin typeface="Muli"/>
               </a:rPr>
-              <a:t>For better view of the flow chart visit :</a:t>
+              <a:t>For better view of the flow chart </a:t>
             </a:r>
-          </a:p>
-          <a:p>
             <a:r>
-              <a:rPr lang="en-US" sz="1200" dirty="0">
+              <a:rPr lang="en-US" sz="1600" dirty="0" smtClean="0">
                 <a:solidFill>
                   <a:schemeClr val="bg1"/>
                 </a:solidFill>
                 <a:latin typeface="Muli"/>
               </a:rPr>
-              <a:t>https://app.lucidchart.com/invitations/accept/882ec24e-4314-41e6-a750-4c4e83d41e4f</a:t>
+              <a:t>visit:</a:t>
             </a:r>
+          </a:p>
+          <a:p>
+            <a:endParaRPr lang="en-US" sz="1600" dirty="0">
+              <a:solidFill>
+                <a:schemeClr val="bg1"/>
+              </a:solidFill>
+              <a:latin typeface="Muli"/>
+            </a:endParaRPr>
+          </a:p>
+          <a:p>
+            <a:r>
+              <a:rPr lang="en-US" sz="1600" b="1" dirty="0" smtClean="0">
+                <a:solidFill>
+                  <a:schemeClr val="bg1"/>
+                </a:solidFill>
+                <a:latin typeface="Muli"/>
+              </a:rPr>
+              <a:t>Landing page</a:t>
+            </a:r>
+            <a:endParaRPr lang="en-US" sz="1600" b="1" dirty="0" smtClean="0">
+              <a:solidFill>
+                <a:schemeClr val="bg1"/>
+              </a:solidFill>
+              <a:latin typeface="Muli"/>
+              <a:hlinkClick r:id="rId8"/>
+            </a:endParaRPr>
+          </a:p>
+          <a:p>
+            <a:r>
+              <a:rPr lang="en-US" sz="1600" dirty="0" smtClean="0">
+                <a:solidFill>
+                  <a:schemeClr val="bg1"/>
+                </a:solidFill>
+                <a:latin typeface="Muli"/>
+                <a:hlinkClick r:id="rId8"/>
+              </a:rPr>
+              <a:t>https</a:t>
+            </a:r>
+            <a:r>
+              <a:rPr lang="en-US" sz="1600" dirty="0">
+                <a:solidFill>
+                  <a:schemeClr val="bg1"/>
+                </a:solidFill>
+                <a:latin typeface="Muli"/>
+                <a:hlinkClick r:id="rId8"/>
+              </a:rPr>
+              <a:t>://</a:t>
+            </a:r>
+            <a:r>
+              <a:rPr lang="en-US" sz="1600" dirty="0" smtClean="0">
+                <a:solidFill>
+                  <a:schemeClr val="bg1"/>
+                </a:solidFill>
+                <a:latin typeface="Muli"/>
+                <a:hlinkClick r:id="rId8"/>
+              </a:rPr>
+              <a:t>lucid.app/invitations/accept/0661da0c-21c4-46d5-9c09-82be01918867</a:t>
+            </a:r>
+            <a:endParaRPr lang="en-US" sz="1600" dirty="0" smtClean="0">
+              <a:solidFill>
+                <a:schemeClr val="bg1"/>
+              </a:solidFill>
+              <a:latin typeface="Muli"/>
+            </a:endParaRPr>
+          </a:p>
+          <a:p>
+            <a:endParaRPr lang="en-US" sz="1600" dirty="0" smtClean="0">
+              <a:solidFill>
+                <a:schemeClr val="bg1"/>
+              </a:solidFill>
+              <a:latin typeface="Muli"/>
+            </a:endParaRPr>
+          </a:p>
+          <a:p>
+            <a:r>
+              <a:rPr lang="en-US" sz="1600" b="1" dirty="0" smtClean="0">
+                <a:solidFill>
+                  <a:schemeClr val="bg1"/>
+                </a:solidFill>
+                <a:latin typeface="Muli"/>
+              </a:rPr>
+              <a:t>Dashboard</a:t>
+            </a:r>
+            <a:endParaRPr lang="en-US" sz="1600" dirty="0">
+              <a:solidFill>
+                <a:schemeClr val="bg1"/>
+              </a:solidFill>
+              <a:latin typeface="Muli"/>
+            </a:endParaRPr>
+          </a:p>
+          <a:p>
+            <a:r>
+              <a:rPr lang="en-US" sz="1600" dirty="0">
+                <a:solidFill>
+                  <a:schemeClr val="bg1"/>
+                </a:solidFill>
+                <a:latin typeface="Muli"/>
+                <a:hlinkClick r:id="rId9"/>
+              </a:rPr>
+              <a:t>https://</a:t>
+            </a:r>
+            <a:r>
+              <a:rPr lang="en-US" sz="1600" dirty="0" smtClean="0">
+                <a:solidFill>
+                  <a:schemeClr val="bg1"/>
+                </a:solidFill>
+                <a:latin typeface="Muli"/>
+                <a:hlinkClick r:id="rId9"/>
+              </a:rPr>
+              <a:t>lucid.app/invitations/accept/0f90eb93-434e-46aa-b524-64c2f79f33d3</a:t>
+            </a:r>
+            <a:endParaRPr lang="en-US" sz="1600" dirty="0" smtClean="0">
+              <a:solidFill>
+                <a:schemeClr val="bg1"/>
+              </a:solidFill>
+              <a:latin typeface="Muli"/>
+            </a:endParaRPr>
+          </a:p>
+          <a:p>
+            <a:endParaRPr lang="en-US" sz="1600" dirty="0" smtClean="0">
+              <a:solidFill>
+                <a:schemeClr val="bg1"/>
+              </a:solidFill>
+              <a:latin typeface="Muli"/>
+            </a:endParaRPr>
+          </a:p>
+          <a:p>
+            <a:r>
+              <a:rPr lang="en-US" sz="1600" b="1" dirty="0" smtClean="0">
+                <a:solidFill>
+                  <a:schemeClr val="bg1"/>
+                </a:solidFill>
+                <a:latin typeface="Muli"/>
+              </a:rPr>
+              <a:t>Prescription</a:t>
+            </a:r>
+          </a:p>
+          <a:p>
+            <a:r>
+              <a:rPr lang="en-US" sz="1600" dirty="0" smtClean="0">
+                <a:solidFill>
+                  <a:schemeClr val="bg1"/>
+                </a:solidFill>
+                <a:latin typeface="Muli"/>
+              </a:rPr>
+              <a:t>https</a:t>
+            </a:r>
+            <a:r>
+              <a:rPr lang="en-US" sz="1600" dirty="0">
+                <a:solidFill>
+                  <a:schemeClr val="bg1"/>
+                </a:solidFill>
+                <a:latin typeface="Muli"/>
+              </a:rPr>
+              <a:t>://lucid.app/invitations/accept/5bd1cf46-97bc-40b6-b4a6-27ceb756da45</a:t>
+            </a:r>
+            <a:endParaRPr lang="en-US" sz="1600" dirty="0" smtClean="0">
+              <a:solidFill>
+                <a:schemeClr val="bg1"/>
+              </a:solidFill>
+              <a:latin typeface="Muli"/>
+            </a:endParaRPr>
           </a:p>
         </p:txBody>
       </p:sp>
@@ -16004,7 +21283,7 @@
 </p:sld>
 </file>
 
-<file path=ppt/slides/slide27.xml><?xml version="1.0" encoding="utf-8"?>
+<file path=ppt/slides/slide35.xml><?xml version="1.0" encoding="utf-8"?>
 <p:sld xmlns:a="http://schemas.openxmlformats.org/drawingml/2006/main" xmlns:r="http://schemas.openxmlformats.org/officeDocument/2006/relationships" xmlns:p="http://schemas.openxmlformats.org/presentationml/2006/main">
   <p:cSld>
     <p:spTree>
@@ -16174,7 +21453,7 @@
 </p:sld>
 </file>
 
-<file path=ppt/slides/slide28.xml><?xml version="1.0" encoding="utf-8"?>
+<file path=ppt/slides/slide36.xml><?xml version="1.0" encoding="utf-8"?>
 <p:sld xmlns:a="http://schemas.openxmlformats.org/drawingml/2006/main" xmlns:r="http://schemas.openxmlformats.org/officeDocument/2006/relationships" xmlns:p="http://schemas.openxmlformats.org/presentationml/2006/main">
   <p:cSld>
     <p:spTree>
@@ -16269,7 +21548,7 @@
             </a:pPr>
             <a:fld id="{00000000-1234-1234-1234-123412341234}" type="slidenum">
               <a:rPr lang="en"/>
-              <a:t>28</a:t>
+              <a:t>36</a:t>
             </a:fld>
             <a:endParaRPr/>
           </a:p>
@@ -21344,8 +26623,8 @@
           </p:nvSpPr>
           <p:spPr>
             <a:xfrm rot="5400000" flipH="1">
-              <a:off x="5296658" y="4376843"/>
-              <a:ext cx="140261" cy="148273"/>
+              <a:off x="6520717" y="3152783"/>
+              <a:ext cx="143509" cy="2599640"/>
             </a:xfrm>
             <a:prstGeom prst="round2SameRect">
               <a:avLst>
@@ -21395,8 +26674,8 @@
           </p:nvSpPr>
           <p:spPr>
             <a:xfrm rot="5400000" flipH="1">
-              <a:off x="5289005" y="4896638"/>
-              <a:ext cx="140261" cy="148274"/>
+              <a:off x="6507044" y="3678596"/>
+              <a:ext cx="130922" cy="2575018"/>
             </a:xfrm>
             <a:prstGeom prst="round2SameRect">
               <a:avLst>
@@ -21913,7 +27192,7 @@
 </p:sld>
 </file>
 
-<file path=ppt/slides/slide29.xml><?xml version="1.0" encoding="utf-8"?>
+<file path=ppt/slides/slide37.xml><?xml version="1.0" encoding="utf-8"?>
 <p:sld xmlns:a="http://schemas.openxmlformats.org/drawingml/2006/main" xmlns:r="http://schemas.openxmlformats.org/officeDocument/2006/relationships" xmlns:p="http://schemas.openxmlformats.org/presentationml/2006/main">
   <p:cSld>
     <p:spTree>
@@ -22083,173 +27362,7 @@
 </p:sld>
 </file>
 
-<file path=ppt/slides/slide3.xml><?xml version="1.0" encoding="utf-8"?>
-<p:sld xmlns:a="http://schemas.openxmlformats.org/drawingml/2006/main" xmlns:r="http://schemas.openxmlformats.org/officeDocument/2006/relationships" xmlns:p="http://schemas.openxmlformats.org/presentationml/2006/main">
-  <p:cSld>
-    <p:spTree>
-      <p:nvGrpSpPr>
-        <p:cNvPr id="1" name="Shape 93"/>
-        <p:cNvGrpSpPr/>
-        <p:nvPr/>
-      </p:nvGrpSpPr>
-      <p:grpSpPr>
-        <a:xfrm>
-          <a:off x="0" y="0"/>
-          <a:ext cx="0" cy="0"/>
-          <a:chOff x="0" y="0"/>
-          <a:chExt cx="0" cy="0"/>
-        </a:xfrm>
-      </p:grpSpPr>
-      <p:sp>
-        <p:nvSpPr>
-          <p:cNvPr id="94" name="Google Shape;94;p17"/>
-          <p:cNvSpPr txBox="1">
-            <a:spLocks noGrp="1"/>
-          </p:cNvSpPr>
-          <p:nvPr>
-            <p:ph type="ctrTitle"/>
-          </p:nvPr>
-        </p:nvSpPr>
-        <p:spPr>
-          <a:xfrm>
-            <a:off x="685800" y="1659550"/>
-            <a:ext cx="4263900" cy="1159800"/>
-          </a:xfrm>
-          <a:prstGeom prst="rect">
-            <a:avLst/>
-          </a:prstGeom>
-        </p:spPr>
-        <p:txBody>
-          <a:bodyPr spcFirstLastPara="1" wrap="square" lIns="0" tIns="0" rIns="0" bIns="0" anchor="b" anchorCtr="0">
-            <a:noAutofit/>
-          </a:bodyPr>
-          <a:lstStyle/>
-          <a:p>
-            <a:pPr marL="0" lvl="0" indent="0" algn="l" rtl="0">
-              <a:spcBef>
-                <a:spcPts val="0"/>
-              </a:spcBef>
-              <a:spcAft>
-                <a:spcPts val="0"/>
-              </a:spcAft>
-              <a:buNone/>
-            </a:pPr>
-            <a:r>
-              <a:rPr lang="en" dirty="0" smtClean="0"/>
-              <a:t>1.</a:t>
-            </a:r>
-            <a:endParaRPr dirty="0" smtClean="0"/>
-          </a:p>
-          <a:p>
-            <a:pPr lvl="0"/>
-            <a:r>
-              <a:rPr lang="en-US" b="0" dirty="0"/>
-              <a:t>Introduction</a:t>
-            </a:r>
-            <a:endParaRPr dirty="0"/>
-          </a:p>
-        </p:txBody>
-      </p:sp>
-      <p:pic>
-        <p:nvPicPr>
-          <p:cNvPr id="96" name="Google Shape;96;p17"/>
-          <p:cNvPicPr preferRelativeResize="0"/>
-          <p:nvPr/>
-        </p:nvPicPr>
-        <p:blipFill>
-          <a:blip r:embed="rId3">
-            <a:alphaModFix/>
-          </a:blip>
-          <a:stretch>
-            <a:fillRect/>
-          </a:stretch>
-        </p:blipFill>
-        <p:spPr>
-          <a:xfrm>
-            <a:off x="5722705" y="2045304"/>
-            <a:ext cx="2219340" cy="1159800"/>
-          </a:xfrm>
-          <a:prstGeom prst="rect">
-            <a:avLst/>
-          </a:prstGeom>
-          <a:noFill/>
-          <a:ln>
-            <a:noFill/>
-          </a:ln>
-        </p:spPr>
-      </p:pic>
-      <p:pic>
-        <p:nvPicPr>
-          <p:cNvPr id="97" name="Google Shape;97;p17"/>
-          <p:cNvPicPr preferRelativeResize="0"/>
-          <p:nvPr/>
-        </p:nvPicPr>
-        <p:blipFill>
-          <a:blip r:embed="rId4">
-            <a:alphaModFix/>
-          </a:blip>
-          <a:stretch>
-            <a:fillRect/>
-          </a:stretch>
-        </p:blipFill>
-        <p:spPr>
-          <a:xfrm>
-            <a:off x="5790680" y="2449022"/>
-            <a:ext cx="145275" cy="423000"/>
-          </a:xfrm>
-          <a:prstGeom prst="rect">
-            <a:avLst/>
-          </a:prstGeom>
-          <a:noFill/>
-          <a:ln>
-            <a:noFill/>
-          </a:ln>
-        </p:spPr>
-      </p:pic>
-      <p:pic>
-        <p:nvPicPr>
-          <p:cNvPr id="98" name="Google Shape;98;p17"/>
-          <p:cNvPicPr preferRelativeResize="0"/>
-          <p:nvPr/>
-        </p:nvPicPr>
-        <p:blipFill>
-          <a:blip r:embed="rId5">
-            <a:alphaModFix/>
-          </a:blip>
-          <a:stretch>
-            <a:fillRect/>
-          </a:stretch>
-        </p:blipFill>
-        <p:spPr>
-          <a:xfrm>
-            <a:off x="6336726" y="1237502"/>
-            <a:ext cx="1032700" cy="1209125"/>
-          </a:xfrm>
-          <a:prstGeom prst="rect">
-            <a:avLst/>
-          </a:prstGeom>
-          <a:noFill/>
-          <a:ln>
-            <a:noFill/>
-          </a:ln>
-        </p:spPr>
-      </p:pic>
-    </p:spTree>
-  </p:cSld>
-  <p:clrMapOvr>
-    <a:masterClrMapping/>
-  </p:clrMapOvr>
-  <p:timing>
-    <p:tnLst>
-      <p:par>
-        <p:cTn id="1" dur="indefinite" restart="never" nodeType="tmRoot"/>
-      </p:par>
-    </p:tnLst>
-  </p:timing>
-</p:sld>
-</file>
-
-<file path=ppt/slides/slide30.xml><?xml version="1.0" encoding="utf-8"?>
+<file path=ppt/slides/slide38.xml><?xml version="1.0" encoding="utf-8"?>
 <p:sld xmlns:a="http://schemas.openxmlformats.org/drawingml/2006/main" xmlns:r="http://schemas.openxmlformats.org/officeDocument/2006/relationships" xmlns:p="http://schemas.openxmlformats.org/presentationml/2006/main">
   <p:cSld>
     <p:spTree>
@@ -22377,7 +27490,7 @@
             </a:pPr>
             <a:fld id="{00000000-1234-1234-1234-123412341234}" type="slidenum">
               <a:rPr lang="en"/>
-              <a:t>30</a:t>
+              <a:t>38</a:t>
             </a:fld>
             <a:endParaRPr/>
           </a:p>
@@ -22403,7 +27516,7 @@
 </p:sld>
 </file>
 
-<file path=ppt/slides/slide31.xml><?xml version="1.0" encoding="utf-8"?>
+<file path=ppt/slides/slide39.xml><?xml version="1.0" encoding="utf-8"?>
 <p:sld xmlns:a="http://schemas.openxmlformats.org/drawingml/2006/main" xmlns:r="http://schemas.openxmlformats.org/officeDocument/2006/relationships" xmlns:p="http://schemas.openxmlformats.org/presentationml/2006/main">
   <p:cSld>
     <p:spTree>
@@ -22573,7 +27686,399 @@
 </p:sld>
 </file>
 
-<file path=ppt/slides/slide32.xml><?xml version="1.0" encoding="utf-8"?>
+<file path=ppt/slides/slide4.xml><?xml version="1.0" encoding="utf-8"?>
+<p:sld xmlns:a="http://schemas.openxmlformats.org/drawingml/2006/main" xmlns:r="http://schemas.openxmlformats.org/officeDocument/2006/relationships" xmlns:p="http://schemas.openxmlformats.org/presentationml/2006/main">
+  <p:cSld>
+    <p:spTree>
+      <p:nvGrpSpPr>
+        <p:cNvPr id="1" name=""/>
+        <p:cNvGrpSpPr/>
+        <p:nvPr/>
+      </p:nvGrpSpPr>
+      <p:grpSpPr>
+        <a:xfrm>
+          <a:off x="0" y="0"/>
+          <a:ext cx="0" cy="0"/>
+          <a:chOff x="0" y="0"/>
+          <a:chExt cx="0" cy="0"/>
+        </a:xfrm>
+      </p:grpSpPr>
+      <p:pic>
+        <p:nvPicPr>
+          <p:cNvPr id="4" name="Picture 3"/>
+          <p:cNvPicPr>
+            <a:picLocks noChangeAspect="1"/>
+          </p:cNvPicPr>
+          <p:nvPr/>
+        </p:nvPicPr>
+        <p:blipFill>
+          <a:blip r:embed="rId2"/>
+          <a:stretch>
+            <a:fillRect/>
+          </a:stretch>
+        </p:blipFill>
+        <p:spPr>
+          <a:xfrm>
+            <a:off x="6133672" y="1436189"/>
+            <a:ext cx="1377385" cy="1283569"/>
+          </a:xfrm>
+          <a:prstGeom prst="roundRect">
+            <a:avLst>
+              <a:gd name="adj" fmla="val 4167"/>
+            </a:avLst>
+          </a:prstGeom>
+          <a:solidFill>
+            <a:srgbClr val="FFFFFF"/>
+          </a:solidFill>
+          <a:ln w="76200" cap="sq">
+            <a:solidFill>
+              <a:srgbClr val="EAEAEA"/>
+            </a:solidFill>
+            <a:miter lim="800000"/>
+          </a:ln>
+          <a:effectLst>
+            <a:reflection blurRad="12700" stA="33000" endPos="28000" dist="5000" dir="5400000" sy="-100000" algn="bl" rotWithShape="0"/>
+          </a:effectLst>
+          <a:scene3d>
+            <a:camera prst="isometricOffAxis2Left"/>
+            <a:lightRig rig="threePt" dir="t">
+              <a:rot lat="0" lon="0" rev="2700000"/>
+            </a:lightRig>
+          </a:scene3d>
+          <a:sp3d contourW="6350">
+            <a:bevelT h="38100"/>
+            <a:contourClr>
+              <a:srgbClr val="C0C0C0"/>
+            </a:contourClr>
+          </a:sp3d>
+        </p:spPr>
+      </p:pic>
+      <p:sp>
+        <p:nvSpPr>
+          <p:cNvPr id="5" name="Google Shape;103;p18"/>
+          <p:cNvSpPr txBox="1">
+            <a:spLocks/>
+          </p:cNvSpPr>
+          <p:nvPr/>
+        </p:nvSpPr>
+        <p:spPr>
+          <a:xfrm>
+            <a:off x="580550" y="113783"/>
+            <a:ext cx="6014400" cy="857400"/>
+          </a:xfrm>
+          <a:prstGeom prst="rect">
+            <a:avLst/>
+          </a:prstGeom>
+          <a:noFill/>
+          <a:ln>
+            <a:noFill/>
+          </a:ln>
+        </p:spPr>
+        <p:txBody>
+          <a:bodyPr spcFirstLastPara="1" wrap="square" lIns="0" tIns="0" rIns="0" bIns="0" anchor="b" anchorCtr="0">
+            <a:noAutofit/>
+          </a:bodyPr>
+          <a:lstStyle>
+            <a:defPPr marR="0" lvl="0" algn="l" rtl="0">
+              <a:lnSpc>
+                <a:spcPct val="100000"/>
+              </a:lnSpc>
+              <a:spcBef>
+                <a:spcPts val="0"/>
+              </a:spcBef>
+              <a:spcAft>
+                <a:spcPts val="0"/>
+              </a:spcAft>
+            </a:defPPr>
+            <a:lvl1pPr marR="0" lvl="0" algn="l" rtl="0">
+              <a:lnSpc>
+                <a:spcPct val="100000"/>
+              </a:lnSpc>
+              <a:spcBef>
+                <a:spcPts val="0"/>
+              </a:spcBef>
+              <a:spcAft>
+                <a:spcPts val="0"/>
+              </a:spcAft>
+              <a:buClr>
+                <a:schemeClr val="lt1"/>
+              </a:buClr>
+              <a:buSzPts val="3600"/>
+              <a:buFont typeface="Lexend Deca"/>
+              <a:buNone/>
+              <a:defRPr sz="3600" b="1" i="0" u="none" strike="noStrike" cap="none">
+                <a:solidFill>
+                  <a:schemeClr val="lt1"/>
+                </a:solidFill>
+                <a:latin typeface="Lexend Deca"/>
+                <a:ea typeface="Lexend Deca"/>
+                <a:cs typeface="Lexend Deca"/>
+                <a:sym typeface="Lexend Deca"/>
+              </a:defRPr>
+            </a:lvl1pPr>
+            <a:lvl2pPr marR="0" lvl="1" algn="l" rtl="0">
+              <a:lnSpc>
+                <a:spcPct val="100000"/>
+              </a:lnSpc>
+              <a:spcBef>
+                <a:spcPts val="0"/>
+              </a:spcBef>
+              <a:spcAft>
+                <a:spcPts val="0"/>
+              </a:spcAft>
+              <a:buClr>
+                <a:schemeClr val="lt1"/>
+              </a:buClr>
+              <a:buSzPts val="3600"/>
+              <a:buFont typeface="Lexend Deca"/>
+              <a:buNone/>
+              <a:defRPr sz="3600" b="1" i="0" u="none" strike="noStrike" cap="none">
+                <a:solidFill>
+                  <a:schemeClr val="lt1"/>
+                </a:solidFill>
+                <a:latin typeface="Lexend Deca"/>
+                <a:ea typeface="Lexend Deca"/>
+                <a:cs typeface="Lexend Deca"/>
+                <a:sym typeface="Lexend Deca"/>
+              </a:defRPr>
+            </a:lvl2pPr>
+            <a:lvl3pPr marR="0" lvl="2" algn="l" rtl="0">
+              <a:lnSpc>
+                <a:spcPct val="100000"/>
+              </a:lnSpc>
+              <a:spcBef>
+                <a:spcPts val="0"/>
+              </a:spcBef>
+              <a:spcAft>
+                <a:spcPts val="0"/>
+              </a:spcAft>
+              <a:buClr>
+                <a:schemeClr val="lt1"/>
+              </a:buClr>
+              <a:buSzPts val="3600"/>
+              <a:buFont typeface="Lexend Deca"/>
+              <a:buNone/>
+              <a:defRPr sz="3600" b="1" i="0" u="none" strike="noStrike" cap="none">
+                <a:solidFill>
+                  <a:schemeClr val="lt1"/>
+                </a:solidFill>
+                <a:latin typeface="Lexend Deca"/>
+                <a:ea typeface="Lexend Deca"/>
+                <a:cs typeface="Lexend Deca"/>
+                <a:sym typeface="Lexend Deca"/>
+              </a:defRPr>
+            </a:lvl3pPr>
+            <a:lvl4pPr marR="0" lvl="3" algn="l" rtl="0">
+              <a:lnSpc>
+                <a:spcPct val="100000"/>
+              </a:lnSpc>
+              <a:spcBef>
+                <a:spcPts val="0"/>
+              </a:spcBef>
+              <a:spcAft>
+                <a:spcPts val="0"/>
+              </a:spcAft>
+              <a:buClr>
+                <a:schemeClr val="lt1"/>
+              </a:buClr>
+              <a:buSzPts val="3600"/>
+              <a:buFont typeface="Lexend Deca"/>
+              <a:buNone/>
+              <a:defRPr sz="3600" b="1" i="0" u="none" strike="noStrike" cap="none">
+                <a:solidFill>
+                  <a:schemeClr val="lt1"/>
+                </a:solidFill>
+                <a:latin typeface="Lexend Deca"/>
+                <a:ea typeface="Lexend Deca"/>
+                <a:cs typeface="Lexend Deca"/>
+                <a:sym typeface="Lexend Deca"/>
+              </a:defRPr>
+            </a:lvl4pPr>
+            <a:lvl5pPr marR="0" lvl="4" algn="l" rtl="0">
+              <a:lnSpc>
+                <a:spcPct val="100000"/>
+              </a:lnSpc>
+              <a:spcBef>
+                <a:spcPts val="0"/>
+              </a:spcBef>
+              <a:spcAft>
+                <a:spcPts val="0"/>
+              </a:spcAft>
+              <a:buClr>
+                <a:schemeClr val="lt1"/>
+              </a:buClr>
+              <a:buSzPts val="3600"/>
+              <a:buFont typeface="Lexend Deca"/>
+              <a:buNone/>
+              <a:defRPr sz="3600" b="1" i="0" u="none" strike="noStrike" cap="none">
+                <a:solidFill>
+                  <a:schemeClr val="lt1"/>
+                </a:solidFill>
+                <a:latin typeface="Lexend Deca"/>
+                <a:ea typeface="Lexend Deca"/>
+                <a:cs typeface="Lexend Deca"/>
+                <a:sym typeface="Lexend Deca"/>
+              </a:defRPr>
+            </a:lvl5pPr>
+            <a:lvl6pPr marR="0" lvl="5" algn="l" rtl="0">
+              <a:lnSpc>
+                <a:spcPct val="100000"/>
+              </a:lnSpc>
+              <a:spcBef>
+                <a:spcPts val="0"/>
+              </a:spcBef>
+              <a:spcAft>
+                <a:spcPts val="0"/>
+              </a:spcAft>
+              <a:buClr>
+                <a:schemeClr val="lt1"/>
+              </a:buClr>
+              <a:buSzPts val="3600"/>
+              <a:buFont typeface="Lexend Deca"/>
+              <a:buNone/>
+              <a:defRPr sz="3600" b="1" i="0" u="none" strike="noStrike" cap="none">
+                <a:solidFill>
+                  <a:schemeClr val="lt1"/>
+                </a:solidFill>
+                <a:latin typeface="Lexend Deca"/>
+                <a:ea typeface="Lexend Deca"/>
+                <a:cs typeface="Lexend Deca"/>
+                <a:sym typeface="Lexend Deca"/>
+              </a:defRPr>
+            </a:lvl6pPr>
+            <a:lvl7pPr marR="0" lvl="6" algn="l" rtl="0">
+              <a:lnSpc>
+                <a:spcPct val="100000"/>
+              </a:lnSpc>
+              <a:spcBef>
+                <a:spcPts val="0"/>
+              </a:spcBef>
+              <a:spcAft>
+                <a:spcPts val="0"/>
+              </a:spcAft>
+              <a:buClr>
+                <a:schemeClr val="lt1"/>
+              </a:buClr>
+              <a:buSzPts val="3600"/>
+              <a:buFont typeface="Lexend Deca"/>
+              <a:buNone/>
+              <a:defRPr sz="3600" b="1" i="0" u="none" strike="noStrike" cap="none">
+                <a:solidFill>
+                  <a:schemeClr val="lt1"/>
+                </a:solidFill>
+                <a:latin typeface="Lexend Deca"/>
+                <a:ea typeface="Lexend Deca"/>
+                <a:cs typeface="Lexend Deca"/>
+                <a:sym typeface="Lexend Deca"/>
+              </a:defRPr>
+            </a:lvl7pPr>
+            <a:lvl8pPr marR="0" lvl="7" algn="l" rtl="0">
+              <a:lnSpc>
+                <a:spcPct val="100000"/>
+              </a:lnSpc>
+              <a:spcBef>
+                <a:spcPts val="0"/>
+              </a:spcBef>
+              <a:spcAft>
+                <a:spcPts val="0"/>
+              </a:spcAft>
+              <a:buClr>
+                <a:schemeClr val="lt1"/>
+              </a:buClr>
+              <a:buSzPts val="3600"/>
+              <a:buFont typeface="Lexend Deca"/>
+              <a:buNone/>
+              <a:defRPr sz="3600" b="1" i="0" u="none" strike="noStrike" cap="none">
+                <a:solidFill>
+                  <a:schemeClr val="lt1"/>
+                </a:solidFill>
+                <a:latin typeface="Lexend Deca"/>
+                <a:ea typeface="Lexend Deca"/>
+                <a:cs typeface="Lexend Deca"/>
+                <a:sym typeface="Lexend Deca"/>
+              </a:defRPr>
+            </a:lvl8pPr>
+            <a:lvl9pPr marR="0" lvl="8" algn="l" rtl="0">
+              <a:lnSpc>
+                <a:spcPct val="100000"/>
+              </a:lnSpc>
+              <a:spcBef>
+                <a:spcPts val="0"/>
+              </a:spcBef>
+              <a:spcAft>
+                <a:spcPts val="0"/>
+              </a:spcAft>
+              <a:buClr>
+                <a:schemeClr val="lt1"/>
+              </a:buClr>
+              <a:buSzPts val="3600"/>
+              <a:buFont typeface="Lexend Deca"/>
+              <a:buNone/>
+              <a:defRPr sz="3600" b="1" i="0" u="none" strike="noStrike" cap="none">
+                <a:solidFill>
+                  <a:schemeClr val="lt1"/>
+                </a:solidFill>
+                <a:latin typeface="Lexend Deca"/>
+                <a:ea typeface="Lexend Deca"/>
+                <a:cs typeface="Lexend Deca"/>
+                <a:sym typeface="Lexend Deca"/>
+              </a:defRPr>
+            </a:lvl9pPr>
+          </a:lstStyle>
+          <a:p>
+            <a:r>
+              <a:rPr lang="en-US" b="0" dirty="0" smtClean="0"/>
+              <a:t>Introduction</a:t>
+            </a:r>
+            <a:endParaRPr lang="en-US" dirty="0"/>
+          </a:p>
+        </p:txBody>
+      </p:sp>
+      <p:pic>
+        <p:nvPicPr>
+          <p:cNvPr id="11" name="Picture 10"/>
+          <p:cNvPicPr>
+            <a:picLocks noChangeAspect="1"/>
+          </p:cNvPicPr>
+          <p:nvPr/>
+        </p:nvPicPr>
+        <p:blipFill>
+          <a:blip r:embed="rId3"/>
+          <a:stretch>
+            <a:fillRect/>
+          </a:stretch>
+        </p:blipFill>
+        <p:spPr>
+          <a:xfrm>
+            <a:off x="580550" y="971183"/>
+            <a:ext cx="5852667" cy="4127350"/>
+          </a:xfrm>
+          <a:prstGeom prst="rect">
+            <a:avLst/>
+          </a:prstGeom>
+        </p:spPr>
+      </p:pic>
+    </p:spTree>
+    <p:extLst>
+      <p:ext uri="{BB962C8B-B14F-4D97-AF65-F5344CB8AC3E}">
+        <p14:creationId xmlns:p14="http://schemas.microsoft.com/office/powerpoint/2010/main" val="2784283992"/>
+      </p:ext>
+    </p:extLst>
+  </p:cSld>
+  <p:clrMapOvr>
+    <a:masterClrMapping/>
+  </p:clrMapOvr>
+  <p:timing>
+    <p:tnLst>
+      <p:par>
+        <p:cTn id="1" dur="indefinite" restart="never" nodeType="tmRoot"/>
+      </p:par>
+    </p:tnLst>
+  </p:timing>
+</p:sld>
+</file>
+
+<file path=ppt/slides/slide40.xml><?xml version="1.0" encoding="utf-8"?>
 <p:sld xmlns:a="http://schemas.openxmlformats.org/drawingml/2006/main" xmlns:r="http://schemas.openxmlformats.org/officeDocument/2006/relationships" xmlns:p="http://schemas.openxmlformats.org/presentationml/2006/main">
   <p:cSld>
     <p:spTree>
@@ -22816,7 +28321,7 @@
             </a:pPr>
             <a:fld id="{00000000-1234-1234-1234-123412341234}" type="slidenum">
               <a:rPr lang="en"/>
-              <a:t>32</a:t>
+              <a:t>40</a:t>
             </a:fld>
             <a:endParaRPr/>
           </a:p>
@@ -22837,7 +28342,7 @@
 </p:sld>
 </file>
 
-<file path=ppt/slides/slide33.xml><?xml version="1.0" encoding="utf-8"?>
+<file path=ppt/slides/slide41.xml><?xml version="1.0" encoding="utf-8"?>
 <p:sld xmlns:a="http://schemas.openxmlformats.org/drawingml/2006/main" xmlns:r="http://schemas.openxmlformats.org/officeDocument/2006/relationships" xmlns:p="http://schemas.openxmlformats.org/presentationml/2006/main">
   <p:cSld>
     <p:spTree>
@@ -22890,7 +28395,7 @@
             </a:pPr>
             <a:fld id="{00000000-1234-1234-1234-123412341234}" type="slidenum">
               <a:rPr lang="en"/>
-              <a:t>33</a:t>
+              <a:t>41</a:t>
             </a:fld>
             <a:endParaRPr/>
           </a:p>
@@ -23143,398 +28648,6 @@
         </p:spPr>
       </p:pic>
     </p:spTree>
-  </p:cSld>
-  <p:clrMapOvr>
-    <a:masterClrMapping/>
-  </p:clrMapOvr>
-  <p:timing>
-    <p:tnLst>
-      <p:par>
-        <p:cTn id="1" dur="indefinite" restart="never" nodeType="tmRoot"/>
-      </p:par>
-    </p:tnLst>
-  </p:timing>
-</p:sld>
-</file>
-
-<file path=ppt/slides/slide4.xml><?xml version="1.0" encoding="utf-8"?>
-<p:sld xmlns:a="http://schemas.openxmlformats.org/drawingml/2006/main" xmlns:r="http://schemas.openxmlformats.org/officeDocument/2006/relationships" xmlns:p="http://schemas.openxmlformats.org/presentationml/2006/main">
-  <p:cSld>
-    <p:spTree>
-      <p:nvGrpSpPr>
-        <p:cNvPr id="1" name=""/>
-        <p:cNvGrpSpPr/>
-        <p:nvPr/>
-      </p:nvGrpSpPr>
-      <p:grpSpPr>
-        <a:xfrm>
-          <a:off x="0" y="0"/>
-          <a:ext cx="0" cy="0"/>
-          <a:chOff x="0" y="0"/>
-          <a:chExt cx="0" cy="0"/>
-        </a:xfrm>
-      </p:grpSpPr>
-      <p:pic>
-        <p:nvPicPr>
-          <p:cNvPr id="4" name="Picture 3"/>
-          <p:cNvPicPr>
-            <a:picLocks noChangeAspect="1"/>
-          </p:cNvPicPr>
-          <p:nvPr/>
-        </p:nvPicPr>
-        <p:blipFill>
-          <a:blip r:embed="rId2"/>
-          <a:stretch>
-            <a:fillRect/>
-          </a:stretch>
-        </p:blipFill>
-        <p:spPr>
-          <a:xfrm>
-            <a:off x="6133672" y="1436189"/>
-            <a:ext cx="1377385" cy="1283569"/>
-          </a:xfrm>
-          <a:prstGeom prst="roundRect">
-            <a:avLst>
-              <a:gd name="adj" fmla="val 4167"/>
-            </a:avLst>
-          </a:prstGeom>
-          <a:solidFill>
-            <a:srgbClr val="FFFFFF"/>
-          </a:solidFill>
-          <a:ln w="76200" cap="sq">
-            <a:solidFill>
-              <a:srgbClr val="EAEAEA"/>
-            </a:solidFill>
-            <a:miter lim="800000"/>
-          </a:ln>
-          <a:effectLst>
-            <a:reflection blurRad="12700" stA="33000" endPos="28000" dist="5000" dir="5400000" sy="-100000" algn="bl" rotWithShape="0"/>
-          </a:effectLst>
-          <a:scene3d>
-            <a:camera prst="isometricOffAxis2Left"/>
-            <a:lightRig rig="threePt" dir="t">
-              <a:rot lat="0" lon="0" rev="2700000"/>
-            </a:lightRig>
-          </a:scene3d>
-          <a:sp3d contourW="6350">
-            <a:bevelT h="38100"/>
-            <a:contourClr>
-              <a:srgbClr val="C0C0C0"/>
-            </a:contourClr>
-          </a:sp3d>
-        </p:spPr>
-      </p:pic>
-      <p:sp>
-        <p:nvSpPr>
-          <p:cNvPr id="5" name="Google Shape;103;p18"/>
-          <p:cNvSpPr txBox="1">
-            <a:spLocks/>
-          </p:cNvSpPr>
-          <p:nvPr/>
-        </p:nvSpPr>
-        <p:spPr>
-          <a:xfrm>
-            <a:off x="580550" y="113783"/>
-            <a:ext cx="6014400" cy="857400"/>
-          </a:xfrm>
-          <a:prstGeom prst="rect">
-            <a:avLst/>
-          </a:prstGeom>
-          <a:noFill/>
-          <a:ln>
-            <a:noFill/>
-          </a:ln>
-        </p:spPr>
-        <p:txBody>
-          <a:bodyPr spcFirstLastPara="1" wrap="square" lIns="0" tIns="0" rIns="0" bIns="0" anchor="b" anchorCtr="0">
-            <a:noAutofit/>
-          </a:bodyPr>
-          <a:lstStyle>
-            <a:defPPr marR="0" lvl="0" algn="l" rtl="0">
-              <a:lnSpc>
-                <a:spcPct val="100000"/>
-              </a:lnSpc>
-              <a:spcBef>
-                <a:spcPts val="0"/>
-              </a:spcBef>
-              <a:spcAft>
-                <a:spcPts val="0"/>
-              </a:spcAft>
-            </a:defPPr>
-            <a:lvl1pPr marR="0" lvl="0" algn="l" rtl="0">
-              <a:lnSpc>
-                <a:spcPct val="100000"/>
-              </a:lnSpc>
-              <a:spcBef>
-                <a:spcPts val="0"/>
-              </a:spcBef>
-              <a:spcAft>
-                <a:spcPts val="0"/>
-              </a:spcAft>
-              <a:buClr>
-                <a:schemeClr val="lt1"/>
-              </a:buClr>
-              <a:buSzPts val="3600"/>
-              <a:buFont typeface="Lexend Deca"/>
-              <a:buNone/>
-              <a:defRPr sz="3600" b="1" i="0" u="none" strike="noStrike" cap="none">
-                <a:solidFill>
-                  <a:schemeClr val="lt1"/>
-                </a:solidFill>
-                <a:latin typeface="Lexend Deca"/>
-                <a:ea typeface="Lexend Deca"/>
-                <a:cs typeface="Lexend Deca"/>
-                <a:sym typeface="Lexend Deca"/>
-              </a:defRPr>
-            </a:lvl1pPr>
-            <a:lvl2pPr marR="0" lvl="1" algn="l" rtl="0">
-              <a:lnSpc>
-                <a:spcPct val="100000"/>
-              </a:lnSpc>
-              <a:spcBef>
-                <a:spcPts val="0"/>
-              </a:spcBef>
-              <a:spcAft>
-                <a:spcPts val="0"/>
-              </a:spcAft>
-              <a:buClr>
-                <a:schemeClr val="lt1"/>
-              </a:buClr>
-              <a:buSzPts val="3600"/>
-              <a:buFont typeface="Lexend Deca"/>
-              <a:buNone/>
-              <a:defRPr sz="3600" b="1" i="0" u="none" strike="noStrike" cap="none">
-                <a:solidFill>
-                  <a:schemeClr val="lt1"/>
-                </a:solidFill>
-                <a:latin typeface="Lexend Deca"/>
-                <a:ea typeface="Lexend Deca"/>
-                <a:cs typeface="Lexend Deca"/>
-                <a:sym typeface="Lexend Deca"/>
-              </a:defRPr>
-            </a:lvl2pPr>
-            <a:lvl3pPr marR="0" lvl="2" algn="l" rtl="0">
-              <a:lnSpc>
-                <a:spcPct val="100000"/>
-              </a:lnSpc>
-              <a:spcBef>
-                <a:spcPts val="0"/>
-              </a:spcBef>
-              <a:spcAft>
-                <a:spcPts val="0"/>
-              </a:spcAft>
-              <a:buClr>
-                <a:schemeClr val="lt1"/>
-              </a:buClr>
-              <a:buSzPts val="3600"/>
-              <a:buFont typeface="Lexend Deca"/>
-              <a:buNone/>
-              <a:defRPr sz="3600" b="1" i="0" u="none" strike="noStrike" cap="none">
-                <a:solidFill>
-                  <a:schemeClr val="lt1"/>
-                </a:solidFill>
-                <a:latin typeface="Lexend Deca"/>
-                <a:ea typeface="Lexend Deca"/>
-                <a:cs typeface="Lexend Deca"/>
-                <a:sym typeface="Lexend Deca"/>
-              </a:defRPr>
-            </a:lvl3pPr>
-            <a:lvl4pPr marR="0" lvl="3" algn="l" rtl="0">
-              <a:lnSpc>
-                <a:spcPct val="100000"/>
-              </a:lnSpc>
-              <a:spcBef>
-                <a:spcPts val="0"/>
-              </a:spcBef>
-              <a:spcAft>
-                <a:spcPts val="0"/>
-              </a:spcAft>
-              <a:buClr>
-                <a:schemeClr val="lt1"/>
-              </a:buClr>
-              <a:buSzPts val="3600"/>
-              <a:buFont typeface="Lexend Deca"/>
-              <a:buNone/>
-              <a:defRPr sz="3600" b="1" i="0" u="none" strike="noStrike" cap="none">
-                <a:solidFill>
-                  <a:schemeClr val="lt1"/>
-                </a:solidFill>
-                <a:latin typeface="Lexend Deca"/>
-                <a:ea typeface="Lexend Deca"/>
-                <a:cs typeface="Lexend Deca"/>
-                <a:sym typeface="Lexend Deca"/>
-              </a:defRPr>
-            </a:lvl4pPr>
-            <a:lvl5pPr marR="0" lvl="4" algn="l" rtl="0">
-              <a:lnSpc>
-                <a:spcPct val="100000"/>
-              </a:lnSpc>
-              <a:spcBef>
-                <a:spcPts val="0"/>
-              </a:spcBef>
-              <a:spcAft>
-                <a:spcPts val="0"/>
-              </a:spcAft>
-              <a:buClr>
-                <a:schemeClr val="lt1"/>
-              </a:buClr>
-              <a:buSzPts val="3600"/>
-              <a:buFont typeface="Lexend Deca"/>
-              <a:buNone/>
-              <a:defRPr sz="3600" b="1" i="0" u="none" strike="noStrike" cap="none">
-                <a:solidFill>
-                  <a:schemeClr val="lt1"/>
-                </a:solidFill>
-                <a:latin typeface="Lexend Deca"/>
-                <a:ea typeface="Lexend Deca"/>
-                <a:cs typeface="Lexend Deca"/>
-                <a:sym typeface="Lexend Deca"/>
-              </a:defRPr>
-            </a:lvl5pPr>
-            <a:lvl6pPr marR="0" lvl="5" algn="l" rtl="0">
-              <a:lnSpc>
-                <a:spcPct val="100000"/>
-              </a:lnSpc>
-              <a:spcBef>
-                <a:spcPts val="0"/>
-              </a:spcBef>
-              <a:spcAft>
-                <a:spcPts val="0"/>
-              </a:spcAft>
-              <a:buClr>
-                <a:schemeClr val="lt1"/>
-              </a:buClr>
-              <a:buSzPts val="3600"/>
-              <a:buFont typeface="Lexend Deca"/>
-              <a:buNone/>
-              <a:defRPr sz="3600" b="1" i="0" u="none" strike="noStrike" cap="none">
-                <a:solidFill>
-                  <a:schemeClr val="lt1"/>
-                </a:solidFill>
-                <a:latin typeface="Lexend Deca"/>
-                <a:ea typeface="Lexend Deca"/>
-                <a:cs typeface="Lexend Deca"/>
-                <a:sym typeface="Lexend Deca"/>
-              </a:defRPr>
-            </a:lvl6pPr>
-            <a:lvl7pPr marR="0" lvl="6" algn="l" rtl="0">
-              <a:lnSpc>
-                <a:spcPct val="100000"/>
-              </a:lnSpc>
-              <a:spcBef>
-                <a:spcPts val="0"/>
-              </a:spcBef>
-              <a:spcAft>
-                <a:spcPts val="0"/>
-              </a:spcAft>
-              <a:buClr>
-                <a:schemeClr val="lt1"/>
-              </a:buClr>
-              <a:buSzPts val="3600"/>
-              <a:buFont typeface="Lexend Deca"/>
-              <a:buNone/>
-              <a:defRPr sz="3600" b="1" i="0" u="none" strike="noStrike" cap="none">
-                <a:solidFill>
-                  <a:schemeClr val="lt1"/>
-                </a:solidFill>
-                <a:latin typeface="Lexend Deca"/>
-                <a:ea typeface="Lexend Deca"/>
-                <a:cs typeface="Lexend Deca"/>
-                <a:sym typeface="Lexend Deca"/>
-              </a:defRPr>
-            </a:lvl7pPr>
-            <a:lvl8pPr marR="0" lvl="7" algn="l" rtl="0">
-              <a:lnSpc>
-                <a:spcPct val="100000"/>
-              </a:lnSpc>
-              <a:spcBef>
-                <a:spcPts val="0"/>
-              </a:spcBef>
-              <a:spcAft>
-                <a:spcPts val="0"/>
-              </a:spcAft>
-              <a:buClr>
-                <a:schemeClr val="lt1"/>
-              </a:buClr>
-              <a:buSzPts val="3600"/>
-              <a:buFont typeface="Lexend Deca"/>
-              <a:buNone/>
-              <a:defRPr sz="3600" b="1" i="0" u="none" strike="noStrike" cap="none">
-                <a:solidFill>
-                  <a:schemeClr val="lt1"/>
-                </a:solidFill>
-                <a:latin typeface="Lexend Deca"/>
-                <a:ea typeface="Lexend Deca"/>
-                <a:cs typeface="Lexend Deca"/>
-                <a:sym typeface="Lexend Deca"/>
-              </a:defRPr>
-            </a:lvl8pPr>
-            <a:lvl9pPr marR="0" lvl="8" algn="l" rtl="0">
-              <a:lnSpc>
-                <a:spcPct val="100000"/>
-              </a:lnSpc>
-              <a:spcBef>
-                <a:spcPts val="0"/>
-              </a:spcBef>
-              <a:spcAft>
-                <a:spcPts val="0"/>
-              </a:spcAft>
-              <a:buClr>
-                <a:schemeClr val="lt1"/>
-              </a:buClr>
-              <a:buSzPts val="3600"/>
-              <a:buFont typeface="Lexend Deca"/>
-              <a:buNone/>
-              <a:defRPr sz="3600" b="1" i="0" u="none" strike="noStrike" cap="none">
-                <a:solidFill>
-                  <a:schemeClr val="lt1"/>
-                </a:solidFill>
-                <a:latin typeface="Lexend Deca"/>
-                <a:ea typeface="Lexend Deca"/>
-                <a:cs typeface="Lexend Deca"/>
-                <a:sym typeface="Lexend Deca"/>
-              </a:defRPr>
-            </a:lvl9pPr>
-          </a:lstStyle>
-          <a:p>
-            <a:r>
-              <a:rPr lang="en-US" b="0" dirty="0" smtClean="0"/>
-              <a:t>Introduction</a:t>
-            </a:r>
-            <a:endParaRPr lang="en-US" dirty="0"/>
-          </a:p>
-        </p:txBody>
-      </p:sp>
-      <p:pic>
-        <p:nvPicPr>
-          <p:cNvPr id="11" name="Picture 10"/>
-          <p:cNvPicPr>
-            <a:picLocks noChangeAspect="1"/>
-          </p:cNvPicPr>
-          <p:nvPr/>
-        </p:nvPicPr>
-        <p:blipFill>
-          <a:blip r:embed="rId3"/>
-          <a:stretch>
-            <a:fillRect/>
-          </a:stretch>
-        </p:blipFill>
-        <p:spPr>
-          <a:xfrm>
-            <a:off x="580550" y="971183"/>
-            <a:ext cx="5852667" cy="4127350"/>
-          </a:xfrm>
-          <a:prstGeom prst="rect">
-            <a:avLst/>
-          </a:prstGeom>
-        </p:spPr>
-      </p:pic>
-    </p:spTree>
-    <p:extLst>
-      <p:ext uri="{BB962C8B-B14F-4D97-AF65-F5344CB8AC3E}">
-        <p14:creationId xmlns:p14="http://schemas.microsoft.com/office/powerpoint/2010/main" val="2784283992"/>
-      </p:ext>
-    </p:extLst>
   </p:cSld>
   <p:clrMapOvr>
     <a:masterClrMapping/>

--- a/Aliena · SlidesCarnival.pptx
+++ b/Aliena · SlidesCarnival.pptx
@@ -16088,8 +16088,8 @@
         </p:blipFill>
         <p:spPr>
           <a:xfrm>
-            <a:off x="3648074" y="1252038"/>
-            <a:ext cx="5057775" cy="2475367"/>
+            <a:off x="3607760" y="1168842"/>
+            <a:ext cx="5147174" cy="2647784"/>
           </a:xfrm>
           <a:prstGeom prst="rect">
             <a:avLst/>
@@ -16593,11 +16593,10 @@
           </p:cNvPicPr>
           <p:nvPr/>
         </p:nvPicPr>
-        <p:blipFill>
+        <p:blipFill rotWithShape="1">
           <a:blip r:embed="rId3"/>
-          <a:stretch>
-            <a:fillRect/>
-          </a:stretch>
+          <a:srcRect r="629"/>
+          <a:stretch/>
         </p:blipFill>
         <p:spPr>
           <a:xfrm>
@@ -21084,16 +21083,7 @@
                 </a:solidFill>
                 <a:latin typeface="Muli"/>
               </a:rPr>
-              <a:t>For better view of the flow chart </a:t>
-            </a:r>
-            <a:r>
-              <a:rPr lang="en-US" sz="1600" dirty="0" smtClean="0">
-                <a:solidFill>
-                  <a:schemeClr val="bg1"/>
-                </a:solidFill>
-                <a:latin typeface="Muli"/>
-              </a:rPr>
-              <a:t>visit:</a:t>
+              <a:t>For better view of the flow chart visit:</a:t>
             </a:r>
           </a:p>
           <a:p>
